--- a/Poster.pptx
+++ b/Poster.pptx
@@ -4,15 +4,16 @@
   <p:sldMasterIdLst>
     <p:sldMasterId id="2147483650" r:id="rId1"/>
     <p:sldMasterId id="2147483660" r:id="rId2"/>
+    <p:sldMasterId id="2147483653" r:id="rId3"/>
   </p:sldMasterIdLst>
   <p:notesMasterIdLst>
-    <p:notesMasterId r:id="rId4"/>
+    <p:notesMasterId r:id="rId5"/>
   </p:notesMasterIdLst>
   <p:handoutMasterIdLst>
-    <p:handoutMasterId r:id="rId5"/>
+    <p:handoutMasterId r:id="rId6"/>
   </p:handoutMasterIdLst>
   <p:sldIdLst>
-    <p:sldId id="256" r:id="rId3"/>
+    <p:sldId id="257" r:id="rId4"/>
   </p:sldIdLst>
   <p:sldSz cx="30275213" cy="42840275"/>
   <p:notesSz cx="6858000" cy="9144000"/>
@@ -114,6 +115,16 @@
   <p:extLst>
     <p:ext uri="{EFAFB233-063F-42B5-8137-9DF3F51BA10A}">
       <p15:sldGuideLst xmlns:p15="http://schemas.microsoft.com/office/powerpoint/2012/main">
+        <p15:guide id="1" orient="horz" pos="4320" userDrawn="1">
+          <p15:clr>
+            <a:srgbClr val="A4A3A4"/>
+          </p15:clr>
+        </p15:guide>
+        <p15:guide id="2" orient="horz" pos="375" userDrawn="1">
+          <p15:clr>
+            <a:srgbClr val="A4A3A4"/>
+          </p15:clr>
+        </p15:guide>
         <p15:guide id="3" orient="horz" pos="26236" userDrawn="1">
           <p15:clr>
             <a:srgbClr val="A4A3A4"/>
@@ -246,7 +257,7 @@
             <a:fld id="{0158C5BC-9A70-462C-B28D-9600239EAC64}" type="datetimeFigureOut">
               <a:rPr lang="en-US" smtClean="0"/>
               <a:pPr/>
-              <a:t>1/8/2025</a:t>
+              <a:t>1/17/2025</a:t>
             </a:fld>
             <a:endParaRPr lang="en-US"/>
           </a:p>
@@ -413,7 +424,7 @@
             <a:fld id="{E6CC2317-6751-4CD4-9995-8782DD78E936}" type="datetimeFigureOut">
               <a:rPr lang="en-US" smtClean="0"/>
               <a:pPr/>
-              <a:t>1/8/2025</a:t>
+              <a:t>1/17/2025</a:t>
             </a:fld>
             <a:endParaRPr lang="en-US" dirty="0"/>
           </a:p>
@@ -710,12 +721,7 @@
             <p:ph type="sldImg"/>
           </p:nvPr>
         </p:nvSpPr>
-        <p:spPr>
-          <a:xfrm>
-            <a:off x="2217738" y="685800"/>
-            <a:ext cx="2422525" cy="3429000"/>
-          </a:xfrm>
-        </p:spPr>
+        <p:spPr/>
       </p:sp>
       <p:sp>
         <p:nvSpPr>
@@ -729,12 +735,10 @@
         </p:nvSpPr>
         <p:spPr/>
         <p:txBody>
-          <a:bodyPr>
-            <a:normAutofit/>
-          </a:bodyPr>
+          <a:bodyPr/>
           <a:lstStyle/>
           <a:p>
-            <a:endParaRPr lang="en-US"/>
+            <a:endParaRPr lang="en-US" dirty="0"/>
           </a:p>
         </p:txBody>
       </p:sp>
@@ -745,7 +749,7 @@
             <a:spLocks noGrp="1"/>
           </p:cNvSpPr>
           <p:nvPr>
-            <p:ph type="sldNum" sz="quarter" idx="10"/>
+            <p:ph type="sldNum" sz="quarter" idx="5"/>
           </p:nvPr>
         </p:nvSpPr>
         <p:spPr/>
@@ -765,7 +769,7 @@
     </p:spTree>
     <p:extLst>
       <p:ext uri="{BB962C8B-B14F-4D97-AF65-F5344CB8AC3E}">
-        <p14:creationId xmlns:p14="http://schemas.microsoft.com/office/powerpoint/2010/main" val="807660202"/>
+        <p14:creationId xmlns:p14="http://schemas.microsoft.com/office/powerpoint/2010/main" val="4091059307"/>
       </p:ext>
     </p:extLst>
   </p:cSld>
@@ -777,7 +781,7 @@
 
 <file path=ppt/slideLayouts/slideLayout1.xml><?xml version="1.0" encoding="utf-8"?>
 <p:sldLayout xmlns:a="http://schemas.openxmlformats.org/drawingml/2006/main" xmlns:r="http://schemas.openxmlformats.org/officeDocument/2006/relationships" xmlns:p="http://schemas.openxmlformats.org/presentationml/2006/main" preserve="1" userDrawn="1">
-  <p:cSld name="100CMx140CM template">
+  <p:cSld name="1_Standard 4 columns">
     <p:spTree>
       <p:nvGrpSpPr>
         <p:cNvPr id="1" name=""/>
@@ -812,13 +816,13 @@
           </a:prstGeom>
         </p:spPr>
         <p:txBody>
-          <a:bodyPr wrap="square" lIns="223877" tIns="223877" rIns="223877" bIns="223877">
+          <a:bodyPr wrap="square" lIns="223877" tIns="223877" rIns="223877" bIns="223877" anchor="t" anchorCtr="0">
             <a:spAutoFit/>
           </a:bodyPr>
           <a:lstStyle>
             <a:lvl1pPr marL="0" indent="0">
               <a:buNone/>
-              <a:defRPr sz="2803">
+              <a:defRPr sz="2800">
                 <a:solidFill>
                   <a:schemeClr val="accent5">
                     <a:lumMod val="50000"/>
@@ -828,23 +832,23 @@
                 <a:cs typeface="Times New Roman" panose="02020603050405020304" pitchFamily="18" charset="0"/>
               </a:defRPr>
             </a:lvl1pPr>
-            <a:lvl2pPr marL="1456501" indent="-560192">
-              <a:defRPr sz="2502">
+            <a:lvl2pPr marL="1455191" indent="-559688">
+              <a:defRPr sz="2500">
                 <a:latin typeface="Trebuchet MS" pitchFamily="34" charset="0"/>
               </a:defRPr>
             </a:lvl2pPr>
-            <a:lvl3pPr marL="2016692" indent="-560192">
-              <a:defRPr sz="2502">
+            <a:lvl3pPr marL="2014879" indent="-559688">
+              <a:defRPr sz="2500">
                 <a:latin typeface="Trebuchet MS" pitchFamily="34" charset="0"/>
               </a:defRPr>
             </a:lvl3pPr>
-            <a:lvl4pPr marL="2632904" indent="-616212">
-              <a:defRPr sz="2502">
+            <a:lvl4pPr marL="2630537" indent="-615658">
+              <a:defRPr sz="2500">
                 <a:latin typeface="Trebuchet MS" pitchFamily="34" charset="0"/>
               </a:defRPr>
             </a:lvl4pPr>
-            <a:lvl5pPr marL="3081058" indent="-448154">
-              <a:defRPr sz="2502">
+            <a:lvl5pPr marL="3078288" indent="-447751">
+              <a:defRPr sz="2500">
                 <a:latin typeface="Trebuchet MS" pitchFamily="34" charset="0"/>
               </a:defRPr>
             </a:lvl5pPr>
@@ -879,13 +883,13 @@
           <a:noFill/>
         </p:spPr>
         <p:txBody>
-          <a:bodyPr wrap="square" lIns="89551" tIns="89551" rIns="89551" bIns="89551" anchor="ctr" anchorCtr="0">
+          <a:bodyPr wrap="square" lIns="89551" tIns="89551" rIns="89551" bIns="89551" anchor="t" anchorCtr="0">
             <a:spAutoFit/>
           </a:bodyPr>
           <a:lstStyle>
             <a:lvl1pPr marL="0" indent="0" algn="ctr">
               <a:buNone/>
-              <a:defRPr sz="3904" b="1" u="sng" baseline="0">
+              <a:defRPr sz="3900" b="1" u="sng" baseline="0">
                 <a:solidFill>
                   <a:schemeClr val="accent5">
                     <a:lumMod val="50000"/>
@@ -924,13 +928,13 @@
           <a:noFill/>
         </p:spPr>
         <p:txBody>
-          <a:bodyPr wrap="square" lIns="89551" tIns="89551" rIns="89551" bIns="89551" anchor="ctr" anchorCtr="0">
+          <a:bodyPr wrap="square" lIns="89551" tIns="89551" rIns="89551" bIns="89551" anchor="t" anchorCtr="0">
             <a:spAutoFit/>
           </a:bodyPr>
           <a:lstStyle>
             <a:lvl1pPr marL="0" indent="0" algn="ctr">
               <a:buNone/>
-              <a:defRPr sz="3904" b="1" u="sng" baseline="0">
+              <a:defRPr sz="3900" b="1" u="sng" baseline="0">
                 <a:solidFill>
                   <a:schemeClr val="accent5">
                     <a:lumMod val="50000"/>
@@ -969,13 +973,13 @@
           <a:noFill/>
         </p:spPr>
         <p:txBody>
-          <a:bodyPr wrap="square" lIns="89551" tIns="89551" rIns="89551" bIns="89551" anchor="ctr" anchorCtr="0">
+          <a:bodyPr wrap="square" lIns="89551" tIns="89551" rIns="89551" bIns="89551" anchor="t" anchorCtr="0">
             <a:spAutoFit/>
           </a:bodyPr>
           <a:lstStyle>
             <a:lvl1pPr marL="0" indent="0" algn="ctr">
               <a:buNone/>
-              <a:defRPr sz="3904" b="1" u="sng" baseline="0">
+              <a:defRPr sz="3900" b="1" u="sng" baseline="0">
                 <a:solidFill>
                   <a:schemeClr val="accent5">
                     <a:lumMod val="50000"/>
@@ -1013,13 +1017,13 @@
           </a:prstGeom>
         </p:spPr>
         <p:txBody>
-          <a:bodyPr wrap="square" lIns="223877" tIns="223877" rIns="223877" bIns="223877">
+          <a:bodyPr wrap="square" lIns="223877" tIns="223877" rIns="223877" bIns="223877" anchor="t" anchorCtr="0">
             <a:spAutoFit/>
           </a:bodyPr>
           <a:lstStyle>
             <a:lvl1pPr marL="0" indent="0">
               <a:buNone/>
-              <a:defRPr sz="2803">
+              <a:defRPr sz="2800">
                 <a:solidFill>
                   <a:schemeClr val="accent5">
                     <a:lumMod val="50000"/>
@@ -1029,23 +1033,23 @@
                 <a:cs typeface="Times New Roman" panose="02020603050405020304" pitchFamily="18" charset="0"/>
               </a:defRPr>
             </a:lvl1pPr>
-            <a:lvl2pPr marL="1456501" indent="-560192">
-              <a:defRPr sz="2502">
+            <a:lvl2pPr marL="1455191" indent="-559688">
+              <a:defRPr sz="2500">
                 <a:latin typeface="Trebuchet MS" pitchFamily="34" charset="0"/>
               </a:defRPr>
             </a:lvl2pPr>
-            <a:lvl3pPr marL="2016692" indent="-560192">
-              <a:defRPr sz="2502">
+            <a:lvl3pPr marL="2014879" indent="-559688">
+              <a:defRPr sz="2500">
                 <a:latin typeface="Trebuchet MS" pitchFamily="34" charset="0"/>
               </a:defRPr>
             </a:lvl3pPr>
-            <a:lvl4pPr marL="2632904" indent="-616212">
-              <a:defRPr sz="2502">
+            <a:lvl4pPr marL="2630537" indent="-615658">
+              <a:defRPr sz="2500">
                 <a:latin typeface="Trebuchet MS" pitchFamily="34" charset="0"/>
               </a:defRPr>
             </a:lvl4pPr>
-            <a:lvl5pPr marL="3081058" indent="-448154">
-              <a:defRPr sz="2502">
+            <a:lvl5pPr marL="3078288" indent="-447751">
+              <a:defRPr sz="2500">
                 <a:latin typeface="Trebuchet MS" pitchFamily="34" charset="0"/>
               </a:defRPr>
             </a:lvl5pPr>
@@ -1080,13 +1084,13 @@
           <a:noFill/>
         </p:spPr>
         <p:txBody>
-          <a:bodyPr wrap="square" lIns="89551" tIns="89551" rIns="89551" bIns="89551" anchor="ctr" anchorCtr="0">
+          <a:bodyPr wrap="square" lIns="89551" tIns="89551" rIns="89551" bIns="89551" anchor="t" anchorCtr="0">
             <a:spAutoFit/>
           </a:bodyPr>
           <a:lstStyle>
             <a:lvl1pPr marL="0" indent="0" algn="ctr">
               <a:buNone/>
-              <a:defRPr sz="3904" b="1" u="sng" baseline="0">
+              <a:defRPr sz="3900" b="1" u="sng" baseline="0">
                 <a:solidFill>
                   <a:schemeClr val="accent5">
                     <a:lumMod val="50000"/>
@@ -1124,13 +1128,13 @@
           </a:prstGeom>
         </p:spPr>
         <p:txBody>
-          <a:bodyPr wrap="square" lIns="223877" tIns="223877" rIns="223877" bIns="223877">
+          <a:bodyPr wrap="square" lIns="223877" tIns="223877" rIns="223877" bIns="223877" anchor="t" anchorCtr="0">
             <a:spAutoFit/>
           </a:bodyPr>
           <a:lstStyle>
             <a:lvl1pPr marL="0" indent="0">
               <a:buNone/>
-              <a:defRPr sz="2803">
+              <a:defRPr sz="2800">
                 <a:solidFill>
                   <a:schemeClr val="accent5">
                     <a:lumMod val="50000"/>
@@ -1140,23 +1144,23 @@
                 <a:cs typeface="Times New Roman" panose="02020603050405020304" pitchFamily="18" charset="0"/>
               </a:defRPr>
             </a:lvl1pPr>
-            <a:lvl2pPr marL="1456501" indent="-560192">
-              <a:defRPr sz="2502">
+            <a:lvl2pPr marL="1455191" indent="-559688">
+              <a:defRPr sz="2500">
                 <a:latin typeface="Trebuchet MS" pitchFamily="34" charset="0"/>
               </a:defRPr>
             </a:lvl2pPr>
-            <a:lvl3pPr marL="2016692" indent="-560192">
-              <a:defRPr sz="2502">
+            <a:lvl3pPr marL="2014879" indent="-559688">
+              <a:defRPr sz="2500">
                 <a:latin typeface="Trebuchet MS" pitchFamily="34" charset="0"/>
               </a:defRPr>
             </a:lvl3pPr>
-            <a:lvl4pPr marL="2632904" indent="-616212">
-              <a:defRPr sz="2502">
+            <a:lvl4pPr marL="2630537" indent="-615658">
+              <a:defRPr sz="2500">
                 <a:latin typeface="Trebuchet MS" pitchFamily="34" charset="0"/>
               </a:defRPr>
             </a:lvl4pPr>
-            <a:lvl5pPr marL="3081058" indent="-448154">
-              <a:defRPr sz="2502">
+            <a:lvl5pPr marL="3078288" indent="-447751">
+              <a:defRPr sz="2500">
                 <a:latin typeface="Trebuchet MS" pitchFamily="34" charset="0"/>
               </a:defRPr>
             </a:lvl5pPr>
@@ -1191,13 +1195,13 @@
           <a:noFill/>
         </p:spPr>
         <p:txBody>
-          <a:bodyPr wrap="square" lIns="89551" tIns="89551" rIns="89551" bIns="89551" anchor="ctr" anchorCtr="0">
+          <a:bodyPr wrap="square" lIns="89551" tIns="89551" rIns="89551" bIns="89551" anchor="t" anchorCtr="0">
             <a:spAutoFit/>
           </a:bodyPr>
           <a:lstStyle>
             <a:lvl1pPr marL="0" indent="0" algn="ctr">
               <a:buNone/>
-              <a:defRPr sz="3904" b="1" u="sng" baseline="0">
+              <a:defRPr sz="3900" b="1" u="sng" baseline="0">
                 <a:solidFill>
                   <a:schemeClr val="accent5">
                     <a:lumMod val="50000"/>
@@ -1235,13 +1239,13 @@
           </a:prstGeom>
         </p:spPr>
         <p:txBody>
-          <a:bodyPr wrap="square" lIns="223877" tIns="223877" rIns="223877" bIns="223877">
+          <a:bodyPr wrap="square" lIns="223877" tIns="223877" rIns="223877" bIns="223877" anchor="t" anchorCtr="0">
             <a:spAutoFit/>
           </a:bodyPr>
           <a:lstStyle>
             <a:lvl1pPr marL="0" indent="0">
               <a:buNone/>
-              <a:defRPr sz="2803">
+              <a:defRPr sz="2800">
                 <a:solidFill>
                   <a:schemeClr val="accent5">
                     <a:lumMod val="50000"/>
@@ -1251,23 +1255,23 @@
                 <a:cs typeface="Times New Roman" panose="02020603050405020304" pitchFamily="18" charset="0"/>
               </a:defRPr>
             </a:lvl1pPr>
-            <a:lvl2pPr marL="1456501" indent="-560192">
-              <a:defRPr sz="2502">
+            <a:lvl2pPr marL="1455191" indent="-559688">
+              <a:defRPr sz="2500">
                 <a:latin typeface="Trebuchet MS" pitchFamily="34" charset="0"/>
               </a:defRPr>
             </a:lvl2pPr>
-            <a:lvl3pPr marL="2016692" indent="-560192">
-              <a:defRPr sz="2502">
+            <a:lvl3pPr marL="2014879" indent="-559688">
+              <a:defRPr sz="2500">
                 <a:latin typeface="Trebuchet MS" pitchFamily="34" charset="0"/>
               </a:defRPr>
             </a:lvl3pPr>
-            <a:lvl4pPr marL="2632904" indent="-616212">
-              <a:defRPr sz="2502">
+            <a:lvl4pPr marL="2630537" indent="-615658">
+              <a:defRPr sz="2500">
                 <a:latin typeface="Trebuchet MS" pitchFamily="34" charset="0"/>
               </a:defRPr>
             </a:lvl4pPr>
-            <a:lvl5pPr marL="3081058" indent="-448154">
-              <a:defRPr sz="2502">
+            <a:lvl5pPr marL="3078288" indent="-447751">
+              <a:defRPr sz="2500">
                 <a:latin typeface="Trebuchet MS" pitchFamily="34" charset="0"/>
               </a:defRPr>
             </a:lvl5pPr>
@@ -1301,13 +1305,13 @@
           </a:prstGeom>
         </p:spPr>
         <p:txBody>
-          <a:bodyPr wrap="square" lIns="223877" tIns="223877" rIns="223877" bIns="223877">
+          <a:bodyPr wrap="square" lIns="223877" tIns="223877" rIns="223877" bIns="223877" anchor="t" anchorCtr="0">
             <a:spAutoFit/>
           </a:bodyPr>
           <a:lstStyle>
             <a:lvl1pPr marL="0" indent="0">
               <a:buNone/>
-              <a:defRPr sz="2803">
+              <a:defRPr sz="2800">
                 <a:solidFill>
                   <a:schemeClr val="accent5">
                     <a:lumMod val="50000"/>
@@ -1317,23 +1321,23 @@
                 <a:cs typeface="Times New Roman" panose="02020603050405020304" pitchFamily="18" charset="0"/>
               </a:defRPr>
             </a:lvl1pPr>
-            <a:lvl2pPr marL="1456501" indent="-560192">
-              <a:defRPr sz="2502">
+            <a:lvl2pPr marL="1455191" indent="-559688">
+              <a:defRPr sz="2500">
                 <a:latin typeface="Trebuchet MS" pitchFamily="34" charset="0"/>
               </a:defRPr>
             </a:lvl2pPr>
-            <a:lvl3pPr marL="2016692" indent="-560192">
-              <a:defRPr sz="2502">
+            <a:lvl3pPr marL="2014879" indent="-559688">
+              <a:defRPr sz="2500">
                 <a:latin typeface="Trebuchet MS" pitchFamily="34" charset="0"/>
               </a:defRPr>
             </a:lvl3pPr>
-            <a:lvl4pPr marL="2632904" indent="-616212">
-              <a:defRPr sz="2502">
+            <a:lvl4pPr marL="2630537" indent="-615658">
+              <a:defRPr sz="2500">
                 <a:latin typeface="Trebuchet MS" pitchFamily="34" charset="0"/>
               </a:defRPr>
             </a:lvl4pPr>
-            <a:lvl5pPr marL="3081058" indent="-448154">
-              <a:defRPr sz="2502">
+            <a:lvl5pPr marL="3078288" indent="-447751">
+              <a:defRPr sz="2500">
                 <a:latin typeface="Trebuchet MS" pitchFamily="34" charset="0"/>
               </a:defRPr>
             </a:lvl5pPr>
@@ -1360,21 +1364,21 @@
         <p:spPr>
           <a:xfrm>
             <a:off x="4090900" y="4114382"/>
-            <a:ext cx="22093415" cy="1088487"/>
+            <a:ext cx="22093415" cy="909877"/>
           </a:xfrm>
           <a:prstGeom prst="rect">
             <a:avLst/>
           </a:prstGeom>
         </p:spPr>
         <p:txBody>
-          <a:bodyPr lIns="77349" tIns="38675" rIns="77349" bIns="38675">
-            <a:normAutofit/>
+          <a:bodyPr lIns="77349" tIns="38675" rIns="77349" bIns="38675" anchor="t" anchorCtr="0">
+            <a:spAutoFit/>
           </a:bodyPr>
           <a:lstStyle>
             <a:lvl1pPr marL="0" indent="0" algn="ctr">
               <a:buFontTx/>
               <a:buNone/>
-              <a:defRPr sz="5405">
+              <a:defRPr sz="5400">
                 <a:solidFill>
                   <a:schemeClr val="accent5">
                     <a:lumMod val="50000"/>
@@ -1386,22 +1390,22 @@
             <a:lvl2pPr>
               <a:buFontTx/>
               <a:buNone/>
-              <a:defRPr sz="6105"/>
+              <a:defRPr sz="6100"/>
             </a:lvl2pPr>
             <a:lvl3pPr>
               <a:buFontTx/>
               <a:buNone/>
-              <a:defRPr sz="6105"/>
+              <a:defRPr sz="6100"/>
             </a:lvl3pPr>
             <a:lvl4pPr>
               <a:buFontTx/>
               <a:buNone/>
-              <a:defRPr sz="6105"/>
+              <a:defRPr sz="6100"/>
             </a:lvl4pPr>
             <a:lvl5pPr>
               <a:buFontTx/>
               <a:buNone/>
-              <a:defRPr sz="6105"/>
+              <a:defRPr sz="6100"/>
             </a:lvl5pPr>
           </a:lstStyle>
           <a:p>
@@ -1425,22 +1429,22 @@
         </p:nvSpPr>
         <p:spPr>
           <a:xfrm>
-            <a:off x="4090900" y="2560645"/>
-            <a:ext cx="22093415" cy="1263233"/>
+            <a:off x="4090900" y="2560646"/>
+            <a:ext cx="22093415" cy="1187113"/>
           </a:xfrm>
           <a:prstGeom prst="rect">
             <a:avLst/>
           </a:prstGeom>
         </p:spPr>
         <p:txBody>
-          <a:bodyPr lIns="77349" tIns="38675" rIns="77349" bIns="38675" anchor="t" anchorCtr="1">
-            <a:noAutofit/>
+          <a:bodyPr lIns="77349" tIns="38675" rIns="77349" bIns="38675" anchor="t" anchorCtr="0">
+            <a:spAutoFit/>
           </a:bodyPr>
           <a:lstStyle>
             <a:lvl1pPr marL="0" indent="0" algn="ctr">
               <a:buFontTx/>
               <a:buNone/>
-              <a:defRPr sz="7206">
+              <a:defRPr sz="7200">
                 <a:solidFill>
                   <a:schemeClr val="accent5">
                     <a:lumMod val="50000"/>
@@ -1452,22 +1456,22 @@
             <a:lvl2pPr>
               <a:buFontTx/>
               <a:buNone/>
-              <a:defRPr sz="6105"/>
+              <a:defRPr sz="6100"/>
             </a:lvl2pPr>
             <a:lvl3pPr>
               <a:buFontTx/>
               <a:buNone/>
-              <a:defRPr sz="6105"/>
+              <a:defRPr sz="6100"/>
             </a:lvl3pPr>
             <a:lvl4pPr>
               <a:buFontTx/>
               <a:buNone/>
-              <a:defRPr sz="6105"/>
+              <a:defRPr sz="6100"/>
             </a:lvl4pPr>
             <a:lvl5pPr>
               <a:buFontTx/>
               <a:buNone/>
-              <a:defRPr sz="6105"/>
+              <a:defRPr sz="6100"/>
             </a:lvl5pPr>
           </a:lstStyle>
           <a:p>
@@ -1492,21 +1496,21 @@
         <p:spPr>
           <a:xfrm>
             <a:off x="4090900" y="493361"/>
-            <a:ext cx="22093415" cy="1776781"/>
+            <a:ext cx="22093415" cy="1556760"/>
           </a:xfrm>
           <a:prstGeom prst="rect">
             <a:avLst/>
           </a:prstGeom>
         </p:spPr>
         <p:txBody>
-          <a:bodyPr lIns="77349" tIns="38675" rIns="77349" bIns="38675" anchor="t" anchorCtr="1">
-            <a:normAutofit/>
+          <a:bodyPr lIns="77349" tIns="38675" rIns="77349" bIns="38675" anchor="t" anchorCtr="0">
+            <a:spAutoFit/>
           </a:bodyPr>
           <a:lstStyle>
             <a:lvl1pPr marL="0" indent="0" algn="ctr">
               <a:buFontTx/>
               <a:buNone/>
-              <a:defRPr sz="9809" b="1">
+              <a:defRPr sz="9600" b="1">
                 <a:solidFill>
                   <a:schemeClr val="accent5">
                     <a:lumMod val="50000"/>
@@ -1518,22 +1522,22 @@
             <a:lvl2pPr>
               <a:buFontTx/>
               <a:buNone/>
-              <a:defRPr sz="6105"/>
+              <a:defRPr sz="6100"/>
             </a:lvl2pPr>
             <a:lvl3pPr>
               <a:buFontTx/>
               <a:buNone/>
-              <a:defRPr sz="6105"/>
+              <a:defRPr sz="6100"/>
             </a:lvl3pPr>
             <a:lvl4pPr>
               <a:buFontTx/>
               <a:buNone/>
-              <a:defRPr sz="6105"/>
+              <a:defRPr sz="6100"/>
             </a:lvl4pPr>
             <a:lvl5pPr>
               <a:buFontTx/>
               <a:buNone/>
-              <a:defRPr sz="6105"/>
+              <a:defRPr sz="6100"/>
             </a:lvl5pPr>
           </a:lstStyle>
           <a:p>
@@ -1555,7 +1559,7 @@
 
 <file path=ppt/slideLayouts/slideLayout2.xml><?xml version="1.0" encoding="utf-8"?>
 <p:sldLayout xmlns:a="http://schemas.openxmlformats.org/drawingml/2006/main" xmlns:r="http://schemas.openxmlformats.org/officeDocument/2006/relationships" xmlns:p="http://schemas.openxmlformats.org/presentationml/2006/main" preserve="1" userDrawn="1">
-  <p:cSld name="Without guides">
+  <p:cSld name="Without Quick Guides">
     <p:spTree>
       <p:nvGrpSpPr>
         <p:cNvPr id="1" name=""/>
@@ -1590,13 +1594,13 @@
           </a:prstGeom>
         </p:spPr>
         <p:txBody>
-          <a:bodyPr wrap="square" lIns="223877" tIns="223877" rIns="223877" bIns="223877">
+          <a:bodyPr wrap="square" lIns="223877" tIns="223877" rIns="223877" bIns="223877" anchor="t" anchorCtr="0">
             <a:spAutoFit/>
           </a:bodyPr>
           <a:lstStyle>
             <a:lvl1pPr marL="0" indent="0">
               <a:buNone/>
-              <a:defRPr sz="2803">
+              <a:defRPr sz="2800">
                 <a:solidFill>
                   <a:schemeClr val="accent5">
                     <a:lumMod val="50000"/>
@@ -1606,23 +1610,23 @@
                 <a:cs typeface="Times New Roman" panose="02020603050405020304" pitchFamily="18" charset="0"/>
               </a:defRPr>
             </a:lvl1pPr>
-            <a:lvl2pPr marL="1456501" indent="-560192">
-              <a:defRPr sz="2502">
+            <a:lvl2pPr marL="1455191" indent="-559688">
+              <a:defRPr sz="2500">
                 <a:latin typeface="Trebuchet MS" pitchFamily="34" charset="0"/>
               </a:defRPr>
             </a:lvl2pPr>
-            <a:lvl3pPr marL="2016692" indent="-560192">
-              <a:defRPr sz="2502">
+            <a:lvl3pPr marL="2014879" indent="-559688">
+              <a:defRPr sz="2500">
                 <a:latin typeface="Trebuchet MS" pitchFamily="34" charset="0"/>
               </a:defRPr>
             </a:lvl3pPr>
-            <a:lvl4pPr marL="2632904" indent="-616212">
-              <a:defRPr sz="2502">
+            <a:lvl4pPr marL="2630537" indent="-615658">
+              <a:defRPr sz="2500">
                 <a:latin typeface="Trebuchet MS" pitchFamily="34" charset="0"/>
               </a:defRPr>
             </a:lvl4pPr>
-            <a:lvl5pPr marL="3081058" indent="-448154">
-              <a:defRPr sz="2502">
+            <a:lvl5pPr marL="3078288" indent="-447751">
+              <a:defRPr sz="2500">
                 <a:latin typeface="Trebuchet MS" pitchFamily="34" charset="0"/>
               </a:defRPr>
             </a:lvl5pPr>
@@ -1657,13 +1661,13 @@
           <a:noFill/>
         </p:spPr>
         <p:txBody>
-          <a:bodyPr wrap="square" lIns="89551" tIns="89551" rIns="89551" bIns="89551" anchor="ctr" anchorCtr="0">
+          <a:bodyPr wrap="square" lIns="89551" tIns="89551" rIns="89551" bIns="89551" anchor="t" anchorCtr="0">
             <a:spAutoFit/>
           </a:bodyPr>
           <a:lstStyle>
             <a:lvl1pPr marL="0" indent="0" algn="ctr">
               <a:buNone/>
-              <a:defRPr sz="3904" b="1" u="sng" baseline="0">
+              <a:defRPr sz="3900" b="1" u="sng" baseline="0">
                 <a:solidFill>
                   <a:schemeClr val="accent5">
                     <a:lumMod val="50000"/>
@@ -1702,13 +1706,13 @@
           <a:noFill/>
         </p:spPr>
         <p:txBody>
-          <a:bodyPr wrap="square" lIns="89551" tIns="89551" rIns="89551" bIns="89551" anchor="ctr" anchorCtr="0">
+          <a:bodyPr wrap="square" lIns="89551" tIns="89551" rIns="89551" bIns="89551" anchor="t" anchorCtr="0">
             <a:spAutoFit/>
           </a:bodyPr>
           <a:lstStyle>
             <a:lvl1pPr marL="0" indent="0" algn="ctr">
               <a:buNone/>
-              <a:defRPr sz="3904" b="1" u="sng" baseline="0">
+              <a:defRPr sz="3900" b="1" u="sng" baseline="0">
                 <a:solidFill>
                   <a:schemeClr val="accent5">
                     <a:lumMod val="50000"/>
@@ -1747,13 +1751,13 @@
           <a:noFill/>
         </p:spPr>
         <p:txBody>
-          <a:bodyPr wrap="square" lIns="89551" tIns="89551" rIns="89551" bIns="89551" anchor="ctr" anchorCtr="0">
+          <a:bodyPr wrap="square" lIns="89551" tIns="89551" rIns="89551" bIns="89551" anchor="t" anchorCtr="0">
             <a:spAutoFit/>
           </a:bodyPr>
           <a:lstStyle>
             <a:lvl1pPr marL="0" indent="0" algn="ctr">
               <a:buNone/>
-              <a:defRPr sz="3904" b="1" u="sng" baseline="0">
+              <a:defRPr sz="3900" b="1" u="sng" baseline="0">
                 <a:solidFill>
                   <a:schemeClr val="accent5">
                     <a:lumMod val="50000"/>
@@ -1791,13 +1795,13 @@
           </a:prstGeom>
         </p:spPr>
         <p:txBody>
-          <a:bodyPr wrap="square" lIns="223877" tIns="223877" rIns="223877" bIns="223877">
+          <a:bodyPr wrap="square" lIns="223877" tIns="223877" rIns="223877" bIns="223877" anchor="t" anchorCtr="0">
             <a:spAutoFit/>
           </a:bodyPr>
           <a:lstStyle>
             <a:lvl1pPr marL="0" indent="0">
               <a:buNone/>
-              <a:defRPr sz="2803">
+              <a:defRPr sz="2800">
                 <a:solidFill>
                   <a:schemeClr val="accent5">
                     <a:lumMod val="50000"/>
@@ -1807,23 +1811,23 @@
                 <a:cs typeface="Times New Roman" panose="02020603050405020304" pitchFamily="18" charset="0"/>
               </a:defRPr>
             </a:lvl1pPr>
-            <a:lvl2pPr marL="1456501" indent="-560192">
-              <a:defRPr sz="2502">
+            <a:lvl2pPr marL="1455191" indent="-559688">
+              <a:defRPr sz="2500">
                 <a:latin typeface="Trebuchet MS" pitchFamily="34" charset="0"/>
               </a:defRPr>
             </a:lvl2pPr>
-            <a:lvl3pPr marL="2016692" indent="-560192">
-              <a:defRPr sz="2502">
+            <a:lvl3pPr marL="2014879" indent="-559688">
+              <a:defRPr sz="2500">
                 <a:latin typeface="Trebuchet MS" pitchFamily="34" charset="0"/>
               </a:defRPr>
             </a:lvl3pPr>
-            <a:lvl4pPr marL="2632904" indent="-616212">
-              <a:defRPr sz="2502">
+            <a:lvl4pPr marL="2630537" indent="-615658">
+              <a:defRPr sz="2500">
                 <a:latin typeface="Trebuchet MS" pitchFamily="34" charset="0"/>
               </a:defRPr>
             </a:lvl4pPr>
-            <a:lvl5pPr marL="3081058" indent="-448154">
-              <a:defRPr sz="2502">
+            <a:lvl5pPr marL="3078288" indent="-447751">
+              <a:defRPr sz="2500">
                 <a:latin typeface="Trebuchet MS" pitchFamily="34" charset="0"/>
               </a:defRPr>
             </a:lvl5pPr>
@@ -1858,13 +1862,13 @@
           <a:noFill/>
         </p:spPr>
         <p:txBody>
-          <a:bodyPr wrap="square" lIns="89551" tIns="89551" rIns="89551" bIns="89551" anchor="ctr" anchorCtr="0">
+          <a:bodyPr wrap="square" lIns="89551" tIns="89551" rIns="89551" bIns="89551" anchor="t" anchorCtr="0">
             <a:spAutoFit/>
           </a:bodyPr>
           <a:lstStyle>
             <a:lvl1pPr marL="0" indent="0" algn="ctr">
               <a:buNone/>
-              <a:defRPr sz="3904" b="1" u="sng" baseline="0">
+              <a:defRPr sz="3900" b="1" u="sng" baseline="0">
                 <a:solidFill>
                   <a:schemeClr val="accent5">
                     <a:lumMod val="50000"/>
@@ -1902,13 +1906,13 @@
           </a:prstGeom>
         </p:spPr>
         <p:txBody>
-          <a:bodyPr wrap="square" lIns="223877" tIns="223877" rIns="223877" bIns="223877">
+          <a:bodyPr wrap="square" lIns="223877" tIns="223877" rIns="223877" bIns="223877" anchor="t" anchorCtr="0">
             <a:spAutoFit/>
           </a:bodyPr>
           <a:lstStyle>
             <a:lvl1pPr marL="0" indent="0">
               <a:buNone/>
-              <a:defRPr sz="2803">
+              <a:defRPr sz="2800">
                 <a:solidFill>
                   <a:schemeClr val="accent5">
                     <a:lumMod val="50000"/>
@@ -1918,23 +1922,23 @@
                 <a:cs typeface="Times New Roman" panose="02020603050405020304" pitchFamily="18" charset="0"/>
               </a:defRPr>
             </a:lvl1pPr>
-            <a:lvl2pPr marL="1456501" indent="-560192">
-              <a:defRPr sz="2502">
+            <a:lvl2pPr marL="1455191" indent="-559688">
+              <a:defRPr sz="2500">
                 <a:latin typeface="Trebuchet MS" pitchFamily="34" charset="0"/>
               </a:defRPr>
             </a:lvl2pPr>
-            <a:lvl3pPr marL="2016692" indent="-560192">
-              <a:defRPr sz="2502">
+            <a:lvl3pPr marL="2014879" indent="-559688">
+              <a:defRPr sz="2500">
                 <a:latin typeface="Trebuchet MS" pitchFamily="34" charset="0"/>
               </a:defRPr>
             </a:lvl3pPr>
-            <a:lvl4pPr marL="2632904" indent="-616212">
-              <a:defRPr sz="2502">
+            <a:lvl4pPr marL="2630537" indent="-615658">
+              <a:defRPr sz="2500">
                 <a:latin typeface="Trebuchet MS" pitchFamily="34" charset="0"/>
               </a:defRPr>
             </a:lvl4pPr>
-            <a:lvl5pPr marL="3081058" indent="-448154">
-              <a:defRPr sz="2502">
+            <a:lvl5pPr marL="3078288" indent="-447751">
+              <a:defRPr sz="2500">
                 <a:latin typeface="Trebuchet MS" pitchFamily="34" charset="0"/>
               </a:defRPr>
             </a:lvl5pPr>
@@ -1969,13 +1973,13 @@
           <a:noFill/>
         </p:spPr>
         <p:txBody>
-          <a:bodyPr wrap="square" lIns="89551" tIns="89551" rIns="89551" bIns="89551" anchor="ctr" anchorCtr="0">
+          <a:bodyPr wrap="square" lIns="89551" tIns="89551" rIns="89551" bIns="89551" anchor="t" anchorCtr="0">
             <a:spAutoFit/>
           </a:bodyPr>
           <a:lstStyle>
             <a:lvl1pPr marL="0" indent="0" algn="ctr">
               <a:buNone/>
-              <a:defRPr sz="3904" b="1" u="sng" baseline="0">
+              <a:defRPr sz="3900" b="1" u="sng" baseline="0">
                 <a:solidFill>
                   <a:schemeClr val="accent5">
                     <a:lumMod val="50000"/>
@@ -2013,13 +2017,13 @@
           </a:prstGeom>
         </p:spPr>
         <p:txBody>
-          <a:bodyPr wrap="square" lIns="223877" tIns="223877" rIns="223877" bIns="223877">
+          <a:bodyPr wrap="square" lIns="223877" tIns="223877" rIns="223877" bIns="223877" anchor="t" anchorCtr="0">
             <a:spAutoFit/>
           </a:bodyPr>
           <a:lstStyle>
             <a:lvl1pPr marL="0" indent="0">
               <a:buNone/>
-              <a:defRPr sz="2803">
+              <a:defRPr sz="2800">
                 <a:solidFill>
                   <a:schemeClr val="accent5">
                     <a:lumMod val="50000"/>
@@ -2029,23 +2033,23 @@
                 <a:cs typeface="Times New Roman" panose="02020603050405020304" pitchFamily="18" charset="0"/>
               </a:defRPr>
             </a:lvl1pPr>
-            <a:lvl2pPr marL="1456501" indent="-560192">
-              <a:defRPr sz="2502">
+            <a:lvl2pPr marL="1455191" indent="-559688">
+              <a:defRPr sz="2500">
                 <a:latin typeface="Trebuchet MS" pitchFamily="34" charset="0"/>
               </a:defRPr>
             </a:lvl2pPr>
-            <a:lvl3pPr marL="2016692" indent="-560192">
-              <a:defRPr sz="2502">
+            <a:lvl3pPr marL="2014879" indent="-559688">
+              <a:defRPr sz="2500">
                 <a:latin typeface="Trebuchet MS" pitchFamily="34" charset="0"/>
               </a:defRPr>
             </a:lvl3pPr>
-            <a:lvl4pPr marL="2632904" indent="-616212">
-              <a:defRPr sz="2502">
+            <a:lvl4pPr marL="2630537" indent="-615658">
+              <a:defRPr sz="2500">
                 <a:latin typeface="Trebuchet MS" pitchFamily="34" charset="0"/>
               </a:defRPr>
             </a:lvl4pPr>
-            <a:lvl5pPr marL="3081058" indent="-448154">
-              <a:defRPr sz="2502">
+            <a:lvl5pPr marL="3078288" indent="-447751">
+              <a:defRPr sz="2500">
                 <a:latin typeface="Trebuchet MS" pitchFamily="34" charset="0"/>
               </a:defRPr>
             </a:lvl5pPr>
@@ -2079,13 +2083,13 @@
           </a:prstGeom>
         </p:spPr>
         <p:txBody>
-          <a:bodyPr wrap="square" lIns="223877" tIns="223877" rIns="223877" bIns="223877">
+          <a:bodyPr wrap="square" lIns="223877" tIns="223877" rIns="223877" bIns="223877" anchor="t" anchorCtr="0">
             <a:spAutoFit/>
           </a:bodyPr>
           <a:lstStyle>
             <a:lvl1pPr marL="0" indent="0">
               <a:buNone/>
-              <a:defRPr sz="2803">
+              <a:defRPr sz="2800">
                 <a:solidFill>
                   <a:schemeClr val="accent5">
                     <a:lumMod val="50000"/>
@@ -2095,23 +2099,23 @@
                 <a:cs typeface="Times New Roman" panose="02020603050405020304" pitchFamily="18" charset="0"/>
               </a:defRPr>
             </a:lvl1pPr>
-            <a:lvl2pPr marL="1456501" indent="-560192">
-              <a:defRPr sz="2502">
+            <a:lvl2pPr marL="1455191" indent="-559688">
+              <a:defRPr sz="2500">
                 <a:latin typeface="Trebuchet MS" pitchFamily="34" charset="0"/>
               </a:defRPr>
             </a:lvl2pPr>
-            <a:lvl3pPr marL="2016692" indent="-560192">
-              <a:defRPr sz="2502">
+            <a:lvl3pPr marL="2014879" indent="-559688">
+              <a:defRPr sz="2500">
                 <a:latin typeface="Trebuchet MS" pitchFamily="34" charset="0"/>
               </a:defRPr>
             </a:lvl3pPr>
-            <a:lvl4pPr marL="2632904" indent="-616212">
-              <a:defRPr sz="2502">
+            <a:lvl4pPr marL="2630537" indent="-615658">
+              <a:defRPr sz="2500">
                 <a:latin typeface="Trebuchet MS" pitchFamily="34" charset="0"/>
               </a:defRPr>
             </a:lvl4pPr>
-            <a:lvl5pPr marL="3081058" indent="-448154">
-              <a:defRPr sz="2502">
+            <a:lvl5pPr marL="3078288" indent="-447751">
+              <a:defRPr sz="2500">
                 <a:latin typeface="Trebuchet MS" pitchFamily="34" charset="0"/>
               </a:defRPr>
             </a:lvl5pPr>
@@ -2138,21 +2142,21 @@
         <p:spPr>
           <a:xfrm>
             <a:off x="4090900" y="4114382"/>
-            <a:ext cx="22093415" cy="1088487"/>
+            <a:ext cx="22093415" cy="909877"/>
           </a:xfrm>
           <a:prstGeom prst="rect">
             <a:avLst/>
           </a:prstGeom>
         </p:spPr>
         <p:txBody>
-          <a:bodyPr lIns="77349" tIns="38675" rIns="77349" bIns="38675">
-            <a:normAutofit/>
+          <a:bodyPr lIns="77349" tIns="38675" rIns="77349" bIns="38675" anchor="t" anchorCtr="0">
+            <a:spAutoFit/>
           </a:bodyPr>
           <a:lstStyle>
             <a:lvl1pPr marL="0" indent="0" algn="ctr">
               <a:buFontTx/>
               <a:buNone/>
-              <a:defRPr sz="5405">
+              <a:defRPr sz="5400">
                 <a:solidFill>
                   <a:schemeClr val="accent5">
                     <a:lumMod val="50000"/>
@@ -2164,22 +2168,22 @@
             <a:lvl2pPr>
               <a:buFontTx/>
               <a:buNone/>
-              <a:defRPr sz="6105"/>
+              <a:defRPr sz="6100"/>
             </a:lvl2pPr>
             <a:lvl3pPr>
               <a:buFontTx/>
               <a:buNone/>
-              <a:defRPr sz="6105"/>
+              <a:defRPr sz="6100"/>
             </a:lvl3pPr>
             <a:lvl4pPr>
               <a:buFontTx/>
               <a:buNone/>
-              <a:defRPr sz="6105"/>
+              <a:defRPr sz="6100"/>
             </a:lvl4pPr>
             <a:lvl5pPr>
               <a:buFontTx/>
               <a:buNone/>
-              <a:defRPr sz="6105"/>
+              <a:defRPr sz="6100"/>
             </a:lvl5pPr>
           </a:lstStyle>
           <a:p>
@@ -2203,22 +2207,22 @@
         </p:nvSpPr>
         <p:spPr>
           <a:xfrm>
-            <a:off x="4090900" y="2560645"/>
-            <a:ext cx="22093415" cy="1263233"/>
+            <a:off x="4090900" y="2560646"/>
+            <a:ext cx="22093415" cy="1187113"/>
           </a:xfrm>
           <a:prstGeom prst="rect">
             <a:avLst/>
           </a:prstGeom>
         </p:spPr>
         <p:txBody>
-          <a:bodyPr lIns="77349" tIns="38675" rIns="77349" bIns="38675" anchor="t" anchorCtr="1">
-            <a:noAutofit/>
+          <a:bodyPr lIns="77349" tIns="38675" rIns="77349" bIns="38675" anchor="t" anchorCtr="0">
+            <a:spAutoFit/>
           </a:bodyPr>
           <a:lstStyle>
             <a:lvl1pPr marL="0" indent="0" algn="ctr">
               <a:buFontTx/>
               <a:buNone/>
-              <a:defRPr sz="7206">
+              <a:defRPr sz="7200">
                 <a:solidFill>
                   <a:schemeClr val="accent5">
                     <a:lumMod val="50000"/>
@@ -2230,22 +2234,22 @@
             <a:lvl2pPr>
               <a:buFontTx/>
               <a:buNone/>
-              <a:defRPr sz="6105"/>
+              <a:defRPr sz="6100"/>
             </a:lvl2pPr>
             <a:lvl3pPr>
               <a:buFontTx/>
               <a:buNone/>
-              <a:defRPr sz="6105"/>
+              <a:defRPr sz="6100"/>
             </a:lvl3pPr>
             <a:lvl4pPr>
               <a:buFontTx/>
               <a:buNone/>
-              <a:defRPr sz="6105"/>
+              <a:defRPr sz="6100"/>
             </a:lvl4pPr>
             <a:lvl5pPr>
               <a:buFontTx/>
               <a:buNone/>
-              <a:defRPr sz="6105"/>
+              <a:defRPr sz="6100"/>
             </a:lvl5pPr>
           </a:lstStyle>
           <a:p>
@@ -2270,21 +2274,21 @@
         <p:spPr>
           <a:xfrm>
             <a:off x="4090900" y="493361"/>
-            <a:ext cx="22093415" cy="1776781"/>
+            <a:ext cx="22093415" cy="1556760"/>
           </a:xfrm>
           <a:prstGeom prst="rect">
             <a:avLst/>
           </a:prstGeom>
         </p:spPr>
         <p:txBody>
-          <a:bodyPr lIns="77349" tIns="38675" rIns="77349" bIns="38675" anchor="t" anchorCtr="1">
-            <a:normAutofit/>
+          <a:bodyPr lIns="77349" tIns="38675" rIns="77349" bIns="38675" anchor="t" anchorCtr="0">
+            <a:spAutoFit/>
           </a:bodyPr>
           <a:lstStyle>
             <a:lvl1pPr marL="0" indent="0" algn="ctr">
               <a:buFontTx/>
               <a:buNone/>
-              <a:defRPr sz="9809" b="1">
+              <a:defRPr sz="9600" b="1">
                 <a:solidFill>
                   <a:schemeClr val="accent5">
                     <a:lumMod val="50000"/>
@@ -2296,22 +2300,22 @@
             <a:lvl2pPr>
               <a:buFontTx/>
               <a:buNone/>
-              <a:defRPr sz="6105"/>
+              <a:defRPr sz="6100"/>
             </a:lvl2pPr>
             <a:lvl3pPr>
               <a:buFontTx/>
               <a:buNone/>
-              <a:defRPr sz="6105"/>
+              <a:defRPr sz="6100"/>
             </a:lvl3pPr>
             <a:lvl4pPr>
               <a:buFontTx/>
               <a:buNone/>
-              <a:defRPr sz="6105"/>
+              <a:defRPr sz="6100"/>
             </a:lvl4pPr>
             <a:lvl5pPr>
               <a:buFontTx/>
               <a:buNone/>
-              <a:defRPr sz="6105"/>
+              <a:defRPr sz="6100"/>
             </a:lvl5pPr>
           </a:lstStyle>
           <a:p>
@@ -2326,9 +2330,1009 @@
     </p:spTree>
     <p:extLst>
       <p:ext uri="{BB962C8B-B14F-4D97-AF65-F5344CB8AC3E}">
-        <p14:creationId xmlns:p14="http://schemas.microsoft.com/office/powerpoint/2010/main" val="944890195"/>
+        <p14:creationId xmlns:p14="http://schemas.microsoft.com/office/powerpoint/2010/main" val="1096756891"/>
       </p:ext>
     </p:extLst>
+  </p:cSld>
+  <p:clrMapOvr>
+    <a:masterClrMapping/>
+  </p:clrMapOvr>
+</p:sldLayout>
+</file>
+
+<file path=ppt/slideLayouts/slideLayout3.xml><?xml version="1.0" encoding="utf-8"?>
+<p:sldLayout xmlns:a="http://schemas.openxmlformats.org/drawingml/2006/main" xmlns:r="http://schemas.openxmlformats.org/officeDocument/2006/relationships" xmlns:p="http://schemas.openxmlformats.org/presentationml/2006/main" preserve="1" userDrawn="1">
+  <p:cSld name="Wide center column">
+    <p:spTree>
+      <p:nvGrpSpPr>
+        <p:cNvPr id="1" name=""/>
+        <p:cNvGrpSpPr/>
+        <p:nvPr/>
+      </p:nvGrpSpPr>
+      <p:grpSpPr>
+        <a:xfrm>
+          <a:off x="0" y="0"/>
+          <a:ext cx="0" cy="0"/>
+          <a:chOff x="0" y="0"/>
+          <a:chExt cx="0" cy="0"/>
+        </a:xfrm>
+      </p:grpSpPr>
+      <p:sp>
+        <p:nvSpPr>
+          <p:cNvPr id="4" name="Text Placeholder 3"/>
+          <p:cNvSpPr>
+            <a:spLocks noGrp="1"/>
+          </p:cNvSpPr>
+          <p:nvPr>
+            <p:ph type="body" sz="quarter" idx="10" hasCustomPrompt="1"/>
+          </p:nvPr>
+        </p:nvSpPr>
+        <p:spPr>
+          <a:xfrm>
+            <a:off x="623692" y="7887676"/>
+            <a:ext cx="6936975" cy="898371"/>
+          </a:xfrm>
+          <a:prstGeom prst="rect">
+            <a:avLst/>
+          </a:prstGeom>
+        </p:spPr>
+        <p:txBody>
+          <a:bodyPr wrap="square" lIns="223877" tIns="223877" rIns="223877" bIns="223877" anchor="t" anchorCtr="0">
+            <a:spAutoFit/>
+          </a:bodyPr>
+          <a:lstStyle>
+            <a:lvl1pPr marL="0" indent="0">
+              <a:buNone/>
+              <a:defRPr sz="2800">
+                <a:solidFill>
+                  <a:schemeClr val="accent5">
+                    <a:lumMod val="50000"/>
+                  </a:schemeClr>
+                </a:solidFill>
+                <a:latin typeface="Times New Roman" panose="02020603050405020304" pitchFamily="18" charset="0"/>
+                <a:cs typeface="Times New Roman" panose="02020603050405020304" pitchFamily="18" charset="0"/>
+              </a:defRPr>
+            </a:lvl1pPr>
+            <a:lvl2pPr marL="1455191" indent="-559688">
+              <a:defRPr sz="2500">
+                <a:latin typeface="Trebuchet MS" pitchFamily="34" charset="0"/>
+              </a:defRPr>
+            </a:lvl2pPr>
+            <a:lvl3pPr marL="2014879" indent="-559688">
+              <a:defRPr sz="2500">
+                <a:latin typeface="Trebuchet MS" pitchFamily="34" charset="0"/>
+              </a:defRPr>
+            </a:lvl3pPr>
+            <a:lvl4pPr marL="2630537" indent="-615658">
+              <a:defRPr sz="2500">
+                <a:latin typeface="Trebuchet MS" pitchFamily="34" charset="0"/>
+              </a:defRPr>
+            </a:lvl4pPr>
+            <a:lvl5pPr marL="3078288" indent="-447751">
+              <a:defRPr sz="2500">
+                <a:latin typeface="Trebuchet MS" pitchFamily="34" charset="0"/>
+              </a:defRPr>
+            </a:lvl5pPr>
+          </a:lstStyle>
+          <a:p>
+            <a:pPr lvl="0"/>
+            <a:r>
+              <a:rPr lang="en-US" dirty="0"/>
+              <a:t>Enter your text here</a:t>
+            </a:r>
+          </a:p>
+        </p:txBody>
+      </p:sp>
+      <p:sp>
+        <p:nvSpPr>
+          <p:cNvPr id="6" name="Text Placeholder 5"/>
+          <p:cNvSpPr>
+            <a:spLocks noGrp="1"/>
+          </p:cNvSpPr>
+          <p:nvPr>
+            <p:ph type="body" sz="quarter" idx="11" hasCustomPrompt="1"/>
+          </p:nvPr>
+        </p:nvSpPr>
+        <p:spPr>
+          <a:xfrm>
+            <a:off x="636214" y="7093712"/>
+            <a:ext cx="6931501" cy="783684"/>
+          </a:xfrm>
+          <a:prstGeom prst="rect">
+            <a:avLst/>
+          </a:prstGeom>
+          <a:noFill/>
+        </p:spPr>
+        <p:txBody>
+          <a:bodyPr lIns="89551" tIns="89551" rIns="89551" bIns="89551" anchor="t" anchorCtr="0">
+            <a:spAutoFit/>
+          </a:bodyPr>
+          <a:lstStyle>
+            <a:lvl1pPr marL="0" indent="0" algn="ctr">
+              <a:buNone/>
+              <a:defRPr sz="3900" b="1" u="sng" baseline="0">
+                <a:solidFill>
+                  <a:schemeClr val="accent5">
+                    <a:lumMod val="50000"/>
+                  </a:schemeClr>
+                </a:solidFill>
+              </a:defRPr>
+            </a:lvl1pPr>
+          </a:lstStyle>
+          <a:p>
+            <a:pPr lvl="0"/>
+            <a:r>
+              <a:rPr lang="en-US" dirty="0"/>
+              <a:t>(click to add) ABSTRACT</a:t>
+            </a:r>
+          </a:p>
+        </p:txBody>
+      </p:sp>
+      <p:sp>
+        <p:nvSpPr>
+          <p:cNvPr id="19" name="Text Placeholder 3"/>
+          <p:cNvSpPr>
+            <a:spLocks noGrp="1"/>
+          </p:cNvSpPr>
+          <p:nvPr>
+            <p:ph type="body" sz="quarter" idx="19" hasCustomPrompt="1"/>
+          </p:nvPr>
+        </p:nvSpPr>
+        <p:spPr>
+          <a:xfrm>
+            <a:off x="622595" y="19248458"/>
+            <a:ext cx="6938069" cy="898371"/>
+          </a:xfrm>
+          <a:prstGeom prst="rect">
+            <a:avLst/>
+          </a:prstGeom>
+        </p:spPr>
+        <p:txBody>
+          <a:bodyPr wrap="square" lIns="223877" tIns="223877" rIns="223877" bIns="223877" anchor="t" anchorCtr="0">
+            <a:spAutoFit/>
+          </a:bodyPr>
+          <a:lstStyle>
+            <a:lvl1pPr marL="0" indent="0">
+              <a:buNone/>
+              <a:defRPr sz="2800">
+                <a:solidFill>
+                  <a:schemeClr val="accent5">
+                    <a:lumMod val="50000"/>
+                  </a:schemeClr>
+                </a:solidFill>
+                <a:latin typeface="Times New Roman" panose="02020603050405020304" pitchFamily="18" charset="0"/>
+                <a:cs typeface="Times New Roman" panose="02020603050405020304" pitchFamily="18" charset="0"/>
+              </a:defRPr>
+            </a:lvl1pPr>
+            <a:lvl2pPr marL="1455191" indent="-559688">
+              <a:defRPr sz="2500">
+                <a:latin typeface="Trebuchet MS" pitchFamily="34" charset="0"/>
+              </a:defRPr>
+            </a:lvl2pPr>
+            <a:lvl3pPr marL="2014879" indent="-559688">
+              <a:defRPr sz="2500">
+                <a:latin typeface="Trebuchet MS" pitchFamily="34" charset="0"/>
+              </a:defRPr>
+            </a:lvl3pPr>
+            <a:lvl4pPr marL="2630537" indent="-615658">
+              <a:defRPr sz="2500">
+                <a:latin typeface="Trebuchet MS" pitchFamily="34" charset="0"/>
+              </a:defRPr>
+            </a:lvl4pPr>
+            <a:lvl5pPr marL="3078288" indent="-447751">
+              <a:defRPr sz="2500">
+                <a:latin typeface="Trebuchet MS" pitchFamily="34" charset="0"/>
+              </a:defRPr>
+            </a:lvl5pPr>
+          </a:lstStyle>
+          <a:p>
+            <a:pPr lvl="0"/>
+            <a:r>
+              <a:rPr lang="en-US" dirty="0"/>
+              <a:t>Enter your text here</a:t>
+            </a:r>
+          </a:p>
+        </p:txBody>
+      </p:sp>
+      <p:sp>
+        <p:nvSpPr>
+          <p:cNvPr id="20" name="Text Placeholder 5"/>
+          <p:cNvSpPr>
+            <a:spLocks noGrp="1"/>
+          </p:cNvSpPr>
+          <p:nvPr>
+            <p:ph type="body" sz="quarter" idx="20" hasCustomPrompt="1"/>
+          </p:nvPr>
+        </p:nvSpPr>
+        <p:spPr>
+          <a:xfrm>
+            <a:off x="636211" y="18496282"/>
+            <a:ext cx="6932594" cy="800948"/>
+          </a:xfrm>
+          <a:prstGeom prst="rect">
+            <a:avLst/>
+          </a:prstGeom>
+          <a:noFill/>
+        </p:spPr>
+        <p:txBody>
+          <a:bodyPr wrap="square" lIns="89551" tIns="89551" rIns="89551" bIns="89551" anchor="t" anchorCtr="0">
+            <a:spAutoFit/>
+          </a:bodyPr>
+          <a:lstStyle>
+            <a:lvl1pPr marL="0" indent="0" algn="ctr">
+              <a:buNone/>
+              <a:defRPr sz="3900" b="1" u="sng" baseline="0">
+                <a:solidFill>
+                  <a:schemeClr val="accent5">
+                    <a:lumMod val="50000"/>
+                  </a:schemeClr>
+                </a:solidFill>
+              </a:defRPr>
+            </a:lvl1pPr>
+          </a:lstStyle>
+          <a:p>
+            <a:pPr lvl="0"/>
+            <a:r>
+              <a:rPr lang="en-US" dirty="0"/>
+              <a:t>(click to add)  OBJECTIVES</a:t>
+            </a:r>
+          </a:p>
+        </p:txBody>
+      </p:sp>
+      <p:sp>
+        <p:nvSpPr>
+          <p:cNvPr id="21" name="Text Placeholder 3"/>
+          <p:cNvSpPr>
+            <a:spLocks noGrp="1"/>
+          </p:cNvSpPr>
+          <p:nvPr>
+            <p:ph type="body" sz="quarter" idx="21" hasCustomPrompt="1"/>
+          </p:nvPr>
+        </p:nvSpPr>
+        <p:spPr>
+          <a:xfrm>
+            <a:off x="7992579" y="7877345"/>
+            <a:ext cx="14292247" cy="898371"/>
+          </a:xfrm>
+          <a:prstGeom prst="rect">
+            <a:avLst/>
+          </a:prstGeom>
+        </p:spPr>
+        <p:txBody>
+          <a:bodyPr wrap="square" lIns="223877" tIns="223877" rIns="223877" bIns="223877" anchor="t" anchorCtr="0">
+            <a:spAutoFit/>
+          </a:bodyPr>
+          <a:lstStyle>
+            <a:lvl1pPr marL="0" indent="0">
+              <a:buNone/>
+              <a:defRPr sz="2800">
+                <a:solidFill>
+                  <a:schemeClr val="accent5">
+                    <a:lumMod val="50000"/>
+                  </a:schemeClr>
+                </a:solidFill>
+                <a:latin typeface="Times New Roman" panose="02020603050405020304" pitchFamily="18" charset="0"/>
+                <a:cs typeface="Times New Roman" panose="02020603050405020304" pitchFamily="18" charset="0"/>
+              </a:defRPr>
+            </a:lvl1pPr>
+            <a:lvl2pPr marL="1455191" indent="-559688">
+              <a:defRPr sz="2500">
+                <a:latin typeface="Trebuchet MS" pitchFamily="34" charset="0"/>
+              </a:defRPr>
+            </a:lvl2pPr>
+            <a:lvl3pPr marL="2014879" indent="-559688">
+              <a:defRPr sz="2500">
+                <a:latin typeface="Trebuchet MS" pitchFamily="34" charset="0"/>
+              </a:defRPr>
+            </a:lvl3pPr>
+            <a:lvl4pPr marL="2630537" indent="-615658">
+              <a:defRPr sz="2500">
+                <a:latin typeface="Trebuchet MS" pitchFamily="34" charset="0"/>
+              </a:defRPr>
+            </a:lvl4pPr>
+            <a:lvl5pPr marL="3078288" indent="-447751">
+              <a:defRPr sz="2500">
+                <a:latin typeface="Trebuchet MS" pitchFamily="34" charset="0"/>
+              </a:defRPr>
+            </a:lvl5pPr>
+          </a:lstStyle>
+          <a:p>
+            <a:pPr lvl="0"/>
+            <a:r>
+              <a:rPr lang="en-US" dirty="0"/>
+              <a:t>Enter your text here</a:t>
+            </a:r>
+          </a:p>
+        </p:txBody>
+      </p:sp>
+      <p:sp>
+        <p:nvSpPr>
+          <p:cNvPr id="22" name="Text Placeholder 5"/>
+          <p:cNvSpPr>
+            <a:spLocks noGrp="1"/>
+          </p:cNvSpPr>
+          <p:nvPr>
+            <p:ph type="body" sz="quarter" idx="22" hasCustomPrompt="1"/>
+          </p:nvPr>
+        </p:nvSpPr>
+        <p:spPr>
+          <a:xfrm>
+            <a:off x="7992581" y="7093712"/>
+            <a:ext cx="14292247" cy="800948"/>
+          </a:xfrm>
+          <a:prstGeom prst="rect">
+            <a:avLst/>
+          </a:prstGeom>
+          <a:noFill/>
+        </p:spPr>
+        <p:txBody>
+          <a:bodyPr wrap="square" lIns="89551" tIns="89551" rIns="89551" bIns="89551" anchor="t" anchorCtr="0">
+            <a:spAutoFit/>
+          </a:bodyPr>
+          <a:lstStyle>
+            <a:lvl1pPr marL="0" indent="0" algn="ctr">
+              <a:buNone/>
+              <a:defRPr sz="3900" b="1" u="sng" baseline="0">
+                <a:solidFill>
+                  <a:schemeClr val="accent5">
+                    <a:lumMod val="50000"/>
+                  </a:schemeClr>
+                </a:solidFill>
+              </a:defRPr>
+            </a:lvl1pPr>
+          </a:lstStyle>
+          <a:p>
+            <a:pPr lvl="0"/>
+            <a:r>
+              <a:rPr lang="en-US" dirty="0"/>
+              <a:t>(header)  MATERIALS &amp; METHODS</a:t>
+            </a:r>
+          </a:p>
+        </p:txBody>
+      </p:sp>
+      <p:sp>
+        <p:nvSpPr>
+          <p:cNvPr id="23" name="Text Placeholder 3"/>
+          <p:cNvSpPr>
+            <a:spLocks noGrp="1"/>
+          </p:cNvSpPr>
+          <p:nvPr>
+            <p:ph type="body" sz="quarter" idx="23" hasCustomPrompt="1"/>
+          </p:nvPr>
+        </p:nvSpPr>
+        <p:spPr>
+          <a:xfrm>
+            <a:off x="7992581" y="28220808"/>
+            <a:ext cx="14292247" cy="898371"/>
+          </a:xfrm>
+          <a:prstGeom prst="rect">
+            <a:avLst/>
+          </a:prstGeom>
+        </p:spPr>
+        <p:txBody>
+          <a:bodyPr wrap="square" lIns="223877" tIns="223877" rIns="223877" bIns="223877" anchor="t" anchorCtr="0">
+            <a:spAutoFit/>
+          </a:bodyPr>
+          <a:lstStyle>
+            <a:lvl1pPr marL="0" indent="0">
+              <a:buNone/>
+              <a:defRPr sz="2800">
+                <a:solidFill>
+                  <a:schemeClr val="accent5">
+                    <a:lumMod val="50000"/>
+                  </a:schemeClr>
+                </a:solidFill>
+                <a:latin typeface="Times New Roman" panose="02020603050405020304" pitchFamily="18" charset="0"/>
+                <a:cs typeface="Times New Roman" panose="02020603050405020304" pitchFamily="18" charset="0"/>
+              </a:defRPr>
+            </a:lvl1pPr>
+            <a:lvl2pPr marL="1455191" indent="-559688">
+              <a:defRPr sz="2500">
+                <a:latin typeface="Trebuchet MS" pitchFamily="34" charset="0"/>
+              </a:defRPr>
+            </a:lvl2pPr>
+            <a:lvl3pPr marL="2014879" indent="-559688">
+              <a:defRPr sz="2500">
+                <a:latin typeface="Trebuchet MS" pitchFamily="34" charset="0"/>
+              </a:defRPr>
+            </a:lvl3pPr>
+            <a:lvl4pPr marL="2630537" indent="-615658">
+              <a:defRPr sz="2500">
+                <a:latin typeface="Trebuchet MS" pitchFamily="34" charset="0"/>
+              </a:defRPr>
+            </a:lvl4pPr>
+            <a:lvl5pPr marL="3078288" indent="-447751">
+              <a:defRPr sz="2500">
+                <a:latin typeface="Trebuchet MS" pitchFamily="34" charset="0"/>
+              </a:defRPr>
+            </a:lvl5pPr>
+          </a:lstStyle>
+          <a:p>
+            <a:pPr lvl="0"/>
+            <a:r>
+              <a:rPr lang="en-US" dirty="0"/>
+              <a:t>Enter your text here</a:t>
+            </a:r>
+          </a:p>
+        </p:txBody>
+      </p:sp>
+      <p:sp>
+        <p:nvSpPr>
+          <p:cNvPr id="24" name="Text Placeholder 5"/>
+          <p:cNvSpPr>
+            <a:spLocks noGrp="1"/>
+          </p:cNvSpPr>
+          <p:nvPr>
+            <p:ph type="body" sz="quarter" idx="24" hasCustomPrompt="1"/>
+          </p:nvPr>
+        </p:nvSpPr>
+        <p:spPr>
+          <a:xfrm>
+            <a:off x="7992581" y="27426849"/>
+            <a:ext cx="14292247" cy="800948"/>
+          </a:xfrm>
+          <a:prstGeom prst="rect">
+            <a:avLst/>
+          </a:prstGeom>
+          <a:noFill/>
+        </p:spPr>
+        <p:txBody>
+          <a:bodyPr wrap="square" lIns="89551" tIns="89551" rIns="89551" bIns="89551" anchor="t" anchorCtr="0">
+            <a:spAutoFit/>
+          </a:bodyPr>
+          <a:lstStyle>
+            <a:lvl1pPr marL="0" indent="0" algn="ctr">
+              <a:buNone/>
+              <a:defRPr sz="3900" b="1" u="sng" baseline="0">
+                <a:solidFill>
+                  <a:schemeClr val="accent5">
+                    <a:lumMod val="50000"/>
+                  </a:schemeClr>
+                </a:solidFill>
+              </a:defRPr>
+            </a:lvl1pPr>
+          </a:lstStyle>
+          <a:p>
+            <a:pPr lvl="0"/>
+            <a:r>
+              <a:rPr lang="en-US" dirty="0"/>
+              <a:t>(click to add)  RESULTS</a:t>
+            </a:r>
+          </a:p>
+        </p:txBody>
+      </p:sp>
+      <p:sp>
+        <p:nvSpPr>
+          <p:cNvPr id="25" name="Text Placeholder 5"/>
+          <p:cNvSpPr>
+            <a:spLocks noGrp="1"/>
+          </p:cNvSpPr>
+          <p:nvPr>
+            <p:ph type="body" sz="quarter" idx="25" hasCustomPrompt="1"/>
+          </p:nvPr>
+        </p:nvSpPr>
+        <p:spPr>
+          <a:xfrm>
+            <a:off x="22710790" y="7093712"/>
+            <a:ext cx="6930218" cy="800948"/>
+          </a:xfrm>
+          <a:prstGeom prst="rect">
+            <a:avLst/>
+          </a:prstGeom>
+          <a:noFill/>
+        </p:spPr>
+        <p:txBody>
+          <a:bodyPr wrap="square" lIns="89551" tIns="89551" rIns="89551" bIns="89551" anchor="t" anchorCtr="0">
+            <a:spAutoFit/>
+          </a:bodyPr>
+          <a:lstStyle>
+            <a:lvl1pPr marL="0" indent="0" algn="ctr">
+              <a:buNone/>
+              <a:defRPr sz="3900" b="1" u="sng" baseline="0">
+                <a:solidFill>
+                  <a:schemeClr val="accent5">
+                    <a:lumMod val="50000"/>
+                  </a:schemeClr>
+                </a:solidFill>
+              </a:defRPr>
+            </a:lvl1pPr>
+          </a:lstStyle>
+          <a:p>
+            <a:pPr lvl="0"/>
+            <a:r>
+              <a:rPr lang="en-US" dirty="0"/>
+              <a:t>(click to add) CONCLUSIONS</a:t>
+            </a:r>
+          </a:p>
+        </p:txBody>
+      </p:sp>
+      <p:sp>
+        <p:nvSpPr>
+          <p:cNvPr id="26" name="Text Placeholder 3"/>
+          <p:cNvSpPr>
+            <a:spLocks noGrp="1"/>
+          </p:cNvSpPr>
+          <p:nvPr>
+            <p:ph type="body" sz="quarter" idx="26" hasCustomPrompt="1"/>
+          </p:nvPr>
+        </p:nvSpPr>
+        <p:spPr>
+          <a:xfrm>
+            <a:off x="22710790" y="7887676"/>
+            <a:ext cx="6930218" cy="898371"/>
+          </a:xfrm>
+          <a:prstGeom prst="rect">
+            <a:avLst/>
+          </a:prstGeom>
+        </p:spPr>
+        <p:txBody>
+          <a:bodyPr wrap="square" lIns="223877" tIns="223877" rIns="223877" bIns="223877" anchor="t" anchorCtr="0">
+            <a:spAutoFit/>
+          </a:bodyPr>
+          <a:lstStyle>
+            <a:lvl1pPr marL="0" indent="0">
+              <a:buNone/>
+              <a:defRPr sz="2800">
+                <a:solidFill>
+                  <a:schemeClr val="accent5">
+                    <a:lumMod val="50000"/>
+                  </a:schemeClr>
+                </a:solidFill>
+                <a:latin typeface="Times New Roman" panose="02020603050405020304" pitchFamily="18" charset="0"/>
+                <a:cs typeface="Times New Roman" panose="02020603050405020304" pitchFamily="18" charset="0"/>
+              </a:defRPr>
+            </a:lvl1pPr>
+            <a:lvl2pPr marL="1455191" indent="-559688">
+              <a:defRPr sz="2500">
+                <a:latin typeface="Trebuchet MS" pitchFamily="34" charset="0"/>
+              </a:defRPr>
+            </a:lvl2pPr>
+            <a:lvl3pPr marL="2014879" indent="-559688">
+              <a:defRPr sz="2500">
+                <a:latin typeface="Trebuchet MS" pitchFamily="34" charset="0"/>
+              </a:defRPr>
+            </a:lvl3pPr>
+            <a:lvl4pPr marL="2630537" indent="-615658">
+              <a:defRPr sz="2500">
+                <a:latin typeface="Trebuchet MS" pitchFamily="34" charset="0"/>
+              </a:defRPr>
+            </a:lvl4pPr>
+            <a:lvl5pPr marL="3078288" indent="-447751">
+              <a:defRPr sz="2500">
+                <a:latin typeface="Trebuchet MS" pitchFamily="34" charset="0"/>
+              </a:defRPr>
+            </a:lvl5pPr>
+          </a:lstStyle>
+          <a:p>
+            <a:pPr lvl="0"/>
+            <a:r>
+              <a:rPr lang="en-US" dirty="0"/>
+              <a:t>Enter your text here</a:t>
+            </a:r>
+          </a:p>
+        </p:txBody>
+      </p:sp>
+      <p:sp>
+        <p:nvSpPr>
+          <p:cNvPr id="27" name="Text Placeholder 5"/>
+          <p:cNvSpPr>
+            <a:spLocks noGrp="1"/>
+          </p:cNvSpPr>
+          <p:nvPr>
+            <p:ph type="body" sz="quarter" idx="27" hasCustomPrompt="1"/>
+          </p:nvPr>
+        </p:nvSpPr>
+        <p:spPr>
+          <a:xfrm>
+            <a:off x="22706864" y="18574660"/>
+            <a:ext cx="6930218" cy="800948"/>
+          </a:xfrm>
+          <a:prstGeom prst="rect">
+            <a:avLst/>
+          </a:prstGeom>
+          <a:noFill/>
+        </p:spPr>
+        <p:txBody>
+          <a:bodyPr wrap="square" lIns="89551" tIns="89551" rIns="89551" bIns="89551" anchor="t" anchorCtr="0">
+            <a:spAutoFit/>
+          </a:bodyPr>
+          <a:lstStyle>
+            <a:lvl1pPr marL="0" indent="0" algn="ctr">
+              <a:buNone/>
+              <a:defRPr sz="3900" b="1" u="sng" baseline="0">
+                <a:solidFill>
+                  <a:schemeClr val="accent5">
+                    <a:lumMod val="50000"/>
+                  </a:schemeClr>
+                </a:solidFill>
+              </a:defRPr>
+            </a:lvl1pPr>
+          </a:lstStyle>
+          <a:p>
+            <a:pPr lvl="0"/>
+            <a:r>
+              <a:rPr lang="en-US" dirty="0"/>
+              <a:t>(click to add) REFERENCES</a:t>
+            </a:r>
+          </a:p>
+        </p:txBody>
+      </p:sp>
+      <p:sp>
+        <p:nvSpPr>
+          <p:cNvPr id="28" name="Text Placeholder 3"/>
+          <p:cNvSpPr>
+            <a:spLocks noGrp="1"/>
+          </p:cNvSpPr>
+          <p:nvPr>
+            <p:ph type="body" sz="quarter" idx="28" hasCustomPrompt="1"/>
+          </p:nvPr>
+        </p:nvSpPr>
+        <p:spPr>
+          <a:xfrm>
+            <a:off x="22751309" y="19368620"/>
+            <a:ext cx="6879920" cy="898371"/>
+          </a:xfrm>
+          <a:prstGeom prst="rect">
+            <a:avLst/>
+          </a:prstGeom>
+        </p:spPr>
+        <p:txBody>
+          <a:bodyPr wrap="square" lIns="223877" tIns="223877" rIns="223877" bIns="223877" anchor="t" anchorCtr="0">
+            <a:spAutoFit/>
+          </a:bodyPr>
+          <a:lstStyle>
+            <a:lvl1pPr marL="0" indent="0">
+              <a:buNone/>
+              <a:defRPr sz="2800">
+                <a:solidFill>
+                  <a:schemeClr val="accent5">
+                    <a:lumMod val="50000"/>
+                  </a:schemeClr>
+                </a:solidFill>
+                <a:latin typeface="Times New Roman" panose="02020603050405020304" pitchFamily="18" charset="0"/>
+                <a:cs typeface="Times New Roman" panose="02020603050405020304" pitchFamily="18" charset="0"/>
+              </a:defRPr>
+            </a:lvl1pPr>
+            <a:lvl2pPr marL="1455191" indent="-559688">
+              <a:defRPr sz="2500">
+                <a:latin typeface="Trebuchet MS" pitchFamily="34" charset="0"/>
+              </a:defRPr>
+            </a:lvl2pPr>
+            <a:lvl3pPr marL="2014879" indent="-559688">
+              <a:defRPr sz="2500">
+                <a:latin typeface="Trebuchet MS" pitchFamily="34" charset="0"/>
+              </a:defRPr>
+            </a:lvl3pPr>
+            <a:lvl4pPr marL="2630537" indent="-615658">
+              <a:defRPr sz="2500">
+                <a:latin typeface="Trebuchet MS" pitchFamily="34" charset="0"/>
+              </a:defRPr>
+            </a:lvl4pPr>
+            <a:lvl5pPr marL="3078288" indent="-447751">
+              <a:defRPr sz="2500">
+                <a:latin typeface="Trebuchet MS" pitchFamily="34" charset="0"/>
+              </a:defRPr>
+            </a:lvl5pPr>
+          </a:lstStyle>
+          <a:p>
+            <a:pPr lvl="0"/>
+            <a:r>
+              <a:rPr lang="en-US" dirty="0"/>
+              <a:t>Enter your text here</a:t>
+            </a:r>
+          </a:p>
+        </p:txBody>
+      </p:sp>
+      <p:sp>
+        <p:nvSpPr>
+          <p:cNvPr id="29" name="Text Placeholder 5"/>
+          <p:cNvSpPr>
+            <a:spLocks noGrp="1"/>
+          </p:cNvSpPr>
+          <p:nvPr>
+            <p:ph type="body" sz="quarter" idx="29" hasCustomPrompt="1"/>
+          </p:nvPr>
+        </p:nvSpPr>
+        <p:spPr>
+          <a:xfrm>
+            <a:off x="22710790" y="34031457"/>
+            <a:ext cx="6930218" cy="783684"/>
+          </a:xfrm>
+          <a:prstGeom prst="rect">
+            <a:avLst/>
+          </a:prstGeom>
+          <a:noFill/>
+        </p:spPr>
+        <p:txBody>
+          <a:bodyPr wrap="square" lIns="89551" tIns="89551" rIns="89551" bIns="89551" anchor="t" anchorCtr="0">
+            <a:spAutoFit/>
+          </a:bodyPr>
+          <a:lstStyle>
+            <a:lvl1pPr marL="0" indent="0" algn="ctr">
+              <a:buNone/>
+              <a:defRPr sz="3900" b="1" u="sng" baseline="0">
+                <a:solidFill>
+                  <a:schemeClr val="accent5">
+                    <a:lumMod val="50000"/>
+                  </a:schemeClr>
+                </a:solidFill>
+              </a:defRPr>
+            </a:lvl1pPr>
+          </a:lstStyle>
+          <a:p>
+            <a:pPr lvl="0"/>
+            <a:r>
+              <a:rPr lang="en-US" dirty="0"/>
+              <a:t>(click to add)  CONTACT</a:t>
+            </a:r>
+          </a:p>
+        </p:txBody>
+      </p:sp>
+      <p:sp>
+        <p:nvSpPr>
+          <p:cNvPr id="30" name="Text Placeholder 3"/>
+          <p:cNvSpPr>
+            <a:spLocks noGrp="1"/>
+          </p:cNvSpPr>
+          <p:nvPr>
+            <p:ph type="body" sz="quarter" idx="30" hasCustomPrompt="1"/>
+          </p:nvPr>
+        </p:nvSpPr>
+        <p:spPr>
+          <a:xfrm>
+            <a:off x="22697538" y="34894178"/>
+            <a:ext cx="6933690" cy="898371"/>
+          </a:xfrm>
+          <a:prstGeom prst="rect">
+            <a:avLst/>
+          </a:prstGeom>
+        </p:spPr>
+        <p:txBody>
+          <a:bodyPr wrap="square" lIns="223877" tIns="223877" rIns="223877" bIns="223877" anchor="t" anchorCtr="0">
+            <a:spAutoFit/>
+          </a:bodyPr>
+          <a:lstStyle>
+            <a:lvl1pPr marL="0" indent="0">
+              <a:buNone/>
+              <a:defRPr sz="2800">
+                <a:solidFill>
+                  <a:schemeClr val="accent5">
+                    <a:lumMod val="50000"/>
+                  </a:schemeClr>
+                </a:solidFill>
+                <a:latin typeface="Times New Roman" panose="02020603050405020304" pitchFamily="18" charset="0"/>
+                <a:cs typeface="Times New Roman" panose="02020603050405020304" pitchFamily="18" charset="0"/>
+              </a:defRPr>
+            </a:lvl1pPr>
+            <a:lvl2pPr marL="1455191" indent="-559688">
+              <a:defRPr sz="2500">
+                <a:latin typeface="Trebuchet MS" pitchFamily="34" charset="0"/>
+              </a:defRPr>
+            </a:lvl2pPr>
+            <a:lvl3pPr marL="2014879" indent="-559688">
+              <a:defRPr sz="2500">
+                <a:latin typeface="Trebuchet MS" pitchFamily="34" charset="0"/>
+              </a:defRPr>
+            </a:lvl3pPr>
+            <a:lvl4pPr marL="2630537" indent="-615658">
+              <a:defRPr sz="2500">
+                <a:latin typeface="Trebuchet MS" pitchFamily="34" charset="0"/>
+              </a:defRPr>
+            </a:lvl4pPr>
+            <a:lvl5pPr marL="3078288" indent="-447751">
+              <a:defRPr sz="2500">
+                <a:latin typeface="Trebuchet MS" pitchFamily="34" charset="0"/>
+              </a:defRPr>
+            </a:lvl5pPr>
+          </a:lstStyle>
+          <a:p>
+            <a:pPr lvl="0"/>
+            <a:r>
+              <a:rPr lang="en-US" dirty="0"/>
+              <a:t>Enter your text here</a:t>
+            </a:r>
+          </a:p>
+        </p:txBody>
+      </p:sp>
+      <p:sp>
+        <p:nvSpPr>
+          <p:cNvPr id="84" name="Text Placeholder 76"/>
+          <p:cNvSpPr>
+            <a:spLocks noGrp="1"/>
+          </p:cNvSpPr>
+          <p:nvPr>
+            <p:ph type="body" sz="quarter" idx="150" hasCustomPrompt="1"/>
+          </p:nvPr>
+        </p:nvSpPr>
+        <p:spPr>
+          <a:xfrm>
+            <a:off x="4101964" y="3799469"/>
+            <a:ext cx="22093415" cy="909877"/>
+          </a:xfrm>
+          <a:prstGeom prst="rect">
+            <a:avLst/>
+          </a:prstGeom>
+        </p:spPr>
+        <p:txBody>
+          <a:bodyPr lIns="77349" tIns="38675" rIns="77349" bIns="38675" anchor="t" anchorCtr="0">
+            <a:spAutoFit/>
+          </a:bodyPr>
+          <a:lstStyle>
+            <a:lvl1pPr marL="0" indent="0" algn="ctr">
+              <a:buFontTx/>
+              <a:buNone/>
+              <a:defRPr sz="5400">
+                <a:solidFill>
+                  <a:schemeClr val="accent5">
+                    <a:lumMod val="50000"/>
+                  </a:schemeClr>
+                </a:solidFill>
+                <a:latin typeface="+mj-lt"/>
+              </a:defRPr>
+            </a:lvl1pPr>
+            <a:lvl2pPr>
+              <a:buFontTx/>
+              <a:buNone/>
+              <a:defRPr sz="6100"/>
+            </a:lvl2pPr>
+            <a:lvl3pPr>
+              <a:buFontTx/>
+              <a:buNone/>
+              <a:defRPr sz="6100"/>
+            </a:lvl3pPr>
+            <a:lvl4pPr>
+              <a:buFontTx/>
+              <a:buNone/>
+              <a:defRPr sz="6100"/>
+            </a:lvl4pPr>
+            <a:lvl5pPr>
+              <a:buFontTx/>
+              <a:buNone/>
+              <a:defRPr sz="6100"/>
+            </a:lvl5pPr>
+          </a:lstStyle>
+          <a:p>
+            <a:pPr lvl="0"/>
+            <a:r>
+              <a:rPr lang="en-US" dirty="0"/>
+              <a:t>Click here to add affiliations</a:t>
+            </a:r>
+          </a:p>
+        </p:txBody>
+      </p:sp>
+      <p:sp>
+        <p:nvSpPr>
+          <p:cNvPr id="85" name="Text Placeholder 76"/>
+          <p:cNvSpPr>
+            <a:spLocks noGrp="1"/>
+          </p:cNvSpPr>
+          <p:nvPr>
+            <p:ph type="body" sz="quarter" idx="151" hasCustomPrompt="1"/>
+          </p:nvPr>
+        </p:nvSpPr>
+        <p:spPr>
+          <a:xfrm>
+            <a:off x="4101964" y="2199601"/>
+            <a:ext cx="22093415" cy="1187113"/>
+          </a:xfrm>
+          <a:prstGeom prst="rect">
+            <a:avLst/>
+          </a:prstGeom>
+        </p:spPr>
+        <p:txBody>
+          <a:bodyPr lIns="77349" tIns="38675" rIns="77349" bIns="38675" anchor="t" anchorCtr="0">
+            <a:spAutoFit/>
+          </a:bodyPr>
+          <a:lstStyle>
+            <a:lvl1pPr marL="0" indent="0" algn="ctr">
+              <a:buFontTx/>
+              <a:buNone/>
+              <a:defRPr sz="7200">
+                <a:solidFill>
+                  <a:schemeClr val="accent5">
+                    <a:lumMod val="50000"/>
+                  </a:schemeClr>
+                </a:solidFill>
+                <a:latin typeface="+mj-lt"/>
+              </a:defRPr>
+            </a:lvl1pPr>
+            <a:lvl2pPr>
+              <a:buFontTx/>
+              <a:buNone/>
+              <a:defRPr sz="6100"/>
+            </a:lvl2pPr>
+            <a:lvl3pPr>
+              <a:buFontTx/>
+              <a:buNone/>
+              <a:defRPr sz="6100"/>
+            </a:lvl3pPr>
+            <a:lvl4pPr>
+              <a:buFontTx/>
+              <a:buNone/>
+              <a:defRPr sz="6100"/>
+            </a:lvl4pPr>
+            <a:lvl5pPr>
+              <a:buFontTx/>
+              <a:buNone/>
+              <a:defRPr sz="6100"/>
+            </a:lvl5pPr>
+          </a:lstStyle>
+          <a:p>
+            <a:pPr lvl="0"/>
+            <a:r>
+              <a:rPr lang="en-US" dirty="0"/>
+              <a:t>Click here to add authors</a:t>
+            </a:r>
+          </a:p>
+        </p:txBody>
+      </p:sp>
+      <p:sp>
+        <p:nvSpPr>
+          <p:cNvPr id="86" name="Text Placeholder 76"/>
+          <p:cNvSpPr>
+            <a:spLocks noGrp="1"/>
+          </p:cNvSpPr>
+          <p:nvPr>
+            <p:ph type="body" sz="quarter" idx="178" hasCustomPrompt="1"/>
+          </p:nvPr>
+        </p:nvSpPr>
+        <p:spPr>
+          <a:xfrm>
+            <a:off x="4090900" y="356084"/>
+            <a:ext cx="22093415" cy="1556760"/>
+          </a:xfrm>
+          <a:prstGeom prst="rect">
+            <a:avLst/>
+          </a:prstGeom>
+        </p:spPr>
+        <p:txBody>
+          <a:bodyPr lIns="77349" tIns="38675" rIns="77349" bIns="38675" anchor="t" anchorCtr="0">
+            <a:spAutoFit/>
+          </a:bodyPr>
+          <a:lstStyle>
+            <a:lvl1pPr marL="0" indent="0" algn="ctr">
+              <a:buFontTx/>
+              <a:buNone/>
+              <a:defRPr sz="9600" b="1">
+                <a:solidFill>
+                  <a:schemeClr val="accent5">
+                    <a:lumMod val="50000"/>
+                  </a:schemeClr>
+                </a:solidFill>
+                <a:latin typeface="+mj-lt"/>
+              </a:defRPr>
+            </a:lvl1pPr>
+            <a:lvl2pPr>
+              <a:buFontTx/>
+              <a:buNone/>
+              <a:defRPr sz="6100"/>
+            </a:lvl2pPr>
+            <a:lvl3pPr>
+              <a:buFontTx/>
+              <a:buNone/>
+              <a:defRPr sz="6100"/>
+            </a:lvl3pPr>
+            <a:lvl4pPr>
+              <a:buFontTx/>
+              <a:buNone/>
+              <a:defRPr sz="6100"/>
+            </a:lvl4pPr>
+            <a:lvl5pPr>
+              <a:buFontTx/>
+              <a:buNone/>
+              <a:defRPr sz="6100"/>
+            </a:lvl5pPr>
+          </a:lstStyle>
+          <a:p>
+            <a:pPr lvl="0"/>
+            <a:r>
+              <a:rPr lang="en-US" dirty="0"/>
+              <a:t>Click here to add title</a:t>
+            </a:r>
+          </a:p>
+        </p:txBody>
+      </p:sp>
+    </p:spTree>
   </p:cSld>
   <p:clrMapOvr>
     <a:masterClrMapping/>
@@ -2361,82 +3365,441 @@
           <a:chExt cx="0" cy="0"/>
         </a:xfrm>
       </p:grpSpPr>
-      <p:sp>
-        <p:nvSpPr>
-          <p:cNvPr id="10" name="Text Box 14"/>
-          <p:cNvSpPr txBox="1">
-            <a:spLocks noChangeArrowheads="1"/>
-          </p:cNvSpPr>
-          <p:nvPr/>
-        </p:nvSpPr>
-        <p:spPr bwMode="auto">
+      <p:grpSp>
+        <p:nvGrpSpPr>
+          <p:cNvPr id="11" name="Group 10">
+            <a:extLst>
+              <a:ext uri="{FF2B5EF4-FFF2-40B4-BE49-F238E27FC236}">
+                <a16:creationId xmlns:a16="http://schemas.microsoft.com/office/drawing/2014/main" id="{33BFC236-82CD-414F-B21C-AAD9ED14DB24}"/>
+              </a:ext>
+            </a:extLst>
+          </p:cNvPr>
+          <p:cNvGrpSpPr/>
+          <p:nvPr userDrawn="1"/>
+        </p:nvGrpSpPr>
+        <p:grpSpPr>
           <a:xfrm>
-            <a:off x="1538297" y="42024978"/>
-            <a:ext cx="2234591" cy="322304"/>
+            <a:off x="-53788" y="1"/>
+            <a:ext cx="30275213" cy="42840275"/>
+            <a:chOff x="-168590" y="-228600"/>
+            <a:chExt cx="30602624" cy="43260963"/>
           </a:xfrm>
-          <a:prstGeom prst="rect">
-            <a:avLst/>
-          </a:prstGeom>
-          <a:noFill/>
-          <a:ln w="9525">
+        </p:grpSpPr>
+        <p:sp>
+          <p:nvSpPr>
+            <p:cNvPr id="12" name="Freeform 11">
+              <a:extLst>
+                <a:ext uri="{FF2B5EF4-FFF2-40B4-BE49-F238E27FC236}">
+                  <a16:creationId xmlns:a16="http://schemas.microsoft.com/office/drawing/2014/main" id="{B24C811D-2041-5949-8B50-48CD2B793C88}"/>
+                </a:ext>
+              </a:extLst>
+            </p:cNvPr>
+            <p:cNvSpPr/>
+            <p:nvPr userDrawn="1"/>
+          </p:nvSpPr>
+          <p:spPr>
+            <a:xfrm>
+              <a:off x="-118869" y="-204883"/>
+              <a:ext cx="30552903" cy="43237246"/>
+            </a:xfrm>
+            <a:custGeom>
+              <a:avLst/>
+              <a:gdLst>
+                <a:gd name="connsiteX0" fmla="*/ 0 w 44005500"/>
+                <a:gd name="connsiteY0" fmla="*/ 0 h 32956500"/>
+                <a:gd name="connsiteX1" fmla="*/ 44005500 w 44005500"/>
+                <a:gd name="connsiteY1" fmla="*/ 32956500 h 32956500"/>
+                <a:gd name="connsiteX2" fmla="*/ 38100 w 44005500"/>
+                <a:gd name="connsiteY2" fmla="*/ 32918400 h 32956500"/>
+                <a:gd name="connsiteX3" fmla="*/ 0 w 44005500"/>
+                <a:gd name="connsiteY3" fmla="*/ 0 h 32956500"/>
+              </a:gdLst>
+              <a:ahLst/>
+              <a:cxnLst>
+                <a:cxn ang="0">
+                  <a:pos x="connsiteX0" y="connsiteY0"/>
+                </a:cxn>
+                <a:cxn ang="0">
+                  <a:pos x="connsiteX1" y="connsiteY1"/>
+                </a:cxn>
+                <a:cxn ang="0">
+                  <a:pos x="connsiteX2" y="connsiteY2"/>
+                </a:cxn>
+                <a:cxn ang="0">
+                  <a:pos x="connsiteX3" y="connsiteY3"/>
+                </a:cxn>
+              </a:cxnLst>
+              <a:rect l="l" t="t" r="r" b="b"/>
+              <a:pathLst>
+                <a:path w="44005500" h="32956500">
+                  <a:moveTo>
+                    <a:pt x="0" y="0"/>
+                  </a:moveTo>
+                  <a:lnTo>
+                    <a:pt x="44005500" y="32956500"/>
+                  </a:lnTo>
+                  <a:lnTo>
+                    <a:pt x="38100" y="32918400"/>
+                  </a:lnTo>
+                  <a:lnTo>
+                    <a:pt x="0" y="0"/>
+                  </a:lnTo>
+                  <a:close/>
+                </a:path>
+              </a:pathLst>
+            </a:custGeom>
+            <a:gradFill>
+              <a:gsLst>
+                <a:gs pos="79000">
+                  <a:schemeClr val="accent1">
+                    <a:lumMod val="40000"/>
+                    <a:lumOff val="60000"/>
+                  </a:schemeClr>
+                </a:gs>
+                <a:gs pos="13000">
+                  <a:schemeClr val="accent1">
+                    <a:lumMod val="30000"/>
+                    <a:lumOff val="70000"/>
+                  </a:schemeClr>
+                </a:gs>
+              </a:gsLst>
+              <a:lin ang="5400000" scaled="1"/>
+            </a:gradFill>
+            <a:ln>
+              <a:noFill/>
+            </a:ln>
+          </p:spPr>
+          <p:style>
+            <a:lnRef idx="2">
+              <a:schemeClr val="accent1">
+                <a:shade val="50000"/>
+              </a:schemeClr>
+            </a:lnRef>
+            <a:fillRef idx="1">
+              <a:schemeClr val="accent1"/>
+            </a:fillRef>
+            <a:effectRef idx="0">
+              <a:schemeClr val="accent1"/>
+            </a:effectRef>
+            <a:fontRef idx="minor">
+              <a:schemeClr val="lt1"/>
+            </a:fontRef>
+          </p:style>
+          <p:txBody>
+            <a:bodyPr rtlCol="0" anchor="ctr"/>
+            <a:lstStyle/>
+            <a:p>
+              <a:pPr algn="ctr"/>
+              <a:endParaRPr lang="en-US" sz="8500" dirty="0"/>
+            </a:p>
+          </p:txBody>
+        </p:sp>
+        <p:sp>
+          <p:nvSpPr>
+            <p:cNvPr id="13" name="Freeform 12">
+              <a:extLst>
+                <a:ext uri="{FF2B5EF4-FFF2-40B4-BE49-F238E27FC236}">
+                  <a16:creationId xmlns:a16="http://schemas.microsoft.com/office/drawing/2014/main" id="{6FECA194-925B-5347-8A8D-96391C4DB89D}"/>
+                </a:ext>
+              </a:extLst>
+            </p:cNvPr>
+            <p:cNvSpPr/>
+            <p:nvPr userDrawn="1"/>
+          </p:nvSpPr>
+          <p:spPr>
+            <a:xfrm flipH="1" flipV="1">
+              <a:off x="-118870" y="-204883"/>
+              <a:ext cx="30552902" cy="43214998"/>
+            </a:xfrm>
+            <a:custGeom>
+              <a:avLst/>
+              <a:gdLst>
+                <a:gd name="connsiteX0" fmla="*/ 0 w 44005500"/>
+                <a:gd name="connsiteY0" fmla="*/ 0 h 32956500"/>
+                <a:gd name="connsiteX1" fmla="*/ 44005500 w 44005500"/>
+                <a:gd name="connsiteY1" fmla="*/ 32956500 h 32956500"/>
+                <a:gd name="connsiteX2" fmla="*/ 38100 w 44005500"/>
+                <a:gd name="connsiteY2" fmla="*/ 32918400 h 32956500"/>
+                <a:gd name="connsiteX3" fmla="*/ 0 w 44005500"/>
+                <a:gd name="connsiteY3" fmla="*/ 0 h 32956500"/>
+              </a:gdLst>
+              <a:ahLst/>
+              <a:cxnLst>
+                <a:cxn ang="0">
+                  <a:pos x="connsiteX0" y="connsiteY0"/>
+                </a:cxn>
+                <a:cxn ang="0">
+                  <a:pos x="connsiteX1" y="connsiteY1"/>
+                </a:cxn>
+                <a:cxn ang="0">
+                  <a:pos x="connsiteX2" y="connsiteY2"/>
+                </a:cxn>
+                <a:cxn ang="0">
+                  <a:pos x="connsiteX3" y="connsiteY3"/>
+                </a:cxn>
+              </a:cxnLst>
+              <a:rect l="l" t="t" r="r" b="b"/>
+              <a:pathLst>
+                <a:path w="44005500" h="32956500">
+                  <a:moveTo>
+                    <a:pt x="0" y="0"/>
+                  </a:moveTo>
+                  <a:lnTo>
+                    <a:pt x="44005500" y="32956500"/>
+                  </a:lnTo>
+                  <a:lnTo>
+                    <a:pt x="38100" y="32918400"/>
+                  </a:lnTo>
+                  <a:lnTo>
+                    <a:pt x="0" y="0"/>
+                  </a:lnTo>
+                  <a:close/>
+                </a:path>
+              </a:pathLst>
+            </a:custGeom>
+            <a:gradFill>
+              <a:gsLst>
+                <a:gs pos="41000">
+                  <a:schemeClr val="bg2"/>
+                </a:gs>
+                <a:gs pos="100000">
+                  <a:schemeClr val="accent1">
+                    <a:lumMod val="30000"/>
+                    <a:lumOff val="70000"/>
+                  </a:schemeClr>
+                </a:gs>
+              </a:gsLst>
+              <a:lin ang="5400000" scaled="1"/>
+            </a:gradFill>
+            <a:ln>
+              <a:noFill/>
+            </a:ln>
+          </p:spPr>
+          <p:style>
+            <a:lnRef idx="2">
+              <a:schemeClr val="accent1">
+                <a:shade val="50000"/>
+              </a:schemeClr>
+            </a:lnRef>
+            <a:fillRef idx="1">
+              <a:schemeClr val="accent1"/>
+            </a:fillRef>
+            <a:effectRef idx="0">
+              <a:schemeClr val="accent1"/>
+            </a:effectRef>
+            <a:fontRef idx="minor">
+              <a:schemeClr val="lt1"/>
+            </a:fontRef>
+          </p:style>
+          <p:txBody>
+            <a:bodyPr rtlCol="0" anchor="ctr"/>
+            <a:lstStyle/>
+            <a:p>
+              <a:pPr algn="ctr"/>
+              <a:endParaRPr lang="en-US" sz="8500"/>
+            </a:p>
+          </p:txBody>
+        </p:sp>
+        <p:sp>
+          <p:nvSpPr>
+            <p:cNvPr id="14" name="Freeform 13">
+              <a:extLst>
+                <a:ext uri="{FF2B5EF4-FFF2-40B4-BE49-F238E27FC236}">
+                  <a16:creationId xmlns:a16="http://schemas.microsoft.com/office/drawing/2014/main" id="{0717771B-BB64-1741-9B54-188CA7F6BDC1}"/>
+                </a:ext>
+              </a:extLst>
+            </p:cNvPr>
+            <p:cNvSpPr/>
+            <p:nvPr userDrawn="1"/>
+          </p:nvSpPr>
+          <p:spPr>
+            <a:xfrm>
+              <a:off x="-168590" y="-228600"/>
+              <a:ext cx="30602624" cy="43260963"/>
+            </a:xfrm>
+            <a:custGeom>
+              <a:avLst/>
+              <a:gdLst>
+                <a:gd name="connsiteX0" fmla="*/ 36576 w 39026592"/>
+                <a:gd name="connsiteY0" fmla="*/ 0 h 30614112"/>
+                <a:gd name="connsiteX1" fmla="*/ 15837408 w 39026592"/>
+                <a:gd name="connsiteY1" fmla="*/ 30614112 h 30614112"/>
+                <a:gd name="connsiteX2" fmla="*/ 39026592 w 39026592"/>
+                <a:gd name="connsiteY2" fmla="*/ 13350240 h 30614112"/>
+                <a:gd name="connsiteX3" fmla="*/ 0 w 39026592"/>
+                <a:gd name="connsiteY3" fmla="*/ 73152 h 30614112"/>
+                <a:gd name="connsiteX4" fmla="*/ 109728 w 39026592"/>
+                <a:gd name="connsiteY4" fmla="*/ 146304 h 30614112"/>
+              </a:gdLst>
+              <a:ahLst/>
+              <a:cxnLst>
+                <a:cxn ang="0">
+                  <a:pos x="connsiteX0" y="connsiteY0"/>
+                </a:cxn>
+                <a:cxn ang="0">
+                  <a:pos x="connsiteX1" y="connsiteY1"/>
+                </a:cxn>
+                <a:cxn ang="0">
+                  <a:pos x="connsiteX2" y="connsiteY2"/>
+                </a:cxn>
+                <a:cxn ang="0">
+                  <a:pos x="connsiteX3" y="connsiteY3"/>
+                </a:cxn>
+                <a:cxn ang="0">
+                  <a:pos x="connsiteX4" y="connsiteY4"/>
+                </a:cxn>
+              </a:cxnLst>
+              <a:rect l="l" t="t" r="r" b="b"/>
+              <a:pathLst>
+                <a:path w="39026592" h="30614112">
+                  <a:moveTo>
+                    <a:pt x="36576" y="0"/>
+                  </a:moveTo>
+                  <a:lnTo>
+                    <a:pt x="15837408" y="30614112"/>
+                  </a:lnTo>
+                  <a:lnTo>
+                    <a:pt x="39026592" y="13350240"/>
+                  </a:lnTo>
+                  <a:lnTo>
+                    <a:pt x="0" y="73152"/>
+                  </a:lnTo>
+                  <a:lnTo>
+                    <a:pt x="109728" y="146304"/>
+                  </a:lnTo>
+                </a:path>
+              </a:pathLst>
+            </a:custGeom>
+            <a:gradFill flip="none" rotWithShape="1">
+              <a:gsLst>
+                <a:gs pos="0">
+                  <a:schemeClr val="bg1"/>
+                </a:gs>
+                <a:gs pos="76000">
+                  <a:schemeClr val="accent1">
+                    <a:lumMod val="30000"/>
+                    <a:lumOff val="70000"/>
+                    <a:alpha val="0"/>
+                  </a:schemeClr>
+                </a:gs>
+              </a:gsLst>
+              <a:path path="rect">
+                <a:fillToRect r="100000" b="100000"/>
+              </a:path>
+              <a:tileRect l="-100000" t="-100000"/>
+            </a:gradFill>
+            <a:ln>
+              <a:noFill/>
+            </a:ln>
+          </p:spPr>
+          <p:style>
+            <a:lnRef idx="2">
+              <a:schemeClr val="accent1">
+                <a:shade val="50000"/>
+              </a:schemeClr>
+            </a:lnRef>
+            <a:fillRef idx="1">
+              <a:schemeClr val="accent1"/>
+            </a:fillRef>
+            <a:effectRef idx="0">
+              <a:schemeClr val="accent1"/>
+            </a:effectRef>
+            <a:fontRef idx="minor">
+              <a:schemeClr val="lt1"/>
+            </a:fontRef>
+          </p:style>
+          <p:txBody>
+            <a:bodyPr rtlCol="0" anchor="ctr"/>
+            <a:lstStyle/>
+            <a:p>
+              <a:pPr algn="ctr"/>
+              <a:endParaRPr lang="en-US" sz="8500" dirty="0"/>
+            </a:p>
+          </p:txBody>
+        </p:sp>
+        <p:sp>
+          <p:nvSpPr>
+            <p:cNvPr id="15" name="Text Box 14">
+              <a:extLst>
+                <a:ext uri="{FF2B5EF4-FFF2-40B4-BE49-F238E27FC236}">
+                  <a16:creationId xmlns:a16="http://schemas.microsoft.com/office/drawing/2014/main" id="{44AE7168-A6A0-8642-A95F-FDE734D3F23C}"/>
+                </a:ext>
+              </a:extLst>
+            </p:cNvPr>
+            <p:cNvSpPr txBox="1">
+              <a:spLocks noChangeArrowheads="1"/>
+            </p:cNvSpPr>
+            <p:nvPr userDrawn="1"/>
+          </p:nvSpPr>
+          <p:spPr bwMode="auto">
+            <a:xfrm>
+              <a:off x="1538296" y="41883654"/>
+              <a:ext cx="2234591" cy="334933"/>
+            </a:xfrm>
+            <a:prstGeom prst="rect">
+              <a:avLst/>
+            </a:prstGeom>
             <a:noFill/>
-            <a:miter lim="800000"/>
-            <a:headEnd/>
-            <a:tailEnd/>
-          </a:ln>
-          <a:effectLst/>
-        </p:spPr>
-        <p:txBody>
-          <a:bodyPr wrap="square" lIns="89457" tIns="44720" rIns="89457" bIns="44720">
-            <a:spAutoFit/>
-          </a:bodyPr>
-          <a:lstStyle/>
-          <a:p>
-            <a:pPr eaLnBrk="0" hangingPunct="0">
-              <a:lnSpc>
-                <a:spcPct val="65000"/>
-              </a:lnSpc>
-              <a:spcBef>
-                <a:spcPct val="50000"/>
-              </a:spcBef>
-              <a:defRPr/>
-            </a:pPr>
-            <a:r>
-              <a:rPr lang="en-US" sz="500" b="1" dirty="0">
-                <a:solidFill>
-                  <a:schemeClr val="bg1">
-                    <a:lumMod val="75000"/>
-                  </a:schemeClr>
-                </a:solidFill>
-                <a:latin typeface="Arial" charset="0"/>
-              </a:rPr>
-              <a:t>RESEARCH POSTER PRESENTATION DESIGN © 2019</a:t>
-            </a:r>
-          </a:p>
-          <a:p>
-            <a:pPr eaLnBrk="0" hangingPunct="0">
-              <a:lnSpc>
-                <a:spcPct val="65000"/>
-              </a:lnSpc>
-              <a:spcBef>
-                <a:spcPct val="50000"/>
-              </a:spcBef>
-              <a:defRPr/>
-            </a:pPr>
-            <a:r>
-              <a:rPr lang="en-US" sz="1001" b="1" dirty="0">
-                <a:solidFill>
-                  <a:schemeClr val="bg1">
-                    <a:lumMod val="75000"/>
-                  </a:schemeClr>
-                </a:solidFill>
-                <a:latin typeface="Arial" charset="0"/>
-              </a:rPr>
-              <a:t>www.PosterPresentations.com</a:t>
-            </a:r>
-          </a:p>
-        </p:txBody>
-      </p:sp>
+            <a:ln w="9525">
+              <a:noFill/>
+              <a:miter lim="800000"/>
+              <a:headEnd/>
+              <a:tailEnd/>
+            </a:ln>
+            <a:effectLst/>
+          </p:spPr>
+          <p:txBody>
+            <a:bodyPr wrap="square" lIns="89381" tIns="44682" rIns="89381" bIns="44682">
+              <a:spAutoFit/>
+            </a:bodyPr>
+            <a:lstStyle/>
+            <a:p>
+              <a:pPr eaLnBrk="0" hangingPunct="0">
+                <a:lnSpc>
+                  <a:spcPct val="65000"/>
+                </a:lnSpc>
+                <a:spcBef>
+                  <a:spcPct val="50000"/>
+                </a:spcBef>
+                <a:defRPr/>
+              </a:pPr>
+              <a:r>
+                <a:rPr lang="en-US" sz="600" b="1" dirty="0">
+                  <a:solidFill>
+                    <a:schemeClr val="bg1">
+                      <a:lumMod val="75000"/>
+                    </a:schemeClr>
+                  </a:solidFill>
+                  <a:latin typeface="Arial" charset="0"/>
+                </a:rPr>
+                <a:t>RESEARCH POSTER PRESENTATION DESIGN © 2019</a:t>
+              </a:r>
+            </a:p>
+            <a:p>
+              <a:pPr eaLnBrk="0" hangingPunct="0">
+                <a:lnSpc>
+                  <a:spcPct val="65000"/>
+                </a:lnSpc>
+                <a:spcBef>
+                  <a:spcPct val="50000"/>
+                </a:spcBef>
+                <a:defRPr/>
+              </a:pPr>
+              <a:r>
+                <a:rPr lang="en-US" sz="1000" b="1" dirty="0">
+                  <a:solidFill>
+                    <a:schemeClr val="bg1">
+                      <a:lumMod val="75000"/>
+                    </a:schemeClr>
+                  </a:solidFill>
+                  <a:latin typeface="Arial" charset="0"/>
+                </a:rPr>
+                <a:t>www.PosterPresentations.com</a:t>
+              </a:r>
+            </a:p>
+          </p:txBody>
+        </p:sp>
+      </p:grpSp>
     </p:spTree>
   </p:cSld>
   <p:clrMap bg1="lt1" tx1="dk1" bg2="lt2" tx2="dk2" accent1="accent1" accent2="accent2" accent3="accent3" accent4="accent4" accent5="accent5" accent6="accent6" hlink="hlink" folHlink="folHlink"/>
@@ -2445,12 +3808,12 @@
   </p:sldLayoutIdLst>
   <p:txStyles>
     <p:titleStyle>
-      <a:lvl1pPr algn="ctr" defTabSz="4302279" rtl="0" eaLnBrk="1" latinLnBrk="0" hangingPunct="1">
+      <a:lvl1pPr algn="ctr" defTabSz="4298410" rtl="0" eaLnBrk="1" latinLnBrk="0" hangingPunct="1">
         <a:spcBef>
           <a:spcPct val="0"/>
         </a:spcBef>
         <a:buNone/>
-        <a:defRPr sz="8508" kern="1200">
+        <a:defRPr sz="8500" kern="1200">
           <a:solidFill>
             <a:schemeClr val="bg1"/>
           </a:solidFill>
@@ -2461,13 +3824,13 @@
       </a:lvl1pPr>
     </p:titleStyle>
     <p:bodyStyle>
-      <a:lvl1pPr marL="1613354" indent="-1613354" algn="l" defTabSz="4302279" rtl="0" eaLnBrk="1" latinLnBrk="0" hangingPunct="1">
+      <a:lvl1pPr marL="1611903" indent="-1611903" algn="l" defTabSz="4298410" rtl="0" eaLnBrk="1" latinLnBrk="0" hangingPunct="1">
         <a:spcBef>
           <a:spcPct val="20000"/>
         </a:spcBef>
         <a:buFont typeface="Arial" pitchFamily="34" charset="0"/>
         <a:buChar char="•"/>
-        <a:defRPr sz="15114" kern="1200">
+        <a:defRPr sz="15100" kern="1200">
           <a:solidFill>
             <a:schemeClr val="tx1"/>
           </a:solidFill>
@@ -2476,13 +3839,13 @@
           <a:cs typeface="+mn-cs"/>
         </a:defRPr>
       </a:lvl1pPr>
-      <a:lvl2pPr marL="3495600" indent="-1344461" algn="l" defTabSz="4302279" rtl="0" eaLnBrk="1" latinLnBrk="0" hangingPunct="1">
+      <a:lvl2pPr marL="3492457" indent="-1343252" algn="l" defTabSz="4298410" rtl="0" eaLnBrk="1" latinLnBrk="0" hangingPunct="1">
         <a:spcBef>
           <a:spcPct val="20000"/>
         </a:spcBef>
         <a:buFont typeface="Arial" pitchFamily="34" charset="0"/>
         <a:buChar char="–"/>
-        <a:defRPr sz="13312" kern="1200">
+        <a:defRPr sz="13300" kern="1200">
           <a:solidFill>
             <a:schemeClr val="tx1"/>
           </a:solidFill>
@@ -2491,13 +3854,13 @@
           <a:cs typeface="+mn-cs"/>
         </a:defRPr>
       </a:lvl2pPr>
-      <a:lvl3pPr marL="5377848" indent="-1075570" algn="l" defTabSz="4302279" rtl="0" eaLnBrk="1" latinLnBrk="0" hangingPunct="1">
+      <a:lvl3pPr marL="5373012" indent="-1074603" algn="l" defTabSz="4298410" rtl="0" eaLnBrk="1" latinLnBrk="0" hangingPunct="1">
         <a:spcBef>
           <a:spcPct val="20000"/>
         </a:spcBef>
         <a:buFont typeface="Arial" pitchFamily="34" charset="0"/>
         <a:buChar char="•"/>
-        <a:defRPr sz="11310" kern="1200">
+        <a:defRPr sz="11300" kern="1200">
           <a:solidFill>
             <a:schemeClr val="tx1"/>
           </a:solidFill>
@@ -2506,13 +3869,13 @@
           <a:cs typeface="+mn-cs"/>
         </a:defRPr>
       </a:lvl3pPr>
-      <a:lvl4pPr marL="7528987" indent="-1075570" algn="l" defTabSz="4302279" rtl="0" eaLnBrk="1" latinLnBrk="0" hangingPunct="1">
+      <a:lvl4pPr marL="7522217" indent="-1074603" algn="l" defTabSz="4298410" rtl="0" eaLnBrk="1" latinLnBrk="0" hangingPunct="1">
         <a:spcBef>
           <a:spcPct val="20000"/>
         </a:spcBef>
         <a:buFont typeface="Arial" pitchFamily="34" charset="0"/>
         <a:buChar char="–"/>
-        <a:defRPr sz="9509" kern="1200">
+        <a:defRPr sz="9500" kern="1200">
           <a:solidFill>
             <a:schemeClr val="tx1"/>
           </a:solidFill>
@@ -2521,13 +3884,13 @@
           <a:cs typeface="+mn-cs"/>
         </a:defRPr>
       </a:lvl4pPr>
-      <a:lvl5pPr marL="9680124" indent="-1075570" algn="l" defTabSz="4302279" rtl="0" eaLnBrk="1" latinLnBrk="0" hangingPunct="1">
+      <a:lvl5pPr marL="9671420" indent="-1074603" algn="l" defTabSz="4298410" rtl="0" eaLnBrk="1" latinLnBrk="0" hangingPunct="1">
         <a:spcBef>
           <a:spcPct val="20000"/>
         </a:spcBef>
         <a:buFont typeface="Arial" pitchFamily="34" charset="0"/>
         <a:buChar char="»"/>
-        <a:defRPr sz="9509" kern="1200">
+        <a:defRPr sz="9500" kern="1200">
           <a:solidFill>
             <a:schemeClr val="tx1"/>
           </a:solidFill>
@@ -2536,13 +3899,13 @@
           <a:cs typeface="+mn-cs"/>
         </a:defRPr>
       </a:lvl5pPr>
-      <a:lvl6pPr marL="11831264" indent="-1075570" algn="l" defTabSz="4302279" rtl="0" eaLnBrk="1" latinLnBrk="0" hangingPunct="1">
+      <a:lvl6pPr marL="11820625" indent="-1074603" algn="l" defTabSz="4298410" rtl="0" eaLnBrk="1" latinLnBrk="0" hangingPunct="1">
         <a:spcBef>
           <a:spcPct val="20000"/>
         </a:spcBef>
         <a:buFont typeface="Arial" pitchFamily="34" charset="0"/>
         <a:buChar char="•"/>
-        <a:defRPr sz="9509" kern="1200">
+        <a:defRPr sz="9500" kern="1200">
           <a:solidFill>
             <a:schemeClr val="tx1"/>
           </a:solidFill>
@@ -2551,13 +3914,13 @@
           <a:cs typeface="+mn-cs"/>
         </a:defRPr>
       </a:lvl6pPr>
-      <a:lvl7pPr marL="13982401" indent="-1075570" algn="l" defTabSz="4302279" rtl="0" eaLnBrk="1" latinLnBrk="0" hangingPunct="1">
+      <a:lvl7pPr marL="13969828" indent="-1074603" algn="l" defTabSz="4298410" rtl="0" eaLnBrk="1" latinLnBrk="0" hangingPunct="1">
         <a:spcBef>
           <a:spcPct val="20000"/>
         </a:spcBef>
         <a:buFont typeface="Arial" pitchFamily="34" charset="0"/>
         <a:buChar char="•"/>
-        <a:defRPr sz="9509" kern="1200">
+        <a:defRPr sz="9500" kern="1200">
           <a:solidFill>
             <a:schemeClr val="tx1"/>
           </a:solidFill>
@@ -2566,13 +3929,13 @@
           <a:cs typeface="+mn-cs"/>
         </a:defRPr>
       </a:lvl7pPr>
-      <a:lvl8pPr marL="16133541" indent="-1075570" algn="l" defTabSz="4302279" rtl="0" eaLnBrk="1" latinLnBrk="0" hangingPunct="1">
+      <a:lvl8pPr marL="16119034" indent="-1074603" algn="l" defTabSz="4298410" rtl="0" eaLnBrk="1" latinLnBrk="0" hangingPunct="1">
         <a:spcBef>
           <a:spcPct val="20000"/>
         </a:spcBef>
         <a:buFont typeface="Arial" pitchFamily="34" charset="0"/>
         <a:buChar char="•"/>
-        <a:defRPr sz="9509" kern="1200">
+        <a:defRPr sz="9500" kern="1200">
           <a:solidFill>
             <a:schemeClr val="tx1"/>
           </a:solidFill>
@@ -2581,13 +3944,13 @@
           <a:cs typeface="+mn-cs"/>
         </a:defRPr>
       </a:lvl8pPr>
-      <a:lvl9pPr marL="18284679" indent="-1075570" algn="l" defTabSz="4302279" rtl="0" eaLnBrk="1" latinLnBrk="0" hangingPunct="1">
+      <a:lvl9pPr marL="18268238" indent="-1074603" algn="l" defTabSz="4298410" rtl="0" eaLnBrk="1" latinLnBrk="0" hangingPunct="1">
         <a:spcBef>
           <a:spcPct val="20000"/>
         </a:spcBef>
         <a:buFont typeface="Arial" pitchFamily="34" charset="0"/>
         <a:buChar char="•"/>
-        <a:defRPr sz="9509" kern="1200">
+        <a:defRPr sz="9500" kern="1200">
           <a:solidFill>
             <a:schemeClr val="tx1"/>
           </a:solidFill>
@@ -2601,8 +3964,8 @@
       <a:defPPr>
         <a:defRPr lang="en-US"/>
       </a:defPPr>
-      <a:lvl1pPr marL="0" algn="l" defTabSz="4302279" rtl="0" eaLnBrk="1" latinLnBrk="0" hangingPunct="1">
-        <a:defRPr sz="8508" kern="1200">
+      <a:lvl1pPr marL="0" algn="l" defTabSz="4298410" rtl="0" eaLnBrk="1" latinLnBrk="0" hangingPunct="1">
+        <a:defRPr sz="8500" kern="1200">
           <a:solidFill>
             <a:schemeClr val="tx1"/>
           </a:solidFill>
@@ -2611,8 +3974,8 @@
           <a:cs typeface="+mn-cs"/>
         </a:defRPr>
       </a:lvl1pPr>
-      <a:lvl2pPr marL="2151139" algn="l" defTabSz="4302279" rtl="0" eaLnBrk="1" latinLnBrk="0" hangingPunct="1">
-        <a:defRPr sz="8508" kern="1200">
+      <a:lvl2pPr marL="2149205" algn="l" defTabSz="4298410" rtl="0" eaLnBrk="1" latinLnBrk="0" hangingPunct="1">
+        <a:defRPr sz="8500" kern="1200">
           <a:solidFill>
             <a:schemeClr val="tx1"/>
           </a:solidFill>
@@ -2621,8 +3984,8 @@
           <a:cs typeface="+mn-cs"/>
         </a:defRPr>
       </a:lvl2pPr>
-      <a:lvl3pPr marL="4302279" algn="l" defTabSz="4302279" rtl="0" eaLnBrk="1" latinLnBrk="0" hangingPunct="1">
-        <a:defRPr sz="8508" kern="1200">
+      <a:lvl3pPr marL="4298410" algn="l" defTabSz="4298410" rtl="0" eaLnBrk="1" latinLnBrk="0" hangingPunct="1">
+        <a:defRPr sz="8500" kern="1200">
           <a:solidFill>
             <a:schemeClr val="tx1"/>
           </a:solidFill>
@@ -2631,8 +3994,8 @@
           <a:cs typeface="+mn-cs"/>
         </a:defRPr>
       </a:lvl3pPr>
-      <a:lvl4pPr marL="6453416" algn="l" defTabSz="4302279" rtl="0" eaLnBrk="1" latinLnBrk="0" hangingPunct="1">
-        <a:defRPr sz="8508" kern="1200">
+      <a:lvl4pPr marL="6447613" algn="l" defTabSz="4298410" rtl="0" eaLnBrk="1" latinLnBrk="0" hangingPunct="1">
+        <a:defRPr sz="8500" kern="1200">
           <a:solidFill>
             <a:schemeClr val="tx1"/>
           </a:solidFill>
@@ -2641,8 +4004,8 @@
           <a:cs typeface="+mn-cs"/>
         </a:defRPr>
       </a:lvl4pPr>
-      <a:lvl5pPr marL="8604554" algn="l" defTabSz="4302279" rtl="0" eaLnBrk="1" latinLnBrk="0" hangingPunct="1">
-        <a:defRPr sz="8508" kern="1200">
+      <a:lvl5pPr marL="8596817" algn="l" defTabSz="4298410" rtl="0" eaLnBrk="1" latinLnBrk="0" hangingPunct="1">
+        <a:defRPr sz="8500" kern="1200">
           <a:solidFill>
             <a:schemeClr val="tx1"/>
           </a:solidFill>
@@ -2651,8 +4014,8 @@
           <a:cs typeface="+mn-cs"/>
         </a:defRPr>
       </a:lvl5pPr>
-      <a:lvl6pPr marL="10755694" algn="l" defTabSz="4302279" rtl="0" eaLnBrk="1" latinLnBrk="0" hangingPunct="1">
-        <a:defRPr sz="8508" kern="1200">
+      <a:lvl6pPr marL="10746023" algn="l" defTabSz="4298410" rtl="0" eaLnBrk="1" latinLnBrk="0" hangingPunct="1">
+        <a:defRPr sz="8500" kern="1200">
           <a:solidFill>
             <a:schemeClr val="tx1"/>
           </a:solidFill>
@@ -2661,8 +4024,8 @@
           <a:cs typeface="+mn-cs"/>
         </a:defRPr>
       </a:lvl6pPr>
-      <a:lvl7pPr marL="12906835" algn="l" defTabSz="4302279" rtl="0" eaLnBrk="1" latinLnBrk="0" hangingPunct="1">
-        <a:defRPr sz="8508" kern="1200">
+      <a:lvl7pPr marL="12895229" algn="l" defTabSz="4298410" rtl="0" eaLnBrk="1" latinLnBrk="0" hangingPunct="1">
+        <a:defRPr sz="8500" kern="1200">
           <a:solidFill>
             <a:schemeClr val="tx1"/>
           </a:solidFill>
@@ -2671,8 +4034,8 @@
           <a:cs typeface="+mn-cs"/>
         </a:defRPr>
       </a:lvl7pPr>
-      <a:lvl8pPr marL="15057972" algn="l" defTabSz="4302279" rtl="0" eaLnBrk="1" latinLnBrk="0" hangingPunct="1">
-        <a:defRPr sz="8508" kern="1200">
+      <a:lvl8pPr marL="15044432" algn="l" defTabSz="4298410" rtl="0" eaLnBrk="1" latinLnBrk="0" hangingPunct="1">
+        <a:defRPr sz="8500" kern="1200">
           <a:solidFill>
             <a:schemeClr val="tx1"/>
           </a:solidFill>
@@ -2681,8 +4044,8 @@
           <a:cs typeface="+mn-cs"/>
         </a:defRPr>
       </a:lvl8pPr>
-      <a:lvl9pPr marL="17209111" algn="l" defTabSz="4302279" rtl="0" eaLnBrk="1" latinLnBrk="0" hangingPunct="1">
-        <a:defRPr sz="8508" kern="1200">
+      <a:lvl9pPr marL="17193637" algn="l" defTabSz="4298410" rtl="0" eaLnBrk="1" latinLnBrk="0" hangingPunct="1">
+        <a:defRPr sz="8500" kern="1200">
           <a:solidFill>
             <a:schemeClr val="tx1"/>
           </a:solidFill>
@@ -2697,6 +4060,706 @@
 </file>
 
 <file path=ppt/slideMasters/slideMaster2.xml><?xml version="1.0" encoding="utf-8"?>
+<p:sldMaster xmlns:a="http://schemas.openxmlformats.org/drawingml/2006/main" xmlns:r="http://schemas.openxmlformats.org/officeDocument/2006/relationships" xmlns:p="http://schemas.openxmlformats.org/presentationml/2006/main">
+  <p:cSld>
+    <p:bg>
+      <p:bgPr>
+        <a:solidFill>
+          <a:schemeClr val="bg1"/>
+        </a:solidFill>
+        <a:effectLst/>
+      </p:bgPr>
+    </p:bg>
+    <p:spTree>
+      <p:nvGrpSpPr>
+        <p:cNvPr id="1" name=""/>
+        <p:cNvGrpSpPr/>
+        <p:nvPr/>
+      </p:nvGrpSpPr>
+      <p:grpSpPr>
+        <a:xfrm>
+          <a:off x="0" y="0"/>
+          <a:ext cx="0" cy="0"/>
+          <a:chOff x="0" y="0"/>
+          <a:chExt cx="0" cy="0"/>
+        </a:xfrm>
+      </p:grpSpPr>
+      <p:grpSp>
+        <p:nvGrpSpPr>
+          <p:cNvPr id="2" name="Group 1">
+            <a:extLst>
+              <a:ext uri="{FF2B5EF4-FFF2-40B4-BE49-F238E27FC236}">
+                <a16:creationId xmlns:a16="http://schemas.microsoft.com/office/drawing/2014/main" id="{1C123442-6B48-9B42-9BF6-87901923596D}"/>
+              </a:ext>
+            </a:extLst>
+          </p:cNvPr>
+          <p:cNvGrpSpPr/>
+          <p:nvPr userDrawn="1"/>
+        </p:nvGrpSpPr>
+        <p:grpSpPr>
+          <a:xfrm>
+            <a:off x="-53788" y="1"/>
+            <a:ext cx="30275213" cy="42840275"/>
+            <a:chOff x="-168590" y="-228600"/>
+            <a:chExt cx="30602624" cy="43260963"/>
+          </a:xfrm>
+        </p:grpSpPr>
+        <p:sp>
+          <p:nvSpPr>
+            <p:cNvPr id="40" name="Freeform 39"/>
+            <p:cNvSpPr/>
+            <p:nvPr userDrawn="1"/>
+          </p:nvSpPr>
+          <p:spPr>
+            <a:xfrm>
+              <a:off x="-118869" y="-204883"/>
+              <a:ext cx="30552903" cy="43237246"/>
+            </a:xfrm>
+            <a:custGeom>
+              <a:avLst/>
+              <a:gdLst>
+                <a:gd name="connsiteX0" fmla="*/ 0 w 44005500"/>
+                <a:gd name="connsiteY0" fmla="*/ 0 h 32956500"/>
+                <a:gd name="connsiteX1" fmla="*/ 44005500 w 44005500"/>
+                <a:gd name="connsiteY1" fmla="*/ 32956500 h 32956500"/>
+                <a:gd name="connsiteX2" fmla="*/ 38100 w 44005500"/>
+                <a:gd name="connsiteY2" fmla="*/ 32918400 h 32956500"/>
+                <a:gd name="connsiteX3" fmla="*/ 0 w 44005500"/>
+                <a:gd name="connsiteY3" fmla="*/ 0 h 32956500"/>
+              </a:gdLst>
+              <a:ahLst/>
+              <a:cxnLst>
+                <a:cxn ang="0">
+                  <a:pos x="connsiteX0" y="connsiteY0"/>
+                </a:cxn>
+                <a:cxn ang="0">
+                  <a:pos x="connsiteX1" y="connsiteY1"/>
+                </a:cxn>
+                <a:cxn ang="0">
+                  <a:pos x="connsiteX2" y="connsiteY2"/>
+                </a:cxn>
+                <a:cxn ang="0">
+                  <a:pos x="connsiteX3" y="connsiteY3"/>
+                </a:cxn>
+              </a:cxnLst>
+              <a:rect l="l" t="t" r="r" b="b"/>
+              <a:pathLst>
+                <a:path w="44005500" h="32956500">
+                  <a:moveTo>
+                    <a:pt x="0" y="0"/>
+                  </a:moveTo>
+                  <a:lnTo>
+                    <a:pt x="44005500" y="32956500"/>
+                  </a:lnTo>
+                  <a:lnTo>
+                    <a:pt x="38100" y="32918400"/>
+                  </a:lnTo>
+                  <a:lnTo>
+                    <a:pt x="0" y="0"/>
+                  </a:lnTo>
+                  <a:close/>
+                </a:path>
+              </a:pathLst>
+            </a:custGeom>
+            <a:gradFill>
+              <a:gsLst>
+                <a:gs pos="79000">
+                  <a:schemeClr val="accent1">
+                    <a:lumMod val="40000"/>
+                    <a:lumOff val="60000"/>
+                  </a:schemeClr>
+                </a:gs>
+                <a:gs pos="13000">
+                  <a:schemeClr val="accent1">
+                    <a:lumMod val="30000"/>
+                    <a:lumOff val="70000"/>
+                  </a:schemeClr>
+                </a:gs>
+              </a:gsLst>
+              <a:lin ang="5400000" scaled="1"/>
+            </a:gradFill>
+            <a:ln>
+              <a:noFill/>
+            </a:ln>
+          </p:spPr>
+          <p:style>
+            <a:lnRef idx="2">
+              <a:schemeClr val="accent1">
+                <a:shade val="50000"/>
+              </a:schemeClr>
+            </a:lnRef>
+            <a:fillRef idx="1">
+              <a:schemeClr val="accent1"/>
+            </a:fillRef>
+            <a:effectRef idx="0">
+              <a:schemeClr val="accent1"/>
+            </a:effectRef>
+            <a:fontRef idx="minor">
+              <a:schemeClr val="lt1"/>
+            </a:fontRef>
+          </p:style>
+          <p:txBody>
+            <a:bodyPr rtlCol="0" anchor="ctr"/>
+            <a:lstStyle/>
+            <a:p>
+              <a:pPr algn="ctr"/>
+              <a:endParaRPr lang="en-US" sz="8500" dirty="0"/>
+            </a:p>
+          </p:txBody>
+        </p:sp>
+        <p:sp>
+          <p:nvSpPr>
+            <p:cNvPr id="42" name="Freeform 41"/>
+            <p:cNvSpPr/>
+            <p:nvPr userDrawn="1"/>
+          </p:nvSpPr>
+          <p:spPr>
+            <a:xfrm flipH="1" flipV="1">
+              <a:off x="-118870" y="-204883"/>
+              <a:ext cx="30552902" cy="43214998"/>
+            </a:xfrm>
+            <a:custGeom>
+              <a:avLst/>
+              <a:gdLst>
+                <a:gd name="connsiteX0" fmla="*/ 0 w 44005500"/>
+                <a:gd name="connsiteY0" fmla="*/ 0 h 32956500"/>
+                <a:gd name="connsiteX1" fmla="*/ 44005500 w 44005500"/>
+                <a:gd name="connsiteY1" fmla="*/ 32956500 h 32956500"/>
+                <a:gd name="connsiteX2" fmla="*/ 38100 w 44005500"/>
+                <a:gd name="connsiteY2" fmla="*/ 32918400 h 32956500"/>
+                <a:gd name="connsiteX3" fmla="*/ 0 w 44005500"/>
+                <a:gd name="connsiteY3" fmla="*/ 0 h 32956500"/>
+              </a:gdLst>
+              <a:ahLst/>
+              <a:cxnLst>
+                <a:cxn ang="0">
+                  <a:pos x="connsiteX0" y="connsiteY0"/>
+                </a:cxn>
+                <a:cxn ang="0">
+                  <a:pos x="connsiteX1" y="connsiteY1"/>
+                </a:cxn>
+                <a:cxn ang="0">
+                  <a:pos x="connsiteX2" y="connsiteY2"/>
+                </a:cxn>
+                <a:cxn ang="0">
+                  <a:pos x="connsiteX3" y="connsiteY3"/>
+                </a:cxn>
+              </a:cxnLst>
+              <a:rect l="l" t="t" r="r" b="b"/>
+              <a:pathLst>
+                <a:path w="44005500" h="32956500">
+                  <a:moveTo>
+                    <a:pt x="0" y="0"/>
+                  </a:moveTo>
+                  <a:lnTo>
+                    <a:pt x="44005500" y="32956500"/>
+                  </a:lnTo>
+                  <a:lnTo>
+                    <a:pt x="38100" y="32918400"/>
+                  </a:lnTo>
+                  <a:lnTo>
+                    <a:pt x="0" y="0"/>
+                  </a:lnTo>
+                  <a:close/>
+                </a:path>
+              </a:pathLst>
+            </a:custGeom>
+            <a:gradFill>
+              <a:gsLst>
+                <a:gs pos="41000">
+                  <a:schemeClr val="bg2"/>
+                </a:gs>
+                <a:gs pos="100000">
+                  <a:schemeClr val="accent1">
+                    <a:lumMod val="30000"/>
+                    <a:lumOff val="70000"/>
+                  </a:schemeClr>
+                </a:gs>
+              </a:gsLst>
+              <a:lin ang="5400000" scaled="1"/>
+            </a:gradFill>
+            <a:ln>
+              <a:noFill/>
+            </a:ln>
+          </p:spPr>
+          <p:style>
+            <a:lnRef idx="2">
+              <a:schemeClr val="accent1">
+                <a:shade val="50000"/>
+              </a:schemeClr>
+            </a:lnRef>
+            <a:fillRef idx="1">
+              <a:schemeClr val="accent1"/>
+            </a:fillRef>
+            <a:effectRef idx="0">
+              <a:schemeClr val="accent1"/>
+            </a:effectRef>
+            <a:fontRef idx="minor">
+              <a:schemeClr val="lt1"/>
+            </a:fontRef>
+          </p:style>
+          <p:txBody>
+            <a:bodyPr rtlCol="0" anchor="ctr"/>
+            <a:lstStyle/>
+            <a:p>
+              <a:pPr algn="ctr"/>
+              <a:endParaRPr lang="en-US" sz="8500"/>
+            </a:p>
+          </p:txBody>
+        </p:sp>
+        <p:sp>
+          <p:nvSpPr>
+            <p:cNvPr id="43" name="Freeform 42"/>
+            <p:cNvSpPr/>
+            <p:nvPr userDrawn="1"/>
+          </p:nvSpPr>
+          <p:spPr>
+            <a:xfrm>
+              <a:off x="-168590" y="-228600"/>
+              <a:ext cx="30602624" cy="43260963"/>
+            </a:xfrm>
+            <a:custGeom>
+              <a:avLst/>
+              <a:gdLst>
+                <a:gd name="connsiteX0" fmla="*/ 36576 w 39026592"/>
+                <a:gd name="connsiteY0" fmla="*/ 0 h 30614112"/>
+                <a:gd name="connsiteX1" fmla="*/ 15837408 w 39026592"/>
+                <a:gd name="connsiteY1" fmla="*/ 30614112 h 30614112"/>
+                <a:gd name="connsiteX2" fmla="*/ 39026592 w 39026592"/>
+                <a:gd name="connsiteY2" fmla="*/ 13350240 h 30614112"/>
+                <a:gd name="connsiteX3" fmla="*/ 0 w 39026592"/>
+                <a:gd name="connsiteY3" fmla="*/ 73152 h 30614112"/>
+                <a:gd name="connsiteX4" fmla="*/ 109728 w 39026592"/>
+                <a:gd name="connsiteY4" fmla="*/ 146304 h 30614112"/>
+              </a:gdLst>
+              <a:ahLst/>
+              <a:cxnLst>
+                <a:cxn ang="0">
+                  <a:pos x="connsiteX0" y="connsiteY0"/>
+                </a:cxn>
+                <a:cxn ang="0">
+                  <a:pos x="connsiteX1" y="connsiteY1"/>
+                </a:cxn>
+                <a:cxn ang="0">
+                  <a:pos x="connsiteX2" y="connsiteY2"/>
+                </a:cxn>
+                <a:cxn ang="0">
+                  <a:pos x="connsiteX3" y="connsiteY3"/>
+                </a:cxn>
+                <a:cxn ang="0">
+                  <a:pos x="connsiteX4" y="connsiteY4"/>
+                </a:cxn>
+              </a:cxnLst>
+              <a:rect l="l" t="t" r="r" b="b"/>
+              <a:pathLst>
+                <a:path w="39026592" h="30614112">
+                  <a:moveTo>
+                    <a:pt x="36576" y="0"/>
+                  </a:moveTo>
+                  <a:lnTo>
+                    <a:pt x="15837408" y="30614112"/>
+                  </a:lnTo>
+                  <a:lnTo>
+                    <a:pt x="39026592" y="13350240"/>
+                  </a:lnTo>
+                  <a:lnTo>
+                    <a:pt x="0" y="73152"/>
+                  </a:lnTo>
+                  <a:lnTo>
+                    <a:pt x="109728" y="146304"/>
+                  </a:lnTo>
+                </a:path>
+              </a:pathLst>
+            </a:custGeom>
+            <a:gradFill flip="none" rotWithShape="1">
+              <a:gsLst>
+                <a:gs pos="0">
+                  <a:schemeClr val="bg1"/>
+                </a:gs>
+                <a:gs pos="76000">
+                  <a:schemeClr val="accent1">
+                    <a:lumMod val="30000"/>
+                    <a:lumOff val="70000"/>
+                    <a:alpha val="0"/>
+                  </a:schemeClr>
+                </a:gs>
+              </a:gsLst>
+              <a:path path="rect">
+                <a:fillToRect r="100000" b="100000"/>
+              </a:path>
+              <a:tileRect l="-100000" t="-100000"/>
+            </a:gradFill>
+            <a:ln>
+              <a:noFill/>
+            </a:ln>
+          </p:spPr>
+          <p:style>
+            <a:lnRef idx="2">
+              <a:schemeClr val="accent1">
+                <a:shade val="50000"/>
+              </a:schemeClr>
+            </a:lnRef>
+            <a:fillRef idx="1">
+              <a:schemeClr val="accent1"/>
+            </a:fillRef>
+            <a:effectRef idx="0">
+              <a:schemeClr val="accent1"/>
+            </a:effectRef>
+            <a:fontRef idx="minor">
+              <a:schemeClr val="lt1"/>
+            </a:fontRef>
+          </p:style>
+          <p:txBody>
+            <a:bodyPr rtlCol="0" anchor="ctr"/>
+            <a:lstStyle/>
+            <a:p>
+              <a:pPr algn="ctr"/>
+              <a:endParaRPr lang="en-US" sz="8500"/>
+            </a:p>
+          </p:txBody>
+        </p:sp>
+        <p:sp>
+          <p:nvSpPr>
+            <p:cNvPr id="10" name="Text Box 14"/>
+            <p:cNvSpPr txBox="1">
+              <a:spLocks noChangeArrowheads="1"/>
+            </p:cNvSpPr>
+            <p:nvPr userDrawn="1"/>
+          </p:nvSpPr>
+          <p:spPr bwMode="auto">
+            <a:xfrm>
+              <a:off x="1538296" y="41883654"/>
+              <a:ext cx="2234591" cy="334933"/>
+            </a:xfrm>
+            <a:prstGeom prst="rect">
+              <a:avLst/>
+            </a:prstGeom>
+            <a:noFill/>
+            <a:ln w="9525">
+              <a:noFill/>
+              <a:miter lim="800000"/>
+              <a:headEnd/>
+              <a:tailEnd/>
+            </a:ln>
+            <a:effectLst/>
+          </p:spPr>
+          <p:txBody>
+            <a:bodyPr wrap="square" lIns="89381" tIns="44682" rIns="89381" bIns="44682">
+              <a:spAutoFit/>
+            </a:bodyPr>
+            <a:lstStyle/>
+            <a:p>
+              <a:pPr eaLnBrk="0" hangingPunct="0">
+                <a:lnSpc>
+                  <a:spcPct val="65000"/>
+                </a:lnSpc>
+                <a:spcBef>
+                  <a:spcPct val="50000"/>
+                </a:spcBef>
+                <a:defRPr/>
+              </a:pPr>
+              <a:r>
+                <a:rPr lang="en-US" sz="600" b="1" dirty="0">
+                  <a:solidFill>
+                    <a:schemeClr val="bg1">
+                      <a:lumMod val="75000"/>
+                    </a:schemeClr>
+                  </a:solidFill>
+                  <a:latin typeface="Arial" charset="0"/>
+                </a:rPr>
+                <a:t>RESEARCH POSTER PRESENTATION DESIGN © 2019</a:t>
+              </a:r>
+            </a:p>
+            <a:p>
+              <a:pPr eaLnBrk="0" hangingPunct="0">
+                <a:lnSpc>
+                  <a:spcPct val="65000"/>
+                </a:lnSpc>
+                <a:spcBef>
+                  <a:spcPct val="50000"/>
+                </a:spcBef>
+                <a:defRPr/>
+              </a:pPr>
+              <a:r>
+                <a:rPr lang="en-US" sz="1000" b="1" dirty="0">
+                  <a:solidFill>
+                    <a:schemeClr val="bg1">
+                      <a:lumMod val="75000"/>
+                    </a:schemeClr>
+                  </a:solidFill>
+                  <a:latin typeface="Arial" charset="0"/>
+                </a:rPr>
+                <a:t>www.PosterPresentations.com</a:t>
+              </a:r>
+            </a:p>
+          </p:txBody>
+        </p:sp>
+      </p:grpSp>
+    </p:spTree>
+    <p:extLst>
+      <p:ext uri="{BB962C8B-B14F-4D97-AF65-F5344CB8AC3E}">
+        <p14:creationId xmlns:p14="http://schemas.microsoft.com/office/powerpoint/2010/main" val="521796584"/>
+      </p:ext>
+    </p:extLst>
+  </p:cSld>
+  <p:clrMap bg1="lt1" tx1="dk1" bg2="lt2" tx2="dk2" accent1="accent1" accent2="accent2" accent3="accent3" accent4="accent4" accent5="accent5" accent6="accent6" hlink="hlink" folHlink="folHlink"/>
+  <p:sldLayoutIdLst>
+    <p:sldLayoutId id="2147483661" r:id="rId1"/>
+  </p:sldLayoutIdLst>
+  <p:txStyles>
+    <p:titleStyle>
+      <a:lvl1pPr algn="ctr" defTabSz="4298410" rtl="0" eaLnBrk="1" latinLnBrk="0" hangingPunct="1">
+        <a:spcBef>
+          <a:spcPct val="0"/>
+        </a:spcBef>
+        <a:buNone/>
+        <a:defRPr sz="8500" kern="1200">
+          <a:solidFill>
+            <a:schemeClr val="bg1"/>
+          </a:solidFill>
+          <a:latin typeface="Trebuchet MS" pitchFamily="34" charset="0"/>
+          <a:ea typeface="+mj-ea"/>
+          <a:cs typeface="+mj-cs"/>
+        </a:defRPr>
+      </a:lvl1pPr>
+    </p:titleStyle>
+    <p:bodyStyle>
+      <a:lvl1pPr marL="1611903" indent="-1611903" algn="l" defTabSz="4298410" rtl="0" eaLnBrk="1" latinLnBrk="0" hangingPunct="1">
+        <a:spcBef>
+          <a:spcPct val="20000"/>
+        </a:spcBef>
+        <a:buFont typeface="Arial" pitchFamily="34" charset="0"/>
+        <a:buChar char="•"/>
+        <a:defRPr sz="15100" kern="1200">
+          <a:solidFill>
+            <a:schemeClr val="tx1"/>
+          </a:solidFill>
+          <a:latin typeface="+mn-lt"/>
+          <a:ea typeface="+mn-ea"/>
+          <a:cs typeface="+mn-cs"/>
+        </a:defRPr>
+      </a:lvl1pPr>
+      <a:lvl2pPr marL="3492457" indent="-1343252" algn="l" defTabSz="4298410" rtl="0" eaLnBrk="1" latinLnBrk="0" hangingPunct="1">
+        <a:spcBef>
+          <a:spcPct val="20000"/>
+        </a:spcBef>
+        <a:buFont typeface="Arial" pitchFamily="34" charset="0"/>
+        <a:buChar char="–"/>
+        <a:defRPr sz="13300" kern="1200">
+          <a:solidFill>
+            <a:schemeClr val="tx1"/>
+          </a:solidFill>
+          <a:latin typeface="+mn-lt"/>
+          <a:ea typeface="+mn-ea"/>
+          <a:cs typeface="+mn-cs"/>
+        </a:defRPr>
+      </a:lvl2pPr>
+      <a:lvl3pPr marL="5373012" indent="-1074603" algn="l" defTabSz="4298410" rtl="0" eaLnBrk="1" latinLnBrk="0" hangingPunct="1">
+        <a:spcBef>
+          <a:spcPct val="20000"/>
+        </a:spcBef>
+        <a:buFont typeface="Arial" pitchFamily="34" charset="0"/>
+        <a:buChar char="•"/>
+        <a:defRPr sz="11300" kern="1200">
+          <a:solidFill>
+            <a:schemeClr val="tx1"/>
+          </a:solidFill>
+          <a:latin typeface="+mn-lt"/>
+          <a:ea typeface="+mn-ea"/>
+          <a:cs typeface="+mn-cs"/>
+        </a:defRPr>
+      </a:lvl3pPr>
+      <a:lvl4pPr marL="7522217" indent="-1074603" algn="l" defTabSz="4298410" rtl="0" eaLnBrk="1" latinLnBrk="0" hangingPunct="1">
+        <a:spcBef>
+          <a:spcPct val="20000"/>
+        </a:spcBef>
+        <a:buFont typeface="Arial" pitchFamily="34" charset="0"/>
+        <a:buChar char="–"/>
+        <a:defRPr sz="9500" kern="1200">
+          <a:solidFill>
+            <a:schemeClr val="tx1"/>
+          </a:solidFill>
+          <a:latin typeface="+mn-lt"/>
+          <a:ea typeface="+mn-ea"/>
+          <a:cs typeface="+mn-cs"/>
+        </a:defRPr>
+      </a:lvl4pPr>
+      <a:lvl5pPr marL="9671420" indent="-1074603" algn="l" defTabSz="4298410" rtl="0" eaLnBrk="1" latinLnBrk="0" hangingPunct="1">
+        <a:spcBef>
+          <a:spcPct val="20000"/>
+        </a:spcBef>
+        <a:buFont typeface="Arial" pitchFamily="34" charset="0"/>
+        <a:buChar char="»"/>
+        <a:defRPr sz="9500" kern="1200">
+          <a:solidFill>
+            <a:schemeClr val="tx1"/>
+          </a:solidFill>
+          <a:latin typeface="+mn-lt"/>
+          <a:ea typeface="+mn-ea"/>
+          <a:cs typeface="+mn-cs"/>
+        </a:defRPr>
+      </a:lvl5pPr>
+      <a:lvl6pPr marL="11820625" indent="-1074603" algn="l" defTabSz="4298410" rtl="0" eaLnBrk="1" latinLnBrk="0" hangingPunct="1">
+        <a:spcBef>
+          <a:spcPct val="20000"/>
+        </a:spcBef>
+        <a:buFont typeface="Arial" pitchFamily="34" charset="0"/>
+        <a:buChar char="•"/>
+        <a:defRPr sz="9500" kern="1200">
+          <a:solidFill>
+            <a:schemeClr val="tx1"/>
+          </a:solidFill>
+          <a:latin typeface="+mn-lt"/>
+          <a:ea typeface="+mn-ea"/>
+          <a:cs typeface="+mn-cs"/>
+        </a:defRPr>
+      </a:lvl6pPr>
+      <a:lvl7pPr marL="13969828" indent="-1074603" algn="l" defTabSz="4298410" rtl="0" eaLnBrk="1" latinLnBrk="0" hangingPunct="1">
+        <a:spcBef>
+          <a:spcPct val="20000"/>
+        </a:spcBef>
+        <a:buFont typeface="Arial" pitchFamily="34" charset="0"/>
+        <a:buChar char="•"/>
+        <a:defRPr sz="9500" kern="1200">
+          <a:solidFill>
+            <a:schemeClr val="tx1"/>
+          </a:solidFill>
+          <a:latin typeface="+mn-lt"/>
+          <a:ea typeface="+mn-ea"/>
+          <a:cs typeface="+mn-cs"/>
+        </a:defRPr>
+      </a:lvl7pPr>
+      <a:lvl8pPr marL="16119034" indent="-1074603" algn="l" defTabSz="4298410" rtl="0" eaLnBrk="1" latinLnBrk="0" hangingPunct="1">
+        <a:spcBef>
+          <a:spcPct val="20000"/>
+        </a:spcBef>
+        <a:buFont typeface="Arial" pitchFamily="34" charset="0"/>
+        <a:buChar char="•"/>
+        <a:defRPr sz="9500" kern="1200">
+          <a:solidFill>
+            <a:schemeClr val="tx1"/>
+          </a:solidFill>
+          <a:latin typeface="+mn-lt"/>
+          <a:ea typeface="+mn-ea"/>
+          <a:cs typeface="+mn-cs"/>
+        </a:defRPr>
+      </a:lvl8pPr>
+      <a:lvl9pPr marL="18268238" indent="-1074603" algn="l" defTabSz="4298410" rtl="0" eaLnBrk="1" latinLnBrk="0" hangingPunct="1">
+        <a:spcBef>
+          <a:spcPct val="20000"/>
+        </a:spcBef>
+        <a:buFont typeface="Arial" pitchFamily="34" charset="0"/>
+        <a:buChar char="•"/>
+        <a:defRPr sz="9500" kern="1200">
+          <a:solidFill>
+            <a:schemeClr val="tx1"/>
+          </a:solidFill>
+          <a:latin typeface="+mn-lt"/>
+          <a:ea typeface="+mn-ea"/>
+          <a:cs typeface="+mn-cs"/>
+        </a:defRPr>
+      </a:lvl9pPr>
+    </p:bodyStyle>
+    <p:otherStyle>
+      <a:defPPr>
+        <a:defRPr lang="en-US"/>
+      </a:defPPr>
+      <a:lvl1pPr marL="0" algn="l" defTabSz="4298410" rtl="0" eaLnBrk="1" latinLnBrk="0" hangingPunct="1">
+        <a:defRPr sz="8500" kern="1200">
+          <a:solidFill>
+            <a:schemeClr val="tx1"/>
+          </a:solidFill>
+          <a:latin typeface="+mn-lt"/>
+          <a:ea typeface="+mn-ea"/>
+          <a:cs typeface="+mn-cs"/>
+        </a:defRPr>
+      </a:lvl1pPr>
+      <a:lvl2pPr marL="2149205" algn="l" defTabSz="4298410" rtl="0" eaLnBrk="1" latinLnBrk="0" hangingPunct="1">
+        <a:defRPr sz="8500" kern="1200">
+          <a:solidFill>
+            <a:schemeClr val="tx1"/>
+          </a:solidFill>
+          <a:latin typeface="+mn-lt"/>
+          <a:ea typeface="+mn-ea"/>
+          <a:cs typeface="+mn-cs"/>
+        </a:defRPr>
+      </a:lvl2pPr>
+      <a:lvl3pPr marL="4298410" algn="l" defTabSz="4298410" rtl="0" eaLnBrk="1" latinLnBrk="0" hangingPunct="1">
+        <a:defRPr sz="8500" kern="1200">
+          <a:solidFill>
+            <a:schemeClr val="tx1"/>
+          </a:solidFill>
+          <a:latin typeface="+mn-lt"/>
+          <a:ea typeface="+mn-ea"/>
+          <a:cs typeface="+mn-cs"/>
+        </a:defRPr>
+      </a:lvl3pPr>
+      <a:lvl4pPr marL="6447613" algn="l" defTabSz="4298410" rtl="0" eaLnBrk="1" latinLnBrk="0" hangingPunct="1">
+        <a:defRPr sz="8500" kern="1200">
+          <a:solidFill>
+            <a:schemeClr val="tx1"/>
+          </a:solidFill>
+          <a:latin typeface="+mn-lt"/>
+          <a:ea typeface="+mn-ea"/>
+          <a:cs typeface="+mn-cs"/>
+        </a:defRPr>
+      </a:lvl4pPr>
+      <a:lvl5pPr marL="8596817" algn="l" defTabSz="4298410" rtl="0" eaLnBrk="1" latinLnBrk="0" hangingPunct="1">
+        <a:defRPr sz="8500" kern="1200">
+          <a:solidFill>
+            <a:schemeClr val="tx1"/>
+          </a:solidFill>
+          <a:latin typeface="+mn-lt"/>
+          <a:ea typeface="+mn-ea"/>
+          <a:cs typeface="+mn-cs"/>
+        </a:defRPr>
+      </a:lvl5pPr>
+      <a:lvl6pPr marL="10746023" algn="l" defTabSz="4298410" rtl="0" eaLnBrk="1" latinLnBrk="0" hangingPunct="1">
+        <a:defRPr sz="8500" kern="1200">
+          <a:solidFill>
+            <a:schemeClr val="tx1"/>
+          </a:solidFill>
+          <a:latin typeface="+mn-lt"/>
+          <a:ea typeface="+mn-ea"/>
+          <a:cs typeface="+mn-cs"/>
+        </a:defRPr>
+      </a:lvl6pPr>
+      <a:lvl7pPr marL="12895229" algn="l" defTabSz="4298410" rtl="0" eaLnBrk="1" latinLnBrk="0" hangingPunct="1">
+        <a:defRPr sz="8500" kern="1200">
+          <a:solidFill>
+            <a:schemeClr val="tx1"/>
+          </a:solidFill>
+          <a:latin typeface="+mn-lt"/>
+          <a:ea typeface="+mn-ea"/>
+          <a:cs typeface="+mn-cs"/>
+        </a:defRPr>
+      </a:lvl7pPr>
+      <a:lvl8pPr marL="15044432" algn="l" defTabSz="4298410" rtl="0" eaLnBrk="1" latinLnBrk="0" hangingPunct="1">
+        <a:defRPr sz="8500" kern="1200">
+          <a:solidFill>
+            <a:schemeClr val="tx1"/>
+          </a:solidFill>
+          <a:latin typeface="+mn-lt"/>
+          <a:ea typeface="+mn-ea"/>
+          <a:cs typeface="+mn-cs"/>
+        </a:defRPr>
+      </a:lvl8pPr>
+      <a:lvl9pPr marL="17193637" algn="l" defTabSz="4298410" rtl="0" eaLnBrk="1" latinLnBrk="0" hangingPunct="1">
+        <a:defRPr sz="8500" kern="1200">
+          <a:solidFill>
+            <a:schemeClr val="tx1"/>
+          </a:solidFill>
+          <a:latin typeface="+mn-lt"/>
+          <a:ea typeface="+mn-ea"/>
+          <a:cs typeface="+mn-cs"/>
+        </a:defRPr>
+      </a:lvl9pPr>
+    </p:otherStyle>
+  </p:txStyles>
+</p:sldMaster>
+</file>
+
+<file path=ppt/slideMasters/slideMaster3.xml><?xml version="1.0" encoding="utf-8"?>
 <p:sldMaster xmlns:a="http://schemas.openxmlformats.org/drawingml/2006/main" xmlns:r="http://schemas.openxmlformats.org/officeDocument/2006/relationships" xmlns:p="http://schemas.openxmlformats.org/presentationml/2006/main" preserve="1">
   <p:cSld>
     <p:bg>
@@ -2721,101 +4784,455 @@
           <a:chExt cx="0" cy="0"/>
         </a:xfrm>
       </p:grpSpPr>
-      <p:sp>
-        <p:nvSpPr>
-          <p:cNvPr id="10" name="Text Box 14"/>
-          <p:cNvSpPr txBox="1">
-            <a:spLocks noChangeArrowheads="1"/>
-          </p:cNvSpPr>
-          <p:nvPr/>
-        </p:nvSpPr>
-        <p:spPr bwMode="auto">
+      <p:grpSp>
+        <p:nvGrpSpPr>
+          <p:cNvPr id="10" name="Group 9">
+            <a:extLst>
+              <a:ext uri="{FF2B5EF4-FFF2-40B4-BE49-F238E27FC236}">
+                <a16:creationId xmlns:a16="http://schemas.microsoft.com/office/drawing/2014/main" id="{7E06FA09-675E-1246-B9EB-861515C837B9}"/>
+              </a:ext>
+            </a:extLst>
+          </p:cNvPr>
+          <p:cNvGrpSpPr/>
+          <p:nvPr userDrawn="1"/>
+        </p:nvGrpSpPr>
+        <p:grpSpPr>
           <a:xfrm>
-            <a:off x="1538297" y="42024978"/>
-            <a:ext cx="2234591" cy="322304"/>
+            <a:off x="1" y="1"/>
+            <a:ext cx="30275213" cy="42840275"/>
+            <a:chOff x="-168590" y="-228600"/>
+            <a:chExt cx="30602624" cy="43260963"/>
           </a:xfrm>
-          <a:prstGeom prst="rect">
-            <a:avLst/>
-          </a:prstGeom>
-          <a:noFill/>
-          <a:ln w="9525">
+        </p:grpSpPr>
+        <p:sp>
+          <p:nvSpPr>
+            <p:cNvPr id="11" name="Freeform 10">
+              <a:extLst>
+                <a:ext uri="{FF2B5EF4-FFF2-40B4-BE49-F238E27FC236}">
+                  <a16:creationId xmlns:a16="http://schemas.microsoft.com/office/drawing/2014/main" id="{E006F6D7-CCFC-E044-959A-F912839516C2}"/>
+                </a:ext>
+              </a:extLst>
+            </p:cNvPr>
+            <p:cNvSpPr/>
+            <p:nvPr userDrawn="1"/>
+          </p:nvSpPr>
+          <p:spPr>
+            <a:xfrm>
+              <a:off x="-118869" y="-204883"/>
+              <a:ext cx="30552903" cy="43237246"/>
+            </a:xfrm>
+            <a:custGeom>
+              <a:avLst/>
+              <a:gdLst>
+                <a:gd name="connsiteX0" fmla="*/ 0 w 44005500"/>
+                <a:gd name="connsiteY0" fmla="*/ 0 h 32956500"/>
+                <a:gd name="connsiteX1" fmla="*/ 44005500 w 44005500"/>
+                <a:gd name="connsiteY1" fmla="*/ 32956500 h 32956500"/>
+                <a:gd name="connsiteX2" fmla="*/ 38100 w 44005500"/>
+                <a:gd name="connsiteY2" fmla="*/ 32918400 h 32956500"/>
+                <a:gd name="connsiteX3" fmla="*/ 0 w 44005500"/>
+                <a:gd name="connsiteY3" fmla="*/ 0 h 32956500"/>
+              </a:gdLst>
+              <a:ahLst/>
+              <a:cxnLst>
+                <a:cxn ang="0">
+                  <a:pos x="connsiteX0" y="connsiteY0"/>
+                </a:cxn>
+                <a:cxn ang="0">
+                  <a:pos x="connsiteX1" y="connsiteY1"/>
+                </a:cxn>
+                <a:cxn ang="0">
+                  <a:pos x="connsiteX2" y="connsiteY2"/>
+                </a:cxn>
+                <a:cxn ang="0">
+                  <a:pos x="connsiteX3" y="connsiteY3"/>
+                </a:cxn>
+              </a:cxnLst>
+              <a:rect l="l" t="t" r="r" b="b"/>
+              <a:pathLst>
+                <a:path w="44005500" h="32956500">
+                  <a:moveTo>
+                    <a:pt x="0" y="0"/>
+                  </a:moveTo>
+                  <a:lnTo>
+                    <a:pt x="44005500" y="32956500"/>
+                  </a:lnTo>
+                  <a:lnTo>
+                    <a:pt x="38100" y="32918400"/>
+                  </a:lnTo>
+                  <a:lnTo>
+                    <a:pt x="0" y="0"/>
+                  </a:lnTo>
+                  <a:close/>
+                </a:path>
+              </a:pathLst>
+            </a:custGeom>
+            <a:gradFill>
+              <a:gsLst>
+                <a:gs pos="79000">
+                  <a:schemeClr val="accent1">
+                    <a:lumMod val="40000"/>
+                    <a:lumOff val="60000"/>
+                  </a:schemeClr>
+                </a:gs>
+                <a:gs pos="13000">
+                  <a:schemeClr val="accent1">
+                    <a:lumMod val="30000"/>
+                    <a:lumOff val="70000"/>
+                  </a:schemeClr>
+                </a:gs>
+              </a:gsLst>
+              <a:lin ang="5400000" scaled="1"/>
+            </a:gradFill>
+            <a:ln>
+              <a:noFill/>
+            </a:ln>
+          </p:spPr>
+          <p:style>
+            <a:lnRef idx="2">
+              <a:schemeClr val="accent1">
+                <a:shade val="50000"/>
+              </a:schemeClr>
+            </a:lnRef>
+            <a:fillRef idx="1">
+              <a:schemeClr val="accent1"/>
+            </a:fillRef>
+            <a:effectRef idx="0">
+              <a:schemeClr val="accent1"/>
+            </a:effectRef>
+            <a:fontRef idx="minor">
+              <a:schemeClr val="lt1"/>
+            </a:fontRef>
+          </p:style>
+          <p:txBody>
+            <a:bodyPr rtlCol="0" anchor="ctr"/>
+            <a:lstStyle/>
+            <a:p>
+              <a:pPr algn="ctr"/>
+              <a:endParaRPr lang="en-US" sz="8500" dirty="0"/>
+            </a:p>
+          </p:txBody>
+        </p:sp>
+        <p:sp>
+          <p:nvSpPr>
+            <p:cNvPr id="12" name="Freeform 11">
+              <a:extLst>
+                <a:ext uri="{FF2B5EF4-FFF2-40B4-BE49-F238E27FC236}">
+                  <a16:creationId xmlns:a16="http://schemas.microsoft.com/office/drawing/2014/main" id="{26C56D18-3655-3747-951C-555513715F37}"/>
+                </a:ext>
+              </a:extLst>
+            </p:cNvPr>
+            <p:cNvSpPr/>
+            <p:nvPr userDrawn="1"/>
+          </p:nvSpPr>
+          <p:spPr>
+            <a:xfrm flipH="1" flipV="1">
+              <a:off x="-118870" y="-204883"/>
+              <a:ext cx="30552902" cy="43214998"/>
+            </a:xfrm>
+            <a:custGeom>
+              <a:avLst/>
+              <a:gdLst>
+                <a:gd name="connsiteX0" fmla="*/ 0 w 44005500"/>
+                <a:gd name="connsiteY0" fmla="*/ 0 h 32956500"/>
+                <a:gd name="connsiteX1" fmla="*/ 44005500 w 44005500"/>
+                <a:gd name="connsiteY1" fmla="*/ 32956500 h 32956500"/>
+                <a:gd name="connsiteX2" fmla="*/ 38100 w 44005500"/>
+                <a:gd name="connsiteY2" fmla="*/ 32918400 h 32956500"/>
+                <a:gd name="connsiteX3" fmla="*/ 0 w 44005500"/>
+                <a:gd name="connsiteY3" fmla="*/ 0 h 32956500"/>
+              </a:gdLst>
+              <a:ahLst/>
+              <a:cxnLst>
+                <a:cxn ang="0">
+                  <a:pos x="connsiteX0" y="connsiteY0"/>
+                </a:cxn>
+                <a:cxn ang="0">
+                  <a:pos x="connsiteX1" y="connsiteY1"/>
+                </a:cxn>
+                <a:cxn ang="0">
+                  <a:pos x="connsiteX2" y="connsiteY2"/>
+                </a:cxn>
+                <a:cxn ang="0">
+                  <a:pos x="connsiteX3" y="connsiteY3"/>
+                </a:cxn>
+              </a:cxnLst>
+              <a:rect l="l" t="t" r="r" b="b"/>
+              <a:pathLst>
+                <a:path w="44005500" h="32956500">
+                  <a:moveTo>
+                    <a:pt x="0" y="0"/>
+                  </a:moveTo>
+                  <a:lnTo>
+                    <a:pt x="44005500" y="32956500"/>
+                  </a:lnTo>
+                  <a:lnTo>
+                    <a:pt x="38100" y="32918400"/>
+                  </a:lnTo>
+                  <a:lnTo>
+                    <a:pt x="0" y="0"/>
+                  </a:lnTo>
+                  <a:close/>
+                </a:path>
+              </a:pathLst>
+            </a:custGeom>
+            <a:gradFill>
+              <a:gsLst>
+                <a:gs pos="41000">
+                  <a:schemeClr val="bg2"/>
+                </a:gs>
+                <a:gs pos="100000">
+                  <a:schemeClr val="accent1">
+                    <a:lumMod val="30000"/>
+                    <a:lumOff val="70000"/>
+                  </a:schemeClr>
+                </a:gs>
+              </a:gsLst>
+              <a:lin ang="5400000" scaled="1"/>
+            </a:gradFill>
+            <a:ln>
+              <a:noFill/>
+            </a:ln>
+          </p:spPr>
+          <p:style>
+            <a:lnRef idx="2">
+              <a:schemeClr val="accent1">
+                <a:shade val="50000"/>
+              </a:schemeClr>
+            </a:lnRef>
+            <a:fillRef idx="1">
+              <a:schemeClr val="accent1"/>
+            </a:fillRef>
+            <a:effectRef idx="0">
+              <a:schemeClr val="accent1"/>
+            </a:effectRef>
+            <a:fontRef idx="minor">
+              <a:schemeClr val="lt1"/>
+            </a:fontRef>
+          </p:style>
+          <p:txBody>
+            <a:bodyPr rtlCol="0" anchor="ctr"/>
+            <a:lstStyle/>
+            <a:p>
+              <a:pPr algn="ctr"/>
+              <a:endParaRPr lang="en-US" sz="8500"/>
+            </a:p>
+          </p:txBody>
+        </p:sp>
+        <p:sp>
+          <p:nvSpPr>
+            <p:cNvPr id="13" name="Freeform 12">
+              <a:extLst>
+                <a:ext uri="{FF2B5EF4-FFF2-40B4-BE49-F238E27FC236}">
+                  <a16:creationId xmlns:a16="http://schemas.microsoft.com/office/drawing/2014/main" id="{4CE72B1E-B47B-3147-AA5D-BA8C51B971C5}"/>
+                </a:ext>
+              </a:extLst>
+            </p:cNvPr>
+            <p:cNvSpPr/>
+            <p:nvPr userDrawn="1"/>
+          </p:nvSpPr>
+          <p:spPr>
+            <a:xfrm>
+              <a:off x="-168590" y="-228600"/>
+              <a:ext cx="30602624" cy="43260963"/>
+            </a:xfrm>
+            <a:custGeom>
+              <a:avLst/>
+              <a:gdLst>
+                <a:gd name="connsiteX0" fmla="*/ 36576 w 39026592"/>
+                <a:gd name="connsiteY0" fmla="*/ 0 h 30614112"/>
+                <a:gd name="connsiteX1" fmla="*/ 15837408 w 39026592"/>
+                <a:gd name="connsiteY1" fmla="*/ 30614112 h 30614112"/>
+                <a:gd name="connsiteX2" fmla="*/ 39026592 w 39026592"/>
+                <a:gd name="connsiteY2" fmla="*/ 13350240 h 30614112"/>
+                <a:gd name="connsiteX3" fmla="*/ 0 w 39026592"/>
+                <a:gd name="connsiteY3" fmla="*/ 73152 h 30614112"/>
+                <a:gd name="connsiteX4" fmla="*/ 109728 w 39026592"/>
+                <a:gd name="connsiteY4" fmla="*/ 146304 h 30614112"/>
+              </a:gdLst>
+              <a:ahLst/>
+              <a:cxnLst>
+                <a:cxn ang="0">
+                  <a:pos x="connsiteX0" y="connsiteY0"/>
+                </a:cxn>
+                <a:cxn ang="0">
+                  <a:pos x="connsiteX1" y="connsiteY1"/>
+                </a:cxn>
+                <a:cxn ang="0">
+                  <a:pos x="connsiteX2" y="connsiteY2"/>
+                </a:cxn>
+                <a:cxn ang="0">
+                  <a:pos x="connsiteX3" y="connsiteY3"/>
+                </a:cxn>
+                <a:cxn ang="0">
+                  <a:pos x="connsiteX4" y="connsiteY4"/>
+                </a:cxn>
+              </a:cxnLst>
+              <a:rect l="l" t="t" r="r" b="b"/>
+              <a:pathLst>
+                <a:path w="39026592" h="30614112">
+                  <a:moveTo>
+                    <a:pt x="36576" y="0"/>
+                  </a:moveTo>
+                  <a:lnTo>
+                    <a:pt x="15837408" y="30614112"/>
+                  </a:lnTo>
+                  <a:lnTo>
+                    <a:pt x="39026592" y="13350240"/>
+                  </a:lnTo>
+                  <a:lnTo>
+                    <a:pt x="0" y="73152"/>
+                  </a:lnTo>
+                  <a:lnTo>
+                    <a:pt x="109728" y="146304"/>
+                  </a:lnTo>
+                </a:path>
+              </a:pathLst>
+            </a:custGeom>
+            <a:gradFill flip="none" rotWithShape="1">
+              <a:gsLst>
+                <a:gs pos="0">
+                  <a:schemeClr val="bg1"/>
+                </a:gs>
+                <a:gs pos="76000">
+                  <a:schemeClr val="accent1">
+                    <a:lumMod val="30000"/>
+                    <a:lumOff val="70000"/>
+                    <a:alpha val="0"/>
+                  </a:schemeClr>
+                </a:gs>
+              </a:gsLst>
+              <a:path path="rect">
+                <a:fillToRect r="100000" b="100000"/>
+              </a:path>
+              <a:tileRect l="-100000" t="-100000"/>
+            </a:gradFill>
+            <a:ln>
+              <a:noFill/>
+            </a:ln>
+          </p:spPr>
+          <p:style>
+            <a:lnRef idx="2">
+              <a:schemeClr val="accent1">
+                <a:shade val="50000"/>
+              </a:schemeClr>
+            </a:lnRef>
+            <a:fillRef idx="1">
+              <a:schemeClr val="accent1"/>
+            </a:fillRef>
+            <a:effectRef idx="0">
+              <a:schemeClr val="accent1"/>
+            </a:effectRef>
+            <a:fontRef idx="minor">
+              <a:schemeClr val="lt1"/>
+            </a:fontRef>
+          </p:style>
+          <p:txBody>
+            <a:bodyPr rtlCol="0" anchor="ctr"/>
+            <a:lstStyle/>
+            <a:p>
+              <a:pPr algn="ctr"/>
+              <a:endParaRPr lang="en-US" sz="8500"/>
+            </a:p>
+          </p:txBody>
+        </p:sp>
+        <p:sp>
+          <p:nvSpPr>
+            <p:cNvPr id="14" name="Text Box 14">
+              <a:extLst>
+                <a:ext uri="{FF2B5EF4-FFF2-40B4-BE49-F238E27FC236}">
+                  <a16:creationId xmlns:a16="http://schemas.microsoft.com/office/drawing/2014/main" id="{917A8846-C6D5-4E46-8040-799BB67DBBC0}"/>
+                </a:ext>
+              </a:extLst>
+            </p:cNvPr>
+            <p:cNvSpPr txBox="1">
+              <a:spLocks noChangeArrowheads="1"/>
+            </p:cNvSpPr>
+            <p:nvPr userDrawn="1"/>
+          </p:nvSpPr>
+          <p:spPr bwMode="auto">
+            <a:xfrm>
+              <a:off x="1538296" y="41883654"/>
+              <a:ext cx="2234591" cy="334933"/>
+            </a:xfrm>
+            <a:prstGeom prst="rect">
+              <a:avLst/>
+            </a:prstGeom>
             <a:noFill/>
-            <a:miter lim="800000"/>
-            <a:headEnd/>
-            <a:tailEnd/>
-          </a:ln>
-          <a:effectLst/>
-        </p:spPr>
-        <p:txBody>
-          <a:bodyPr wrap="square" lIns="89457" tIns="44720" rIns="89457" bIns="44720">
-            <a:spAutoFit/>
-          </a:bodyPr>
-          <a:lstStyle/>
-          <a:p>
-            <a:pPr eaLnBrk="0" hangingPunct="0">
-              <a:lnSpc>
-                <a:spcPct val="65000"/>
-              </a:lnSpc>
-              <a:spcBef>
-                <a:spcPct val="50000"/>
-              </a:spcBef>
-              <a:defRPr/>
-            </a:pPr>
-            <a:r>
-              <a:rPr lang="en-US" sz="500" b="1" dirty="0">
-                <a:solidFill>
-                  <a:schemeClr val="bg1">
-                    <a:lumMod val="75000"/>
-                  </a:schemeClr>
-                </a:solidFill>
-                <a:latin typeface="Arial" charset="0"/>
-              </a:rPr>
-              <a:t>RESEARCH POSTER PRESENTATION DESIGN © 2019</a:t>
-            </a:r>
-          </a:p>
-          <a:p>
-            <a:pPr eaLnBrk="0" hangingPunct="0">
-              <a:lnSpc>
-                <a:spcPct val="65000"/>
-              </a:lnSpc>
-              <a:spcBef>
-                <a:spcPct val="50000"/>
-              </a:spcBef>
-              <a:defRPr/>
-            </a:pPr>
-            <a:r>
-              <a:rPr lang="en-US" sz="1001" b="1" dirty="0">
-                <a:solidFill>
-                  <a:schemeClr val="bg1">
-                    <a:lumMod val="75000"/>
-                  </a:schemeClr>
-                </a:solidFill>
-                <a:latin typeface="Arial" charset="0"/>
-              </a:rPr>
-              <a:t>www.PosterPresentations.com</a:t>
-            </a:r>
-          </a:p>
-        </p:txBody>
-      </p:sp>
+            <a:ln w="9525">
+              <a:noFill/>
+              <a:miter lim="800000"/>
+              <a:headEnd/>
+              <a:tailEnd/>
+            </a:ln>
+            <a:effectLst/>
+          </p:spPr>
+          <p:txBody>
+            <a:bodyPr wrap="square" lIns="89381" tIns="44682" rIns="89381" bIns="44682">
+              <a:spAutoFit/>
+            </a:bodyPr>
+            <a:lstStyle/>
+            <a:p>
+              <a:pPr eaLnBrk="0" hangingPunct="0">
+                <a:lnSpc>
+                  <a:spcPct val="65000"/>
+                </a:lnSpc>
+                <a:spcBef>
+                  <a:spcPct val="50000"/>
+                </a:spcBef>
+                <a:defRPr/>
+              </a:pPr>
+              <a:r>
+                <a:rPr lang="en-US" sz="600" b="1" dirty="0">
+                  <a:solidFill>
+                    <a:schemeClr val="bg1">
+                      <a:lumMod val="75000"/>
+                    </a:schemeClr>
+                  </a:solidFill>
+                  <a:latin typeface="Arial" charset="0"/>
+                </a:rPr>
+                <a:t>RESEARCH POSTER PRESENTATION DESIGN © 2019</a:t>
+              </a:r>
+            </a:p>
+            <a:p>
+              <a:pPr eaLnBrk="0" hangingPunct="0">
+                <a:lnSpc>
+                  <a:spcPct val="65000"/>
+                </a:lnSpc>
+                <a:spcBef>
+                  <a:spcPct val="50000"/>
+                </a:spcBef>
+                <a:defRPr/>
+              </a:pPr>
+              <a:r>
+                <a:rPr lang="en-US" sz="1000" b="1" dirty="0">
+                  <a:solidFill>
+                    <a:schemeClr val="bg1">
+                      <a:lumMod val="75000"/>
+                    </a:schemeClr>
+                  </a:solidFill>
+                  <a:latin typeface="Arial" charset="0"/>
+                </a:rPr>
+                <a:t>www.PosterPresentations.com</a:t>
+              </a:r>
+            </a:p>
+          </p:txBody>
+        </p:sp>
+      </p:grpSp>
     </p:spTree>
-    <p:extLst>
-      <p:ext uri="{BB962C8B-B14F-4D97-AF65-F5344CB8AC3E}">
-        <p14:creationId xmlns:p14="http://schemas.microsoft.com/office/powerpoint/2010/main" val="2450781256"/>
-      </p:ext>
-    </p:extLst>
   </p:cSld>
   <p:clrMap bg1="lt1" tx1="dk1" bg2="lt2" tx2="dk2" accent1="accent1" accent2="accent2" accent3="accent3" accent4="accent4" accent5="accent5" accent6="accent6" hlink="hlink" folHlink="folHlink"/>
   <p:sldLayoutIdLst>
-    <p:sldLayoutId id="2147483661" r:id="rId1"/>
+    <p:sldLayoutId id="2147483654" r:id="rId1"/>
   </p:sldLayoutIdLst>
   <p:txStyles>
     <p:titleStyle>
-      <a:lvl1pPr algn="ctr" defTabSz="4302279" rtl="0" eaLnBrk="1" latinLnBrk="0" hangingPunct="1">
+      <a:lvl1pPr algn="ctr" defTabSz="4298410" rtl="0" eaLnBrk="1" latinLnBrk="0" hangingPunct="1">
         <a:spcBef>
           <a:spcPct val="0"/>
         </a:spcBef>
         <a:buNone/>
-        <a:defRPr sz="8508" kern="1200">
+        <a:defRPr sz="8500" kern="1200">
           <a:solidFill>
             <a:schemeClr val="bg1"/>
           </a:solidFill>
@@ -2826,13 +5243,13 @@
       </a:lvl1pPr>
     </p:titleStyle>
     <p:bodyStyle>
-      <a:lvl1pPr marL="1613354" indent="-1613354" algn="l" defTabSz="4302279" rtl="0" eaLnBrk="1" latinLnBrk="0" hangingPunct="1">
+      <a:lvl1pPr marL="1611903" indent="-1611903" algn="l" defTabSz="4298410" rtl="0" eaLnBrk="1" latinLnBrk="0" hangingPunct="1">
         <a:spcBef>
           <a:spcPct val="20000"/>
         </a:spcBef>
         <a:buFont typeface="Arial" pitchFamily="34" charset="0"/>
         <a:buChar char="•"/>
-        <a:defRPr sz="15114" kern="1200">
+        <a:defRPr sz="15100" kern="1200">
           <a:solidFill>
             <a:schemeClr val="tx1"/>
           </a:solidFill>
@@ -2841,13 +5258,13 @@
           <a:cs typeface="+mn-cs"/>
         </a:defRPr>
       </a:lvl1pPr>
-      <a:lvl2pPr marL="3495600" indent="-1344461" algn="l" defTabSz="4302279" rtl="0" eaLnBrk="1" latinLnBrk="0" hangingPunct="1">
+      <a:lvl2pPr marL="3492457" indent="-1343252" algn="l" defTabSz="4298410" rtl="0" eaLnBrk="1" latinLnBrk="0" hangingPunct="1">
         <a:spcBef>
           <a:spcPct val="20000"/>
         </a:spcBef>
         <a:buFont typeface="Arial" pitchFamily="34" charset="0"/>
         <a:buChar char="–"/>
-        <a:defRPr sz="13312" kern="1200">
+        <a:defRPr sz="13300" kern="1200">
           <a:solidFill>
             <a:schemeClr val="tx1"/>
           </a:solidFill>
@@ -2856,13 +5273,13 @@
           <a:cs typeface="+mn-cs"/>
         </a:defRPr>
       </a:lvl2pPr>
-      <a:lvl3pPr marL="5377848" indent="-1075570" algn="l" defTabSz="4302279" rtl="0" eaLnBrk="1" latinLnBrk="0" hangingPunct="1">
+      <a:lvl3pPr marL="5373012" indent="-1074603" algn="l" defTabSz="4298410" rtl="0" eaLnBrk="1" latinLnBrk="0" hangingPunct="1">
         <a:spcBef>
           <a:spcPct val="20000"/>
         </a:spcBef>
         <a:buFont typeface="Arial" pitchFamily="34" charset="0"/>
         <a:buChar char="•"/>
-        <a:defRPr sz="11310" kern="1200">
+        <a:defRPr sz="11300" kern="1200">
           <a:solidFill>
             <a:schemeClr val="tx1"/>
           </a:solidFill>
@@ -2871,13 +5288,13 @@
           <a:cs typeface="+mn-cs"/>
         </a:defRPr>
       </a:lvl3pPr>
-      <a:lvl4pPr marL="7528987" indent="-1075570" algn="l" defTabSz="4302279" rtl="0" eaLnBrk="1" latinLnBrk="0" hangingPunct="1">
+      <a:lvl4pPr marL="7522217" indent="-1074603" algn="l" defTabSz="4298410" rtl="0" eaLnBrk="1" latinLnBrk="0" hangingPunct="1">
         <a:spcBef>
           <a:spcPct val="20000"/>
         </a:spcBef>
         <a:buFont typeface="Arial" pitchFamily="34" charset="0"/>
         <a:buChar char="–"/>
-        <a:defRPr sz="9509" kern="1200">
+        <a:defRPr sz="9500" kern="1200">
           <a:solidFill>
             <a:schemeClr val="tx1"/>
           </a:solidFill>
@@ -2886,13 +5303,13 @@
           <a:cs typeface="+mn-cs"/>
         </a:defRPr>
       </a:lvl4pPr>
-      <a:lvl5pPr marL="9680124" indent="-1075570" algn="l" defTabSz="4302279" rtl="0" eaLnBrk="1" latinLnBrk="0" hangingPunct="1">
+      <a:lvl5pPr marL="9671420" indent="-1074603" algn="l" defTabSz="4298410" rtl="0" eaLnBrk="1" latinLnBrk="0" hangingPunct="1">
         <a:spcBef>
           <a:spcPct val="20000"/>
         </a:spcBef>
         <a:buFont typeface="Arial" pitchFamily="34" charset="0"/>
         <a:buChar char="»"/>
-        <a:defRPr sz="9509" kern="1200">
+        <a:defRPr sz="9500" kern="1200">
           <a:solidFill>
             <a:schemeClr val="tx1"/>
           </a:solidFill>
@@ -2901,13 +5318,13 @@
           <a:cs typeface="+mn-cs"/>
         </a:defRPr>
       </a:lvl5pPr>
-      <a:lvl6pPr marL="11831264" indent="-1075570" algn="l" defTabSz="4302279" rtl="0" eaLnBrk="1" latinLnBrk="0" hangingPunct="1">
+      <a:lvl6pPr marL="11820625" indent="-1074603" algn="l" defTabSz="4298410" rtl="0" eaLnBrk="1" latinLnBrk="0" hangingPunct="1">
         <a:spcBef>
           <a:spcPct val="20000"/>
         </a:spcBef>
         <a:buFont typeface="Arial" pitchFamily="34" charset="0"/>
         <a:buChar char="•"/>
-        <a:defRPr sz="9509" kern="1200">
+        <a:defRPr sz="9500" kern="1200">
           <a:solidFill>
             <a:schemeClr val="tx1"/>
           </a:solidFill>
@@ -2916,13 +5333,13 @@
           <a:cs typeface="+mn-cs"/>
         </a:defRPr>
       </a:lvl6pPr>
-      <a:lvl7pPr marL="13982401" indent="-1075570" algn="l" defTabSz="4302279" rtl="0" eaLnBrk="1" latinLnBrk="0" hangingPunct="1">
+      <a:lvl7pPr marL="13969828" indent="-1074603" algn="l" defTabSz="4298410" rtl="0" eaLnBrk="1" latinLnBrk="0" hangingPunct="1">
         <a:spcBef>
           <a:spcPct val="20000"/>
         </a:spcBef>
         <a:buFont typeface="Arial" pitchFamily="34" charset="0"/>
         <a:buChar char="•"/>
-        <a:defRPr sz="9509" kern="1200">
+        <a:defRPr sz="9500" kern="1200">
           <a:solidFill>
             <a:schemeClr val="tx1"/>
           </a:solidFill>
@@ -2931,13 +5348,13 @@
           <a:cs typeface="+mn-cs"/>
         </a:defRPr>
       </a:lvl7pPr>
-      <a:lvl8pPr marL="16133541" indent="-1075570" algn="l" defTabSz="4302279" rtl="0" eaLnBrk="1" latinLnBrk="0" hangingPunct="1">
+      <a:lvl8pPr marL="16119034" indent="-1074603" algn="l" defTabSz="4298410" rtl="0" eaLnBrk="1" latinLnBrk="0" hangingPunct="1">
         <a:spcBef>
           <a:spcPct val="20000"/>
         </a:spcBef>
         <a:buFont typeface="Arial" pitchFamily="34" charset="0"/>
         <a:buChar char="•"/>
-        <a:defRPr sz="9509" kern="1200">
+        <a:defRPr sz="9500" kern="1200">
           <a:solidFill>
             <a:schemeClr val="tx1"/>
           </a:solidFill>
@@ -2946,13 +5363,13 @@
           <a:cs typeface="+mn-cs"/>
         </a:defRPr>
       </a:lvl8pPr>
-      <a:lvl9pPr marL="18284679" indent="-1075570" algn="l" defTabSz="4302279" rtl="0" eaLnBrk="1" latinLnBrk="0" hangingPunct="1">
+      <a:lvl9pPr marL="18268238" indent="-1074603" algn="l" defTabSz="4298410" rtl="0" eaLnBrk="1" latinLnBrk="0" hangingPunct="1">
         <a:spcBef>
           <a:spcPct val="20000"/>
         </a:spcBef>
         <a:buFont typeface="Arial" pitchFamily="34" charset="0"/>
         <a:buChar char="•"/>
-        <a:defRPr sz="9509" kern="1200">
+        <a:defRPr sz="9500" kern="1200">
           <a:solidFill>
             <a:schemeClr val="tx1"/>
           </a:solidFill>
@@ -2966,8 +5383,8 @@
       <a:defPPr>
         <a:defRPr lang="en-US"/>
       </a:defPPr>
-      <a:lvl1pPr marL="0" algn="l" defTabSz="4302279" rtl="0" eaLnBrk="1" latinLnBrk="0" hangingPunct="1">
-        <a:defRPr sz="8508" kern="1200">
+      <a:lvl1pPr marL="0" algn="l" defTabSz="4298410" rtl="0" eaLnBrk="1" latinLnBrk="0" hangingPunct="1">
+        <a:defRPr sz="8500" kern="1200">
           <a:solidFill>
             <a:schemeClr val="tx1"/>
           </a:solidFill>
@@ -2976,8 +5393,8 @@
           <a:cs typeface="+mn-cs"/>
         </a:defRPr>
       </a:lvl1pPr>
-      <a:lvl2pPr marL="2151139" algn="l" defTabSz="4302279" rtl="0" eaLnBrk="1" latinLnBrk="0" hangingPunct="1">
-        <a:defRPr sz="8508" kern="1200">
+      <a:lvl2pPr marL="2149205" algn="l" defTabSz="4298410" rtl="0" eaLnBrk="1" latinLnBrk="0" hangingPunct="1">
+        <a:defRPr sz="8500" kern="1200">
           <a:solidFill>
             <a:schemeClr val="tx1"/>
           </a:solidFill>
@@ -2986,8 +5403,8 @@
           <a:cs typeface="+mn-cs"/>
         </a:defRPr>
       </a:lvl2pPr>
-      <a:lvl3pPr marL="4302279" algn="l" defTabSz="4302279" rtl="0" eaLnBrk="1" latinLnBrk="0" hangingPunct="1">
-        <a:defRPr sz="8508" kern="1200">
+      <a:lvl3pPr marL="4298410" algn="l" defTabSz="4298410" rtl="0" eaLnBrk="1" latinLnBrk="0" hangingPunct="1">
+        <a:defRPr sz="8500" kern="1200">
           <a:solidFill>
             <a:schemeClr val="tx1"/>
           </a:solidFill>
@@ -2996,8 +5413,8 @@
           <a:cs typeface="+mn-cs"/>
         </a:defRPr>
       </a:lvl3pPr>
-      <a:lvl4pPr marL="6453416" algn="l" defTabSz="4302279" rtl="0" eaLnBrk="1" latinLnBrk="0" hangingPunct="1">
-        <a:defRPr sz="8508" kern="1200">
+      <a:lvl4pPr marL="6447613" algn="l" defTabSz="4298410" rtl="0" eaLnBrk="1" latinLnBrk="0" hangingPunct="1">
+        <a:defRPr sz="8500" kern="1200">
           <a:solidFill>
             <a:schemeClr val="tx1"/>
           </a:solidFill>
@@ -3006,8 +5423,8 @@
           <a:cs typeface="+mn-cs"/>
         </a:defRPr>
       </a:lvl4pPr>
-      <a:lvl5pPr marL="8604554" algn="l" defTabSz="4302279" rtl="0" eaLnBrk="1" latinLnBrk="0" hangingPunct="1">
-        <a:defRPr sz="8508" kern="1200">
+      <a:lvl5pPr marL="8596817" algn="l" defTabSz="4298410" rtl="0" eaLnBrk="1" latinLnBrk="0" hangingPunct="1">
+        <a:defRPr sz="8500" kern="1200">
           <a:solidFill>
             <a:schemeClr val="tx1"/>
           </a:solidFill>
@@ -3016,8 +5433,8 @@
           <a:cs typeface="+mn-cs"/>
         </a:defRPr>
       </a:lvl5pPr>
-      <a:lvl6pPr marL="10755694" algn="l" defTabSz="4302279" rtl="0" eaLnBrk="1" latinLnBrk="0" hangingPunct="1">
-        <a:defRPr sz="8508" kern="1200">
+      <a:lvl6pPr marL="10746023" algn="l" defTabSz="4298410" rtl="0" eaLnBrk="1" latinLnBrk="0" hangingPunct="1">
+        <a:defRPr sz="8500" kern="1200">
           <a:solidFill>
             <a:schemeClr val="tx1"/>
           </a:solidFill>
@@ -3026,8 +5443,8 @@
           <a:cs typeface="+mn-cs"/>
         </a:defRPr>
       </a:lvl6pPr>
-      <a:lvl7pPr marL="12906835" algn="l" defTabSz="4302279" rtl="0" eaLnBrk="1" latinLnBrk="0" hangingPunct="1">
-        <a:defRPr sz="8508" kern="1200">
+      <a:lvl7pPr marL="12895229" algn="l" defTabSz="4298410" rtl="0" eaLnBrk="1" latinLnBrk="0" hangingPunct="1">
+        <a:defRPr sz="8500" kern="1200">
           <a:solidFill>
             <a:schemeClr val="tx1"/>
           </a:solidFill>
@@ -3036,8 +5453,8 @@
           <a:cs typeface="+mn-cs"/>
         </a:defRPr>
       </a:lvl7pPr>
-      <a:lvl8pPr marL="15057972" algn="l" defTabSz="4302279" rtl="0" eaLnBrk="1" latinLnBrk="0" hangingPunct="1">
-        <a:defRPr sz="8508" kern="1200">
+      <a:lvl8pPr marL="15044432" algn="l" defTabSz="4298410" rtl="0" eaLnBrk="1" latinLnBrk="0" hangingPunct="1">
+        <a:defRPr sz="8500" kern="1200">
           <a:solidFill>
             <a:schemeClr val="tx1"/>
           </a:solidFill>
@@ -3046,8 +5463,8 @@
           <a:cs typeface="+mn-cs"/>
         </a:defRPr>
       </a:lvl8pPr>
-      <a:lvl9pPr marL="17209111" algn="l" defTabSz="4302279" rtl="0" eaLnBrk="1" latinLnBrk="0" hangingPunct="1">
-        <a:defRPr sz="8508" kern="1200">
+      <a:lvl9pPr marL="17193637" algn="l" defTabSz="4298410" rtl="0" eaLnBrk="1" latinLnBrk="0" hangingPunct="1">
+        <a:defRPr sz="8500" kern="1200">
           <a:solidFill>
             <a:schemeClr val="tx1"/>
           </a:solidFill>
@@ -3080,7 +5497,13 @@
       </p:grpSpPr>
       <p:sp>
         <p:nvSpPr>
-          <p:cNvPr id="334" name="Text Placeholder 333"/>
+          <p:cNvPr id="2" name="Text Placeholder 1">
+            <a:extLst>
+              <a:ext uri="{FF2B5EF4-FFF2-40B4-BE49-F238E27FC236}">
+                <a16:creationId xmlns:a16="http://schemas.microsoft.com/office/drawing/2014/main" id="{A26FF364-44DE-AB2E-8FDA-9A85E232C6E7}"/>
+              </a:ext>
+            </a:extLst>
+          </p:cNvPr>
           <p:cNvSpPr>
             <a:spLocks noGrp="1"/>
           </p:cNvSpPr>
@@ -3088,18 +5511,335 @@
             <p:ph type="body" sz="quarter" idx="10"/>
           </p:nvPr>
         </p:nvSpPr>
-        <p:spPr/>
+        <p:spPr>
+          <a:xfrm>
+            <a:off x="623691" y="6235914"/>
+            <a:ext cx="15489520" cy="8478939"/>
+          </a:xfrm>
+          <a:noFill/>
+          <a:ln>
+            <a:solidFill>
+              <a:srgbClr val="E2212D"/>
+            </a:solidFill>
+          </a:ln>
+        </p:spPr>
+        <p:style>
+          <a:lnRef idx="2">
+            <a:schemeClr val="accent6"/>
+          </a:lnRef>
+          <a:fillRef idx="1">
+            <a:schemeClr val="lt1"/>
+          </a:fillRef>
+          <a:effectRef idx="0">
+            <a:schemeClr val="accent6"/>
+          </a:effectRef>
+          <a:fontRef idx="minor">
+            <a:schemeClr val="dk1"/>
+          </a:fontRef>
+        </p:style>
         <p:txBody>
           <a:bodyPr/>
           <a:lstStyle/>
           <a:p>
-            <a:endParaRPr lang="en-US" dirty="0"/>
+            <a:pPr marL="514350" indent="-514350" algn="just">
+              <a:buAutoNum type="arabicPeriod"/>
+            </a:pPr>
+            <a:r>
+              <a:rPr lang="en-US" sz="4000" dirty="0">
+                <a:solidFill>
+                  <a:schemeClr val="tx1"/>
+                </a:solidFill>
+                <a:latin typeface="Arial" panose="020B0604020202020204" pitchFamily="34" charset="0"/>
+                <a:cs typeface="Arial" panose="020B0604020202020204" pitchFamily="34" charset="0"/>
+              </a:rPr>
+              <a:t>Do Movies (a) or Shows (b) on Netflix with an </a:t>
+            </a:r>
+            <a:r>
+              <a:rPr lang="en-US" sz="4000" b="1" dirty="0">
+                <a:solidFill>
+                  <a:schemeClr val="tx1"/>
+                </a:solidFill>
+                <a:latin typeface="Arial" panose="020B0604020202020204" pitchFamily="34" charset="0"/>
+                <a:cs typeface="Arial" panose="020B0604020202020204" pitchFamily="34" charset="0"/>
+              </a:rPr>
+              <a:t>older release year </a:t>
+            </a:r>
+            <a:r>
+              <a:rPr lang="en-US" sz="4000" dirty="0">
+                <a:solidFill>
+                  <a:schemeClr val="tx1"/>
+                </a:solidFill>
+                <a:latin typeface="Arial" panose="020B0604020202020204" pitchFamily="34" charset="0"/>
+                <a:cs typeface="Arial" panose="020B0604020202020204" pitchFamily="34" charset="0"/>
+              </a:rPr>
+              <a:t>have better average IMDb </a:t>
+            </a:r>
+            <a:r>
+              <a:rPr lang="en-US" sz="4000" b="1" dirty="0">
+                <a:solidFill>
+                  <a:schemeClr val="tx1"/>
+                </a:solidFill>
+                <a:latin typeface="Arial" panose="020B0604020202020204" pitchFamily="34" charset="0"/>
+                <a:cs typeface="Arial" panose="020B0604020202020204" pitchFamily="34" charset="0"/>
+              </a:rPr>
+              <a:t>ratings</a:t>
+            </a:r>
+            <a:r>
+              <a:rPr lang="en-US" sz="4000" dirty="0">
+                <a:solidFill>
+                  <a:schemeClr val="tx1"/>
+                </a:solidFill>
+                <a:latin typeface="Arial" panose="020B0604020202020204" pitchFamily="34" charset="0"/>
+                <a:cs typeface="Arial" panose="020B0604020202020204" pitchFamily="34" charset="0"/>
+              </a:rPr>
+              <a:t>?</a:t>
+            </a:r>
+          </a:p>
+          <a:p>
+            <a:pPr marL="514350" indent="-514350" algn="just">
+              <a:buAutoNum type="arabicPeriod"/>
+            </a:pPr>
+            <a:endParaRPr lang="en-US" sz="4000" dirty="0">
+              <a:solidFill>
+                <a:schemeClr val="tx1"/>
+              </a:solidFill>
+              <a:latin typeface="Arial" panose="020B0604020202020204" pitchFamily="34" charset="0"/>
+              <a:cs typeface="Arial" panose="020B0604020202020204" pitchFamily="34" charset="0"/>
+            </a:endParaRPr>
+          </a:p>
+          <a:p>
+            <a:pPr marL="514350" indent="-514350" algn="just">
+              <a:buAutoNum type="arabicPeriod"/>
+            </a:pPr>
+            <a:r>
+              <a:rPr lang="en-US" sz="4000" dirty="0">
+                <a:solidFill>
+                  <a:schemeClr val="tx1"/>
+                </a:solidFill>
+                <a:latin typeface="Arial" panose="020B0604020202020204" pitchFamily="34" charset="0"/>
+                <a:cs typeface="Arial" panose="020B0604020202020204" pitchFamily="34" charset="0"/>
+              </a:rPr>
+              <a:t>Do Movies (a) or Shows (b)* on Netflix with a more positive </a:t>
+            </a:r>
+            <a:r>
+              <a:rPr lang="en-US" sz="4000" b="1" dirty="0">
+                <a:solidFill>
+                  <a:schemeClr val="tx1"/>
+                </a:solidFill>
+                <a:latin typeface="Arial" panose="020B0604020202020204" pitchFamily="34" charset="0"/>
+                <a:cs typeface="Arial" panose="020B0604020202020204" pitchFamily="34" charset="0"/>
+              </a:rPr>
+              <a:t>description</a:t>
+            </a:r>
+            <a:r>
+              <a:rPr lang="en-US" sz="4000" dirty="0">
+                <a:solidFill>
+                  <a:schemeClr val="tx1"/>
+                </a:solidFill>
+                <a:latin typeface="Arial" panose="020B0604020202020204" pitchFamily="34" charset="0"/>
+                <a:cs typeface="Arial" panose="020B0604020202020204" pitchFamily="34" charset="0"/>
+              </a:rPr>
+              <a:t> get better IMDb </a:t>
+            </a:r>
+            <a:r>
+              <a:rPr lang="en-US" sz="4000" b="1" dirty="0">
+                <a:solidFill>
+                  <a:schemeClr val="tx1"/>
+                </a:solidFill>
+                <a:latin typeface="Arial" panose="020B0604020202020204" pitchFamily="34" charset="0"/>
+                <a:cs typeface="Arial" panose="020B0604020202020204" pitchFamily="34" charset="0"/>
+              </a:rPr>
+              <a:t>ratings</a:t>
+            </a:r>
+            <a:r>
+              <a:rPr lang="en-US" sz="4000" dirty="0">
+                <a:solidFill>
+                  <a:schemeClr val="tx1"/>
+                </a:solidFill>
+                <a:latin typeface="Arial" panose="020B0604020202020204" pitchFamily="34" charset="0"/>
+                <a:cs typeface="Arial" panose="020B0604020202020204" pitchFamily="34" charset="0"/>
+              </a:rPr>
+              <a:t>?</a:t>
+            </a:r>
+          </a:p>
+          <a:p>
+            <a:pPr marL="514350" indent="-514350" algn="just">
+              <a:buAutoNum type="arabicPeriod"/>
+            </a:pPr>
+            <a:endParaRPr lang="en-US" sz="4000" dirty="0">
+              <a:solidFill>
+                <a:schemeClr val="tx1"/>
+              </a:solidFill>
+              <a:latin typeface="Arial" panose="020B0604020202020204" pitchFamily="34" charset="0"/>
+              <a:cs typeface="Arial" panose="020B0604020202020204" pitchFamily="34" charset="0"/>
+            </a:endParaRPr>
+          </a:p>
+          <a:p>
+            <a:pPr marL="514350" indent="-514350" algn="just">
+              <a:buAutoNum type="arabicPeriod"/>
+            </a:pPr>
+            <a:r>
+              <a:rPr lang="en-US" sz="4000" dirty="0">
+                <a:solidFill>
+                  <a:schemeClr val="tx1"/>
+                </a:solidFill>
+                <a:latin typeface="Arial" panose="020B0604020202020204" pitchFamily="34" charset="0"/>
+                <a:cs typeface="Arial" panose="020B0604020202020204" pitchFamily="34" charset="0"/>
+              </a:rPr>
+              <a:t>Do Movies or Shows on Netflix get better IMDb </a:t>
+            </a:r>
+            <a:r>
+              <a:rPr lang="en-US" sz="4000" b="1" dirty="0">
+                <a:solidFill>
+                  <a:schemeClr val="tx1"/>
+                </a:solidFill>
+                <a:latin typeface="Arial" panose="020B0604020202020204" pitchFamily="34" charset="0"/>
+                <a:cs typeface="Arial" panose="020B0604020202020204" pitchFamily="34" charset="0"/>
+              </a:rPr>
+              <a:t>ratings</a:t>
+            </a:r>
+            <a:r>
+              <a:rPr lang="en-US" sz="4000" dirty="0">
+                <a:solidFill>
+                  <a:schemeClr val="tx1"/>
+                </a:solidFill>
+                <a:latin typeface="Arial" panose="020B0604020202020204" pitchFamily="34" charset="0"/>
+                <a:cs typeface="Arial" panose="020B0604020202020204" pitchFamily="34" charset="0"/>
+              </a:rPr>
+              <a:t> (a) or more IMDb </a:t>
+            </a:r>
+            <a:r>
+              <a:rPr lang="en-US" sz="4000" b="1" dirty="0">
+                <a:solidFill>
+                  <a:schemeClr val="tx1"/>
+                </a:solidFill>
+                <a:latin typeface="Arial" panose="020B0604020202020204" pitchFamily="34" charset="0"/>
+                <a:cs typeface="Arial" panose="020B0604020202020204" pitchFamily="34" charset="0"/>
+              </a:rPr>
+              <a:t>votes</a:t>
+            </a:r>
+            <a:r>
+              <a:rPr lang="en-US" sz="4000" dirty="0">
+                <a:solidFill>
+                  <a:schemeClr val="tx1"/>
+                </a:solidFill>
+                <a:latin typeface="Arial" panose="020B0604020202020204" pitchFamily="34" charset="0"/>
+                <a:cs typeface="Arial" panose="020B0604020202020204" pitchFamily="34" charset="0"/>
+              </a:rPr>
+              <a:t> (b)* and do they differ in </a:t>
+            </a:r>
+            <a:r>
+              <a:rPr lang="en-US" sz="4000" b="1" dirty="0">
+                <a:solidFill>
+                  <a:schemeClr val="tx1"/>
+                </a:solidFill>
+                <a:latin typeface="Arial" panose="020B0604020202020204" pitchFamily="34" charset="0"/>
+                <a:cs typeface="Arial" panose="020B0604020202020204" pitchFamily="34" charset="0"/>
+              </a:rPr>
+              <a:t>runtime</a:t>
+            </a:r>
+            <a:r>
+              <a:rPr lang="en-US" sz="4000" dirty="0">
+                <a:solidFill>
+                  <a:schemeClr val="tx1"/>
+                </a:solidFill>
+                <a:latin typeface="Arial" panose="020B0604020202020204" pitchFamily="34" charset="0"/>
+                <a:cs typeface="Arial" panose="020B0604020202020204" pitchFamily="34" charset="0"/>
+              </a:rPr>
+              <a:t> (c)*?</a:t>
+            </a:r>
+          </a:p>
+          <a:p>
+            <a:pPr marL="514350" indent="-514350" algn="just">
+              <a:buAutoNum type="arabicPeriod"/>
+            </a:pPr>
+            <a:endParaRPr lang="en-US" sz="4000" dirty="0">
+              <a:solidFill>
+                <a:schemeClr val="tx1"/>
+              </a:solidFill>
+              <a:latin typeface="Arial" panose="020B0604020202020204" pitchFamily="34" charset="0"/>
+              <a:cs typeface="Arial" panose="020B0604020202020204" pitchFamily="34" charset="0"/>
+            </a:endParaRPr>
+          </a:p>
+          <a:p>
+            <a:pPr marL="514350" indent="-514350" algn="just">
+              <a:buAutoNum type="arabicPeriod"/>
+            </a:pPr>
+            <a:r>
+              <a:rPr lang="en-US" sz="4000" dirty="0">
+                <a:solidFill>
+                  <a:schemeClr val="tx1"/>
+                </a:solidFill>
+                <a:latin typeface="Arial" panose="020B0604020202020204" pitchFamily="34" charset="0"/>
+                <a:cs typeface="Arial" panose="020B0604020202020204" pitchFamily="34" charset="0"/>
+              </a:rPr>
+              <a:t>Did the </a:t>
+            </a:r>
+            <a:r>
+              <a:rPr lang="en-US" sz="4000" b="1" dirty="0">
+                <a:solidFill>
+                  <a:schemeClr val="tx1"/>
+                </a:solidFill>
+                <a:latin typeface="Arial" panose="020B0604020202020204" pitchFamily="34" charset="0"/>
+                <a:cs typeface="Arial" panose="020B0604020202020204" pitchFamily="34" charset="0"/>
+              </a:rPr>
+              <a:t>runtime</a:t>
+            </a:r>
+            <a:r>
+              <a:rPr lang="en-US" sz="4000" dirty="0">
+                <a:solidFill>
+                  <a:schemeClr val="tx1"/>
+                </a:solidFill>
+                <a:latin typeface="Arial" panose="020B0604020202020204" pitchFamily="34" charset="0"/>
+                <a:cs typeface="Arial" panose="020B0604020202020204" pitchFamily="34" charset="0"/>
+              </a:rPr>
+              <a:t> of Movies (a) or Shows (b) that are on Netflix change </a:t>
+            </a:r>
+            <a:r>
+              <a:rPr lang="en-US" sz="4000" b="1" dirty="0">
+                <a:solidFill>
+                  <a:schemeClr val="tx1"/>
+                </a:solidFill>
+                <a:latin typeface="Arial" panose="020B0604020202020204" pitchFamily="34" charset="0"/>
+                <a:cs typeface="Arial" panose="020B0604020202020204" pitchFamily="34" charset="0"/>
+              </a:rPr>
+              <a:t>over the years</a:t>
+            </a:r>
+            <a:r>
+              <a:rPr lang="en-US" sz="4000" dirty="0">
+                <a:solidFill>
+                  <a:schemeClr val="tx1"/>
+                </a:solidFill>
+                <a:latin typeface="Arial" panose="020B0604020202020204" pitchFamily="34" charset="0"/>
+                <a:cs typeface="Arial" panose="020B0604020202020204" pitchFamily="34" charset="0"/>
+              </a:rPr>
+              <a:t>?</a:t>
+            </a:r>
+          </a:p>
+          <a:p>
+            <a:pPr algn="just"/>
+            <a:r>
+              <a:rPr lang="en-US" i="1" dirty="0">
+                <a:solidFill>
+                  <a:schemeClr val="tx1"/>
+                </a:solidFill>
+                <a:latin typeface="Arial" panose="020B0604020202020204" pitchFamily="34" charset="0"/>
+                <a:cs typeface="Arial" panose="020B0604020202020204" pitchFamily="34" charset="0"/>
+              </a:rPr>
+              <a:t>* you can find the answers to these and more research questions on GitHub</a:t>
+            </a:r>
           </a:p>
         </p:txBody>
       </p:sp>
       <p:sp>
         <p:nvSpPr>
-          <p:cNvPr id="335" name="Text Placeholder 334"/>
+          <p:cNvPr id="3" name="Text Placeholder 2">
+            <a:extLst>
+              <a:ext uri="{FF2B5EF4-FFF2-40B4-BE49-F238E27FC236}">
+                <a16:creationId xmlns:a16="http://schemas.microsoft.com/office/drawing/2014/main" id="{9D896F0A-4E88-40DD-9EC5-3FD7A9B99D5D}"/>
+              </a:ext>
+            </a:extLst>
+          </p:cNvPr>
           <p:cNvSpPr>
             <a:spLocks noGrp="1"/>
           </p:cNvSpPr>
@@ -3107,170 +5847,58 @@
             <p:ph type="body" sz="quarter" idx="11"/>
           </p:nvPr>
         </p:nvSpPr>
-        <p:spPr/>
+        <p:spPr>
+          <a:xfrm>
+            <a:off x="623691" y="5046070"/>
+            <a:ext cx="15489520" cy="1011848"/>
+          </a:xfrm>
+          <a:solidFill>
+            <a:srgbClr val="E2212D"/>
+          </a:solidFill>
+          <a:ln>
+            <a:solidFill>
+              <a:srgbClr val="F6C0C4"/>
+            </a:solidFill>
+          </a:ln>
+        </p:spPr>
+        <p:style>
+          <a:lnRef idx="1">
+            <a:schemeClr val="accent6"/>
+          </a:lnRef>
+          <a:fillRef idx="2">
+            <a:schemeClr val="accent6"/>
+          </a:fillRef>
+          <a:effectRef idx="1">
+            <a:schemeClr val="accent6"/>
+          </a:effectRef>
+          <a:fontRef idx="minor">
+            <a:schemeClr val="dk1"/>
+          </a:fontRef>
+        </p:style>
         <p:txBody>
           <a:bodyPr/>
           <a:lstStyle/>
           <a:p>
-            <a:endParaRPr lang="en-US"/>
+            <a:r>
+              <a:rPr lang="en-US" sz="5400" u="none" dirty="0">
+                <a:solidFill>
+                  <a:schemeClr val="bg1"/>
+                </a:solidFill>
+              </a:rPr>
+              <a:t>Research Questions</a:t>
+            </a:r>
           </a:p>
         </p:txBody>
       </p:sp>
       <p:sp>
         <p:nvSpPr>
-          <p:cNvPr id="338" name="Text Placeholder 337"/>
-          <p:cNvSpPr>
-            <a:spLocks noGrp="1"/>
-          </p:cNvSpPr>
-          <p:nvPr>
-            <p:ph type="body" sz="quarter" idx="20"/>
-          </p:nvPr>
-        </p:nvSpPr>
-        <p:spPr/>
-        <p:txBody>
-          <a:bodyPr/>
-          <a:lstStyle/>
-          <a:p>
-            <a:endParaRPr lang="en-US" dirty="0"/>
-          </a:p>
-        </p:txBody>
-      </p:sp>
-      <p:sp>
-        <p:nvSpPr>
-          <p:cNvPr id="339" name="Text Placeholder 338"/>
-          <p:cNvSpPr>
-            <a:spLocks noGrp="1"/>
-          </p:cNvSpPr>
-          <p:nvPr>
-            <p:ph type="body" sz="quarter" idx="25"/>
-          </p:nvPr>
-        </p:nvSpPr>
-        <p:spPr/>
-        <p:txBody>
-          <a:bodyPr/>
-          <a:lstStyle/>
-          <a:p>
-            <a:endParaRPr lang="en-US" dirty="0"/>
-          </a:p>
-        </p:txBody>
-      </p:sp>
-      <p:sp>
-        <p:nvSpPr>
-          <p:cNvPr id="340" name="Text Placeholder 339"/>
-          <p:cNvSpPr>
-            <a:spLocks noGrp="1"/>
-          </p:cNvSpPr>
-          <p:nvPr>
-            <p:ph type="body" sz="quarter" idx="26"/>
-          </p:nvPr>
-        </p:nvSpPr>
-        <p:spPr/>
-        <p:txBody>
-          <a:bodyPr/>
-          <a:lstStyle/>
-          <a:p>
-            <a:endParaRPr lang="en-US"/>
-          </a:p>
-        </p:txBody>
-      </p:sp>
-      <p:sp>
-        <p:nvSpPr>
-          <p:cNvPr id="341" name="Text Placeholder 340"/>
-          <p:cNvSpPr>
-            <a:spLocks noGrp="1"/>
-          </p:cNvSpPr>
-          <p:nvPr>
-            <p:ph type="body" sz="quarter" idx="27"/>
-          </p:nvPr>
-        </p:nvSpPr>
-        <p:spPr/>
-        <p:txBody>
-          <a:bodyPr/>
-          <a:lstStyle/>
-          <a:p>
-            <a:endParaRPr lang="en-US"/>
-          </a:p>
-        </p:txBody>
-      </p:sp>
-      <p:sp>
-        <p:nvSpPr>
-          <p:cNvPr id="342" name="Text Placeholder 341"/>
-          <p:cNvSpPr>
-            <a:spLocks noGrp="1"/>
-          </p:cNvSpPr>
-          <p:nvPr>
-            <p:ph type="body" sz="quarter" idx="28"/>
-          </p:nvPr>
-        </p:nvSpPr>
-        <p:spPr/>
-        <p:txBody>
-          <a:bodyPr/>
-          <a:lstStyle/>
-          <a:p>
-            <a:endParaRPr lang="en-US"/>
-          </a:p>
-        </p:txBody>
-      </p:sp>
-      <p:sp>
-        <p:nvSpPr>
-          <p:cNvPr id="343" name="Text Placeholder 342"/>
-          <p:cNvSpPr>
-            <a:spLocks noGrp="1"/>
-          </p:cNvSpPr>
-          <p:nvPr>
-            <p:ph type="body" sz="quarter" idx="29"/>
-          </p:nvPr>
-        </p:nvSpPr>
-        <p:spPr/>
-        <p:txBody>
-          <a:bodyPr/>
-          <a:lstStyle/>
-          <a:p>
-            <a:endParaRPr lang="en-US"/>
-          </a:p>
-        </p:txBody>
-      </p:sp>
-      <p:sp>
-        <p:nvSpPr>
-          <p:cNvPr id="344" name="Text Placeholder 343"/>
-          <p:cNvSpPr>
-            <a:spLocks noGrp="1"/>
-          </p:cNvSpPr>
-          <p:nvPr>
-            <p:ph type="body" sz="quarter" idx="30"/>
-          </p:nvPr>
-        </p:nvSpPr>
-        <p:spPr/>
-        <p:txBody>
-          <a:bodyPr/>
-          <a:lstStyle/>
-          <a:p>
-            <a:endParaRPr lang="en-US"/>
-          </a:p>
-        </p:txBody>
-      </p:sp>
-      <p:sp>
-        <p:nvSpPr>
-          <p:cNvPr id="346" name="Text Placeholder 345"/>
-          <p:cNvSpPr>
-            <a:spLocks noGrp="1"/>
-          </p:cNvSpPr>
-          <p:nvPr>
-            <p:ph type="body" sz="quarter" idx="96"/>
-          </p:nvPr>
-        </p:nvSpPr>
-        <p:spPr/>
-        <p:txBody>
-          <a:bodyPr/>
-          <a:lstStyle/>
-          <a:p>
-            <a:endParaRPr lang="en-US"/>
-          </a:p>
-        </p:txBody>
-      </p:sp>
-      <p:sp>
-        <p:nvSpPr>
-          <p:cNvPr id="383" name="Text Placeholder 382"/>
+          <p:cNvPr id="12" name="Text Placeholder 11">
+            <a:extLst>
+              <a:ext uri="{FF2B5EF4-FFF2-40B4-BE49-F238E27FC236}">
+                <a16:creationId xmlns:a16="http://schemas.microsoft.com/office/drawing/2014/main" id="{0EB2E6D1-2092-563D-AA29-276C1A9A91A2}"/>
+              </a:ext>
+            </a:extLst>
+          </p:cNvPr>
           <p:cNvSpPr>
             <a:spLocks noGrp="1"/>
           </p:cNvSpPr>
@@ -3278,15 +5906,95 @@
             <p:ph type="body" sz="quarter" idx="150"/>
           </p:nvPr>
         </p:nvSpPr>
-        <p:spPr/>
+        <p:spPr>
+          <a:xfrm>
+            <a:off x="4090900" y="3427163"/>
+            <a:ext cx="22093415" cy="570548"/>
+          </a:xfrm>
+        </p:spPr>
         <p:txBody>
           <a:bodyPr/>
           <a:lstStyle/>
           <a:p>
-            <a:endParaRPr lang="en-US">
+            <a:r>
+              <a:rPr lang="en-US" sz="3200" dirty="0">
+                <a:solidFill>
+                  <a:schemeClr val="tx1">
+                    <a:lumMod val="85000"/>
+                    <a:lumOff val="15000"/>
+                  </a:schemeClr>
+                </a:solidFill>
+              </a:rPr>
+              <a:t>TU Graz University - Austria</a:t>
+            </a:r>
+          </a:p>
+        </p:txBody>
+      </p:sp>
+      <p:sp>
+        <p:nvSpPr>
+          <p:cNvPr id="13" name="Text Placeholder 12">
+            <a:extLst>
+              <a:ext uri="{FF2B5EF4-FFF2-40B4-BE49-F238E27FC236}">
+                <a16:creationId xmlns:a16="http://schemas.microsoft.com/office/drawing/2014/main" id="{6F3924A2-BD9A-B5D3-6B2A-F20C028EC1E8}"/>
+              </a:ext>
+            </a:extLst>
+          </p:cNvPr>
+          <p:cNvSpPr>
+            <a:spLocks noGrp="1"/>
+          </p:cNvSpPr>
+          <p:nvPr>
+            <p:ph type="body" sz="quarter" idx="151"/>
+          </p:nvPr>
+        </p:nvSpPr>
+        <p:spPr>
+          <a:xfrm>
+            <a:off x="2646249" y="2633887"/>
+            <a:ext cx="24982714" cy="632103"/>
+          </a:xfrm>
+        </p:spPr>
+        <p:txBody>
+          <a:bodyPr/>
+          <a:lstStyle/>
+          <a:p>
+            <a:r>
+              <a:rPr lang="en-US" sz="3600" b="1" dirty="0">
+                <a:solidFill>
+                  <a:schemeClr val="tx1">
+                    <a:lumMod val="85000"/>
+                    <a:lumOff val="15000"/>
+                  </a:schemeClr>
+                </a:solidFill>
+              </a:rPr>
+              <a:t>Group 23: </a:t>
+            </a:r>
+            <a:r>
+              <a:rPr lang="en-US" sz="3600" dirty="0">
+                <a:solidFill>
+                  <a:schemeClr val="tx1">
+                    <a:lumMod val="85000"/>
+                    <a:lumOff val="15000"/>
+                  </a:schemeClr>
+                </a:solidFill>
+              </a:rPr>
+              <a:t>Daniel Schipfer </a:t>
+            </a:r>
+            <a:r>
+              <a:rPr lang="en-US" sz="3600" dirty="0">
+                <a:solidFill>
+                  <a:schemeClr val="tx1">
+                    <a:lumMod val="85000"/>
+                    <a:lumOff val="15000"/>
+                  </a:schemeClr>
+                </a:solidFill>
+                <a:latin typeface="Aptos Narrow" panose="020B0004020202020204" pitchFamily="34" charset="0"/>
+              </a:rPr>
+              <a:t>• Monika Windhager • Kaniz Fatema  • Abdelrahman Ali </a:t>
+            </a:r>
+            <a:endParaRPr lang="en-US" sz="3600" dirty="0">
               <a:solidFill>
-                <a:schemeClr val="accent5">
-                  <a:lumMod val="50000"/>
+                <a:schemeClr val="tx1">
+                  <a:lumMod val="85000"/>
+                  <a:lumOff val="15000"/>
                 </a:schemeClr>
               </a:solidFill>
             </a:endParaRPr>
@@ -3295,26 +6003,33 @@
       </p:sp>
       <p:sp>
         <p:nvSpPr>
-          <p:cNvPr id="384" name="Text Placeholder 383"/>
+          <p:cNvPr id="14" name="Text Placeholder 13">
+            <a:extLst>
+              <a:ext uri="{FF2B5EF4-FFF2-40B4-BE49-F238E27FC236}">
+                <a16:creationId xmlns:a16="http://schemas.microsoft.com/office/drawing/2014/main" id="{2DA73B15-404D-393D-6EC8-065E9D91AC4E}"/>
+              </a:ext>
+            </a:extLst>
+          </p:cNvPr>
           <p:cNvSpPr>
             <a:spLocks noGrp="1"/>
           </p:cNvSpPr>
           <p:nvPr>
-            <p:ph type="body" sz="quarter" idx="151"/>
+            <p:ph type="body" sz="quarter" idx="153"/>
           </p:nvPr>
         </p:nvSpPr>
-        <p:spPr/>
+        <p:spPr>
+          <a:xfrm>
+            <a:off x="7051389" y="-19699655"/>
+            <a:ext cx="25865377" cy="2173748"/>
+          </a:xfrm>
+        </p:spPr>
         <p:txBody>
-          <a:bodyPr>
-            <a:normAutofit/>
-          </a:bodyPr>
+          <a:bodyPr/>
           <a:lstStyle/>
           <a:p>
-            <a:endParaRPr lang="en-US" dirty="0">
+            <a:endParaRPr lang="en-US" sz="8800" dirty="0">
               <a:solidFill>
-                <a:schemeClr val="accent5">
-                  <a:lumMod val="50000"/>
-                </a:schemeClr>
+                <a:srgbClr val="002060"/>
               </a:solidFill>
             </a:endParaRPr>
           </a:p>
@@ -3322,25 +6037,2517 @@
       </p:sp>
       <p:sp>
         <p:nvSpPr>
-          <p:cNvPr id="385" name="Text Placeholder 384"/>
-          <p:cNvSpPr>
-            <a:spLocks noGrp="1"/>
+          <p:cNvPr id="22" name="Text Placeholder 1">
+            <a:extLst>
+              <a:ext uri="{FF2B5EF4-FFF2-40B4-BE49-F238E27FC236}">
+                <a16:creationId xmlns:a16="http://schemas.microsoft.com/office/drawing/2014/main" id="{9ADB6FE5-4712-63C5-2C30-3FF56C170560}"/>
+              </a:ext>
+            </a:extLst>
+          </p:cNvPr>
+          <p:cNvSpPr txBox="1">
+            <a:spLocks/>
           </p:cNvSpPr>
-          <p:nvPr>
-            <p:ph type="body" sz="quarter" idx="153"/>
-          </p:nvPr>
+          <p:nvPr/>
         </p:nvSpPr>
-        <p:spPr/>
+        <p:spPr>
+          <a:xfrm>
+            <a:off x="610751" y="16498029"/>
+            <a:ext cx="15502460" cy="5376552"/>
+          </a:xfrm>
+          <a:prstGeom prst="rect">
+            <a:avLst/>
+          </a:prstGeom>
+          <a:noFill/>
+          <a:ln>
+            <a:solidFill>
+              <a:srgbClr val="E2212D"/>
+            </a:solidFill>
+          </a:ln>
+        </p:spPr>
+        <p:style>
+          <a:lnRef idx="2">
+            <a:schemeClr val="accent6"/>
+          </a:lnRef>
+          <a:fillRef idx="1">
+            <a:schemeClr val="lt1"/>
+          </a:fillRef>
+          <a:effectRef idx="0">
+            <a:schemeClr val="accent6"/>
+          </a:effectRef>
+          <a:fontRef idx="minor">
+            <a:schemeClr val="dk1"/>
+          </a:fontRef>
+        </p:style>
         <p:txBody>
-          <a:bodyPr/>
+          <a:bodyPr wrap="square" lIns="223877" tIns="223877" rIns="223877" bIns="223877" anchor="t" anchorCtr="0">
+            <a:spAutoFit/>
+          </a:bodyPr>
+          <a:lstStyle>
+            <a:lvl1pPr marL="0" indent="0" algn="l" defTabSz="4298410" rtl="0" eaLnBrk="1" latinLnBrk="0" hangingPunct="1">
+              <a:spcBef>
+                <a:spcPct val="20000"/>
+              </a:spcBef>
+              <a:buFont typeface="Arial" pitchFamily="34" charset="0"/>
+              <a:buNone/>
+              <a:defRPr sz="2800" kern="1200">
+                <a:solidFill>
+                  <a:schemeClr val="accent5">
+                    <a:lumMod val="50000"/>
+                  </a:schemeClr>
+                </a:solidFill>
+                <a:latin typeface="Times New Roman" panose="02020603050405020304" pitchFamily="18" charset="0"/>
+                <a:ea typeface="+mn-ea"/>
+                <a:cs typeface="Times New Roman" panose="02020603050405020304" pitchFamily="18" charset="0"/>
+              </a:defRPr>
+            </a:lvl1pPr>
+            <a:lvl2pPr marL="1455191" indent="-559688" algn="l" defTabSz="4298410" rtl="0" eaLnBrk="1" latinLnBrk="0" hangingPunct="1">
+              <a:spcBef>
+                <a:spcPct val="20000"/>
+              </a:spcBef>
+              <a:buFont typeface="Arial" pitchFamily="34" charset="0"/>
+              <a:buChar char="–"/>
+              <a:defRPr sz="2500" kern="1200">
+                <a:solidFill>
+                  <a:schemeClr val="dk1"/>
+                </a:solidFill>
+                <a:latin typeface="Trebuchet MS" pitchFamily="34" charset="0"/>
+                <a:ea typeface="+mn-ea"/>
+                <a:cs typeface="+mn-cs"/>
+              </a:defRPr>
+            </a:lvl2pPr>
+            <a:lvl3pPr marL="2014879" indent="-559688" algn="l" defTabSz="4298410" rtl="0" eaLnBrk="1" latinLnBrk="0" hangingPunct="1">
+              <a:spcBef>
+                <a:spcPct val="20000"/>
+              </a:spcBef>
+              <a:buFont typeface="Arial" pitchFamily="34" charset="0"/>
+              <a:buChar char="•"/>
+              <a:defRPr sz="2500" kern="1200">
+                <a:solidFill>
+                  <a:schemeClr val="dk1"/>
+                </a:solidFill>
+                <a:latin typeface="Trebuchet MS" pitchFamily="34" charset="0"/>
+                <a:ea typeface="+mn-ea"/>
+                <a:cs typeface="+mn-cs"/>
+              </a:defRPr>
+            </a:lvl3pPr>
+            <a:lvl4pPr marL="2630537" indent="-615658" algn="l" defTabSz="4298410" rtl="0" eaLnBrk="1" latinLnBrk="0" hangingPunct="1">
+              <a:spcBef>
+                <a:spcPct val="20000"/>
+              </a:spcBef>
+              <a:buFont typeface="Arial" pitchFamily="34" charset="0"/>
+              <a:buChar char="–"/>
+              <a:defRPr sz="2500" kern="1200">
+                <a:solidFill>
+                  <a:schemeClr val="dk1"/>
+                </a:solidFill>
+                <a:latin typeface="Trebuchet MS" pitchFamily="34" charset="0"/>
+                <a:ea typeface="+mn-ea"/>
+                <a:cs typeface="+mn-cs"/>
+              </a:defRPr>
+            </a:lvl4pPr>
+            <a:lvl5pPr marL="3078288" indent="-447751" algn="l" defTabSz="4298410" rtl="0" eaLnBrk="1" latinLnBrk="0" hangingPunct="1">
+              <a:spcBef>
+                <a:spcPct val="20000"/>
+              </a:spcBef>
+              <a:buFont typeface="Arial" pitchFamily="34" charset="0"/>
+              <a:buChar char="»"/>
+              <a:defRPr sz="2500" kern="1200">
+                <a:solidFill>
+                  <a:schemeClr val="dk1"/>
+                </a:solidFill>
+                <a:latin typeface="Trebuchet MS" pitchFamily="34" charset="0"/>
+                <a:ea typeface="+mn-ea"/>
+                <a:cs typeface="+mn-cs"/>
+              </a:defRPr>
+            </a:lvl5pPr>
+            <a:lvl6pPr marL="11820625" indent="-1074603" algn="l" defTabSz="4298410" rtl="0" eaLnBrk="1" latinLnBrk="0" hangingPunct="1">
+              <a:spcBef>
+                <a:spcPct val="20000"/>
+              </a:spcBef>
+              <a:buFont typeface="Arial" pitchFamily="34" charset="0"/>
+              <a:buChar char="•"/>
+              <a:defRPr sz="9500" kern="1200">
+                <a:solidFill>
+                  <a:schemeClr val="dk1"/>
+                </a:solidFill>
+                <a:latin typeface="+mn-lt"/>
+                <a:ea typeface="+mn-ea"/>
+                <a:cs typeface="+mn-cs"/>
+              </a:defRPr>
+            </a:lvl6pPr>
+            <a:lvl7pPr marL="13969828" indent="-1074603" algn="l" defTabSz="4298410" rtl="0" eaLnBrk="1" latinLnBrk="0" hangingPunct="1">
+              <a:spcBef>
+                <a:spcPct val="20000"/>
+              </a:spcBef>
+              <a:buFont typeface="Arial" pitchFamily="34" charset="0"/>
+              <a:buChar char="•"/>
+              <a:defRPr sz="9500" kern="1200">
+                <a:solidFill>
+                  <a:schemeClr val="dk1"/>
+                </a:solidFill>
+                <a:latin typeface="+mn-lt"/>
+                <a:ea typeface="+mn-ea"/>
+                <a:cs typeface="+mn-cs"/>
+              </a:defRPr>
+            </a:lvl7pPr>
+            <a:lvl8pPr marL="16119034" indent="-1074603" algn="l" defTabSz="4298410" rtl="0" eaLnBrk="1" latinLnBrk="0" hangingPunct="1">
+              <a:spcBef>
+                <a:spcPct val="20000"/>
+              </a:spcBef>
+              <a:buFont typeface="Arial" pitchFamily="34" charset="0"/>
+              <a:buChar char="•"/>
+              <a:defRPr sz="9500" kern="1200">
+                <a:solidFill>
+                  <a:schemeClr val="dk1"/>
+                </a:solidFill>
+                <a:latin typeface="+mn-lt"/>
+                <a:ea typeface="+mn-ea"/>
+                <a:cs typeface="+mn-cs"/>
+              </a:defRPr>
+            </a:lvl8pPr>
+            <a:lvl9pPr marL="18268238" indent="-1074603" algn="l" defTabSz="4298410" rtl="0" eaLnBrk="1" latinLnBrk="0" hangingPunct="1">
+              <a:spcBef>
+                <a:spcPct val="20000"/>
+              </a:spcBef>
+              <a:buFont typeface="Arial" pitchFamily="34" charset="0"/>
+              <a:buChar char="•"/>
+              <a:defRPr sz="9500" kern="1200">
+                <a:solidFill>
+                  <a:schemeClr val="dk1"/>
+                </a:solidFill>
+                <a:latin typeface="+mn-lt"/>
+                <a:ea typeface="+mn-ea"/>
+                <a:cs typeface="+mn-cs"/>
+              </a:defRPr>
+            </a:lvl9pPr>
+          </a:lstStyle>
+          <a:p>
+            <a:pPr marL="685800" indent="-685800" algn="just">
+              <a:buFont typeface="Arial" panose="020B0604020202020204" pitchFamily="34" charset="0"/>
+              <a:buChar char="•"/>
+            </a:pPr>
+            <a:r>
+              <a:rPr lang="en-US" sz="4000" dirty="0">
+                <a:solidFill>
+                  <a:schemeClr val="tx1"/>
+                </a:solidFill>
+              </a:rPr>
+              <a:t>The </a:t>
+            </a:r>
+            <a:r>
+              <a:rPr lang="en-US" sz="4000" b="1" dirty="0">
+                <a:solidFill>
+                  <a:schemeClr val="tx1"/>
+                </a:solidFill>
+              </a:rPr>
+              <a:t>dataset</a:t>
+            </a:r>
+            <a:r>
+              <a:rPr lang="en-US" sz="4000" dirty="0">
+                <a:solidFill>
+                  <a:schemeClr val="tx1"/>
+                </a:solidFill>
+              </a:rPr>
+              <a:t> used contains information about Netflix’s content as “Titles”, “Types”, “Release Year”, “Runtime”, “Votes”, and “Scores”.</a:t>
+            </a:r>
+          </a:p>
+          <a:p>
+            <a:pPr marL="685800" indent="-685800" algn="just">
+              <a:buFont typeface="Arial" panose="020B0604020202020204" pitchFamily="34" charset="0"/>
+              <a:buChar char="•"/>
+            </a:pPr>
+            <a:endParaRPr lang="en-US" sz="4000" dirty="0">
+              <a:solidFill>
+                <a:schemeClr val="tx1"/>
+              </a:solidFill>
+            </a:endParaRPr>
+          </a:p>
+          <a:p>
+            <a:pPr marL="685800" indent="-685800" algn="just">
+              <a:buFont typeface="Arial" panose="020B0604020202020204" pitchFamily="34" charset="0"/>
+              <a:buChar char="•"/>
+            </a:pPr>
+            <a:r>
+              <a:rPr lang="en-US" sz="4000" b="1" dirty="0">
+                <a:solidFill>
+                  <a:schemeClr val="tx1"/>
+                </a:solidFill>
+              </a:rPr>
+              <a:t>Methods</a:t>
+            </a:r>
+            <a:r>
+              <a:rPr lang="en-US" sz="4000" dirty="0">
+                <a:solidFill>
+                  <a:schemeClr val="tx1"/>
+                </a:solidFill>
+              </a:rPr>
+              <a:t>:</a:t>
+            </a:r>
+          </a:p>
+          <a:p>
+            <a:pPr algn="just"/>
+            <a:r>
+              <a:rPr lang="en-US" sz="4000" dirty="0">
+                <a:solidFill>
+                  <a:schemeClr val="tx1"/>
+                </a:solidFill>
+              </a:rPr>
+              <a:t>    1. Pearson Correlation</a:t>
+            </a:r>
+          </a:p>
+          <a:p>
+            <a:pPr algn="just"/>
+            <a:r>
+              <a:rPr lang="en-US" sz="4000" dirty="0">
+                <a:solidFill>
+                  <a:schemeClr val="tx1"/>
+                </a:solidFill>
+              </a:rPr>
+              <a:t>    2. PERMANOVA and Permutation Test</a:t>
+            </a:r>
+          </a:p>
+          <a:p>
+            <a:pPr algn="just"/>
+            <a:r>
+              <a:rPr lang="en-US" sz="4000" dirty="0">
+                <a:solidFill>
+                  <a:schemeClr val="tx1"/>
+                </a:solidFill>
+              </a:rPr>
+              <a:t>    3. Sentiment Analysis using a BART model</a:t>
+            </a:r>
+          </a:p>
+        </p:txBody>
+      </p:sp>
+      <p:sp>
+        <p:nvSpPr>
+          <p:cNvPr id="23" name="Text Placeholder 2">
+            <a:extLst>
+              <a:ext uri="{FF2B5EF4-FFF2-40B4-BE49-F238E27FC236}">
+                <a16:creationId xmlns:a16="http://schemas.microsoft.com/office/drawing/2014/main" id="{E83DA7AC-9E9E-B44D-3F56-69B1655FC7BF}"/>
+              </a:ext>
+            </a:extLst>
+          </p:cNvPr>
+          <p:cNvSpPr txBox="1">
+            <a:spLocks/>
+          </p:cNvSpPr>
+          <p:nvPr/>
+        </p:nvSpPr>
+        <p:spPr>
+          <a:xfrm>
+            <a:off x="610751" y="15308183"/>
+            <a:ext cx="15489520" cy="1011848"/>
+          </a:xfrm>
+          <a:prstGeom prst="rect">
+            <a:avLst/>
+          </a:prstGeom>
+          <a:solidFill>
+            <a:srgbClr val="E2212D"/>
+          </a:solidFill>
+        </p:spPr>
+        <p:style>
+          <a:lnRef idx="1">
+            <a:schemeClr val="accent6"/>
+          </a:lnRef>
+          <a:fillRef idx="2">
+            <a:schemeClr val="accent6"/>
+          </a:fillRef>
+          <a:effectRef idx="1">
+            <a:schemeClr val="accent6"/>
+          </a:effectRef>
+          <a:fontRef idx="minor">
+            <a:schemeClr val="dk1"/>
+          </a:fontRef>
+        </p:style>
+        <p:txBody>
+          <a:bodyPr wrap="square" lIns="89551" tIns="89551" rIns="89551" bIns="89551" anchor="t" anchorCtr="0">
+            <a:spAutoFit/>
+          </a:bodyPr>
+          <a:lstStyle>
+            <a:lvl1pPr marL="0" indent="0" algn="ctr" defTabSz="4298410" rtl="0" eaLnBrk="1" latinLnBrk="0" hangingPunct="1">
+              <a:spcBef>
+                <a:spcPct val="20000"/>
+              </a:spcBef>
+              <a:buFont typeface="Arial" pitchFamily="34" charset="0"/>
+              <a:buNone/>
+              <a:defRPr sz="3900" b="1" u="sng" kern="1200" baseline="0">
+                <a:solidFill>
+                  <a:schemeClr val="accent5">
+                    <a:lumMod val="50000"/>
+                  </a:schemeClr>
+                </a:solidFill>
+                <a:latin typeface="+mn-lt"/>
+                <a:ea typeface="+mn-ea"/>
+                <a:cs typeface="+mn-cs"/>
+              </a:defRPr>
+            </a:lvl1pPr>
+            <a:lvl2pPr marL="3492457" indent="-1343252" algn="l" defTabSz="4298410" rtl="0" eaLnBrk="1" latinLnBrk="0" hangingPunct="1">
+              <a:spcBef>
+                <a:spcPct val="20000"/>
+              </a:spcBef>
+              <a:buFont typeface="Arial" pitchFamily="34" charset="0"/>
+              <a:buChar char="–"/>
+              <a:defRPr sz="13300" kern="1200">
+                <a:solidFill>
+                  <a:schemeClr val="dk1"/>
+                </a:solidFill>
+                <a:latin typeface="+mn-lt"/>
+                <a:ea typeface="+mn-ea"/>
+                <a:cs typeface="+mn-cs"/>
+              </a:defRPr>
+            </a:lvl2pPr>
+            <a:lvl3pPr marL="5373012" indent="-1074603" algn="l" defTabSz="4298410" rtl="0" eaLnBrk="1" latinLnBrk="0" hangingPunct="1">
+              <a:spcBef>
+                <a:spcPct val="20000"/>
+              </a:spcBef>
+              <a:buFont typeface="Arial" pitchFamily="34" charset="0"/>
+              <a:buChar char="•"/>
+              <a:defRPr sz="11300" kern="1200">
+                <a:solidFill>
+                  <a:schemeClr val="dk1"/>
+                </a:solidFill>
+                <a:latin typeface="+mn-lt"/>
+                <a:ea typeface="+mn-ea"/>
+                <a:cs typeface="+mn-cs"/>
+              </a:defRPr>
+            </a:lvl3pPr>
+            <a:lvl4pPr marL="7522217" indent="-1074603" algn="l" defTabSz="4298410" rtl="0" eaLnBrk="1" latinLnBrk="0" hangingPunct="1">
+              <a:spcBef>
+                <a:spcPct val="20000"/>
+              </a:spcBef>
+              <a:buFont typeface="Arial" pitchFamily="34" charset="0"/>
+              <a:buChar char="–"/>
+              <a:defRPr sz="9500" kern="1200">
+                <a:solidFill>
+                  <a:schemeClr val="dk1"/>
+                </a:solidFill>
+                <a:latin typeface="+mn-lt"/>
+                <a:ea typeface="+mn-ea"/>
+                <a:cs typeface="+mn-cs"/>
+              </a:defRPr>
+            </a:lvl4pPr>
+            <a:lvl5pPr marL="9671420" indent="-1074603" algn="l" defTabSz="4298410" rtl="0" eaLnBrk="1" latinLnBrk="0" hangingPunct="1">
+              <a:spcBef>
+                <a:spcPct val="20000"/>
+              </a:spcBef>
+              <a:buFont typeface="Arial" pitchFamily="34" charset="0"/>
+              <a:buChar char="»"/>
+              <a:defRPr sz="9500" kern="1200">
+                <a:solidFill>
+                  <a:schemeClr val="dk1"/>
+                </a:solidFill>
+                <a:latin typeface="+mn-lt"/>
+                <a:ea typeface="+mn-ea"/>
+                <a:cs typeface="+mn-cs"/>
+              </a:defRPr>
+            </a:lvl5pPr>
+            <a:lvl6pPr marL="11820625" indent="-1074603" algn="l" defTabSz="4298410" rtl="0" eaLnBrk="1" latinLnBrk="0" hangingPunct="1">
+              <a:spcBef>
+                <a:spcPct val="20000"/>
+              </a:spcBef>
+              <a:buFont typeface="Arial" pitchFamily="34" charset="0"/>
+              <a:buChar char="•"/>
+              <a:defRPr sz="9500" kern="1200">
+                <a:solidFill>
+                  <a:schemeClr val="dk1"/>
+                </a:solidFill>
+                <a:latin typeface="+mn-lt"/>
+                <a:ea typeface="+mn-ea"/>
+                <a:cs typeface="+mn-cs"/>
+              </a:defRPr>
+            </a:lvl6pPr>
+            <a:lvl7pPr marL="13969828" indent="-1074603" algn="l" defTabSz="4298410" rtl="0" eaLnBrk="1" latinLnBrk="0" hangingPunct="1">
+              <a:spcBef>
+                <a:spcPct val="20000"/>
+              </a:spcBef>
+              <a:buFont typeface="Arial" pitchFamily="34" charset="0"/>
+              <a:buChar char="•"/>
+              <a:defRPr sz="9500" kern="1200">
+                <a:solidFill>
+                  <a:schemeClr val="dk1"/>
+                </a:solidFill>
+                <a:latin typeface="+mn-lt"/>
+                <a:ea typeface="+mn-ea"/>
+                <a:cs typeface="+mn-cs"/>
+              </a:defRPr>
+            </a:lvl7pPr>
+            <a:lvl8pPr marL="16119034" indent="-1074603" algn="l" defTabSz="4298410" rtl="0" eaLnBrk="1" latinLnBrk="0" hangingPunct="1">
+              <a:spcBef>
+                <a:spcPct val="20000"/>
+              </a:spcBef>
+              <a:buFont typeface="Arial" pitchFamily="34" charset="0"/>
+              <a:buChar char="•"/>
+              <a:defRPr sz="9500" kern="1200">
+                <a:solidFill>
+                  <a:schemeClr val="dk1"/>
+                </a:solidFill>
+                <a:latin typeface="+mn-lt"/>
+                <a:ea typeface="+mn-ea"/>
+                <a:cs typeface="+mn-cs"/>
+              </a:defRPr>
+            </a:lvl8pPr>
+            <a:lvl9pPr marL="18268238" indent="-1074603" algn="l" defTabSz="4298410" rtl="0" eaLnBrk="1" latinLnBrk="0" hangingPunct="1">
+              <a:spcBef>
+                <a:spcPct val="20000"/>
+              </a:spcBef>
+              <a:buFont typeface="Arial" pitchFamily="34" charset="0"/>
+              <a:buChar char="•"/>
+              <a:defRPr sz="9500" kern="1200">
+                <a:solidFill>
+                  <a:schemeClr val="dk1"/>
+                </a:solidFill>
+                <a:latin typeface="+mn-lt"/>
+                <a:ea typeface="+mn-ea"/>
+                <a:cs typeface="+mn-cs"/>
+              </a:defRPr>
+            </a:lvl9pPr>
+          </a:lstStyle>
+          <a:p>
+            <a:r>
+              <a:rPr lang="en-US" sz="5400" u="none" dirty="0">
+                <a:solidFill>
+                  <a:schemeClr val="bg1"/>
+                </a:solidFill>
+              </a:rPr>
+              <a:t>Data and Methods</a:t>
+            </a:r>
+          </a:p>
+        </p:txBody>
+      </p:sp>
+      <p:sp>
+        <p:nvSpPr>
+          <p:cNvPr id="25" name="Text Placeholder 2">
+            <a:extLst>
+              <a:ext uri="{FF2B5EF4-FFF2-40B4-BE49-F238E27FC236}">
+                <a16:creationId xmlns:a16="http://schemas.microsoft.com/office/drawing/2014/main" id="{F67E6FED-8F82-BCB7-3858-B9E60975B796}"/>
+              </a:ext>
+            </a:extLst>
+          </p:cNvPr>
+          <p:cNvSpPr txBox="1">
+            <a:spLocks/>
+          </p:cNvSpPr>
+          <p:nvPr/>
+        </p:nvSpPr>
+        <p:spPr>
+          <a:xfrm>
+            <a:off x="632523" y="22316366"/>
+            <a:ext cx="19223068" cy="1011848"/>
+          </a:xfrm>
+          <a:prstGeom prst="rect">
+            <a:avLst/>
+          </a:prstGeom>
+          <a:solidFill>
+            <a:srgbClr val="E2212D"/>
+          </a:solidFill>
+        </p:spPr>
+        <p:style>
+          <a:lnRef idx="1">
+            <a:schemeClr val="accent6"/>
+          </a:lnRef>
+          <a:fillRef idx="2">
+            <a:schemeClr val="accent6"/>
+          </a:fillRef>
+          <a:effectRef idx="1">
+            <a:schemeClr val="accent6"/>
+          </a:effectRef>
+          <a:fontRef idx="minor">
+            <a:schemeClr val="dk1"/>
+          </a:fontRef>
+        </p:style>
+        <p:txBody>
+          <a:bodyPr wrap="square" lIns="89551" tIns="89551" rIns="89551" bIns="89551" anchor="t" anchorCtr="0">
+            <a:spAutoFit/>
+          </a:bodyPr>
+          <a:lstStyle>
+            <a:lvl1pPr marL="0" indent="0" algn="ctr" defTabSz="4298410" rtl="0" eaLnBrk="1" latinLnBrk="0" hangingPunct="1">
+              <a:spcBef>
+                <a:spcPct val="20000"/>
+              </a:spcBef>
+              <a:buFont typeface="Arial" pitchFamily="34" charset="0"/>
+              <a:buNone/>
+              <a:defRPr sz="3900" b="1" u="sng" kern="1200" baseline="0">
+                <a:solidFill>
+                  <a:schemeClr val="accent5">
+                    <a:lumMod val="50000"/>
+                  </a:schemeClr>
+                </a:solidFill>
+                <a:latin typeface="+mn-lt"/>
+                <a:ea typeface="+mn-ea"/>
+                <a:cs typeface="+mn-cs"/>
+              </a:defRPr>
+            </a:lvl1pPr>
+            <a:lvl2pPr marL="3492457" indent="-1343252" algn="l" defTabSz="4298410" rtl="0" eaLnBrk="1" latinLnBrk="0" hangingPunct="1">
+              <a:spcBef>
+                <a:spcPct val="20000"/>
+              </a:spcBef>
+              <a:buFont typeface="Arial" pitchFamily="34" charset="0"/>
+              <a:buChar char="–"/>
+              <a:defRPr sz="13300" kern="1200">
+                <a:solidFill>
+                  <a:schemeClr val="dk1"/>
+                </a:solidFill>
+                <a:latin typeface="+mn-lt"/>
+                <a:ea typeface="+mn-ea"/>
+                <a:cs typeface="+mn-cs"/>
+              </a:defRPr>
+            </a:lvl2pPr>
+            <a:lvl3pPr marL="5373012" indent="-1074603" algn="l" defTabSz="4298410" rtl="0" eaLnBrk="1" latinLnBrk="0" hangingPunct="1">
+              <a:spcBef>
+                <a:spcPct val="20000"/>
+              </a:spcBef>
+              <a:buFont typeface="Arial" pitchFamily="34" charset="0"/>
+              <a:buChar char="•"/>
+              <a:defRPr sz="11300" kern="1200">
+                <a:solidFill>
+                  <a:schemeClr val="dk1"/>
+                </a:solidFill>
+                <a:latin typeface="+mn-lt"/>
+                <a:ea typeface="+mn-ea"/>
+                <a:cs typeface="+mn-cs"/>
+              </a:defRPr>
+            </a:lvl3pPr>
+            <a:lvl4pPr marL="7522217" indent="-1074603" algn="l" defTabSz="4298410" rtl="0" eaLnBrk="1" latinLnBrk="0" hangingPunct="1">
+              <a:spcBef>
+                <a:spcPct val="20000"/>
+              </a:spcBef>
+              <a:buFont typeface="Arial" pitchFamily="34" charset="0"/>
+              <a:buChar char="–"/>
+              <a:defRPr sz="9500" kern="1200">
+                <a:solidFill>
+                  <a:schemeClr val="dk1"/>
+                </a:solidFill>
+                <a:latin typeface="+mn-lt"/>
+                <a:ea typeface="+mn-ea"/>
+                <a:cs typeface="+mn-cs"/>
+              </a:defRPr>
+            </a:lvl4pPr>
+            <a:lvl5pPr marL="9671420" indent="-1074603" algn="l" defTabSz="4298410" rtl="0" eaLnBrk="1" latinLnBrk="0" hangingPunct="1">
+              <a:spcBef>
+                <a:spcPct val="20000"/>
+              </a:spcBef>
+              <a:buFont typeface="Arial" pitchFamily="34" charset="0"/>
+              <a:buChar char="»"/>
+              <a:defRPr sz="9500" kern="1200">
+                <a:solidFill>
+                  <a:schemeClr val="dk1"/>
+                </a:solidFill>
+                <a:latin typeface="+mn-lt"/>
+                <a:ea typeface="+mn-ea"/>
+                <a:cs typeface="+mn-cs"/>
+              </a:defRPr>
+            </a:lvl5pPr>
+            <a:lvl6pPr marL="11820625" indent="-1074603" algn="l" defTabSz="4298410" rtl="0" eaLnBrk="1" latinLnBrk="0" hangingPunct="1">
+              <a:spcBef>
+                <a:spcPct val="20000"/>
+              </a:spcBef>
+              <a:buFont typeface="Arial" pitchFamily="34" charset="0"/>
+              <a:buChar char="•"/>
+              <a:defRPr sz="9500" kern="1200">
+                <a:solidFill>
+                  <a:schemeClr val="dk1"/>
+                </a:solidFill>
+                <a:latin typeface="+mn-lt"/>
+                <a:ea typeface="+mn-ea"/>
+                <a:cs typeface="+mn-cs"/>
+              </a:defRPr>
+            </a:lvl6pPr>
+            <a:lvl7pPr marL="13969828" indent="-1074603" algn="l" defTabSz="4298410" rtl="0" eaLnBrk="1" latinLnBrk="0" hangingPunct="1">
+              <a:spcBef>
+                <a:spcPct val="20000"/>
+              </a:spcBef>
+              <a:buFont typeface="Arial" pitchFamily="34" charset="0"/>
+              <a:buChar char="•"/>
+              <a:defRPr sz="9500" kern="1200">
+                <a:solidFill>
+                  <a:schemeClr val="dk1"/>
+                </a:solidFill>
+                <a:latin typeface="+mn-lt"/>
+                <a:ea typeface="+mn-ea"/>
+                <a:cs typeface="+mn-cs"/>
+              </a:defRPr>
+            </a:lvl7pPr>
+            <a:lvl8pPr marL="16119034" indent="-1074603" algn="l" defTabSz="4298410" rtl="0" eaLnBrk="1" latinLnBrk="0" hangingPunct="1">
+              <a:spcBef>
+                <a:spcPct val="20000"/>
+              </a:spcBef>
+              <a:buFont typeface="Arial" pitchFamily="34" charset="0"/>
+              <a:buChar char="•"/>
+              <a:defRPr sz="9500" kern="1200">
+                <a:solidFill>
+                  <a:schemeClr val="dk1"/>
+                </a:solidFill>
+                <a:latin typeface="+mn-lt"/>
+                <a:ea typeface="+mn-ea"/>
+                <a:cs typeface="+mn-cs"/>
+              </a:defRPr>
+            </a:lvl8pPr>
+            <a:lvl9pPr marL="18268238" indent="-1074603" algn="l" defTabSz="4298410" rtl="0" eaLnBrk="1" latinLnBrk="0" hangingPunct="1">
+              <a:spcBef>
+                <a:spcPct val="20000"/>
+              </a:spcBef>
+              <a:buFont typeface="Arial" pitchFamily="34" charset="0"/>
+              <a:buChar char="•"/>
+              <a:defRPr sz="9500" kern="1200">
+                <a:solidFill>
+                  <a:schemeClr val="dk1"/>
+                </a:solidFill>
+                <a:latin typeface="+mn-lt"/>
+                <a:ea typeface="+mn-ea"/>
+                <a:cs typeface="+mn-cs"/>
+              </a:defRPr>
+            </a:lvl9pPr>
+          </a:lstStyle>
+          <a:p>
+            <a:r>
+              <a:rPr lang="en-US" sz="5400" u="none" dirty="0">
+                <a:solidFill>
+                  <a:schemeClr val="bg1"/>
+                </a:solidFill>
+              </a:rPr>
+              <a:t>Results</a:t>
+            </a:r>
+          </a:p>
+        </p:txBody>
+      </p:sp>
+      <p:sp>
+        <p:nvSpPr>
+          <p:cNvPr id="4" name="Rectangle 3">
+            <a:extLst>
+              <a:ext uri="{FF2B5EF4-FFF2-40B4-BE49-F238E27FC236}">
+                <a16:creationId xmlns:a16="http://schemas.microsoft.com/office/drawing/2014/main" id="{3B610ECF-1CD3-EF05-5D0B-12B42BF06E40}"/>
+              </a:ext>
+            </a:extLst>
+          </p:cNvPr>
+          <p:cNvSpPr/>
+          <p:nvPr/>
+        </p:nvSpPr>
+        <p:spPr>
+          <a:xfrm>
+            <a:off x="1588168" y="41581136"/>
+            <a:ext cx="2502732" cy="502803"/>
+          </a:xfrm>
+          <a:prstGeom prst="rect">
+            <a:avLst/>
+          </a:prstGeom>
+          <a:solidFill>
+            <a:srgbClr val="DBE1D3"/>
+          </a:solidFill>
+          <a:ln>
+            <a:noFill/>
+          </a:ln>
+        </p:spPr>
+        <p:style>
+          <a:lnRef idx="2">
+            <a:schemeClr val="accent1">
+              <a:shade val="15000"/>
+            </a:schemeClr>
+          </a:lnRef>
+          <a:fillRef idx="1">
+            <a:schemeClr val="accent1"/>
+          </a:fillRef>
+          <a:effectRef idx="0">
+            <a:schemeClr val="accent1"/>
+          </a:effectRef>
+          <a:fontRef idx="minor">
+            <a:schemeClr val="lt1"/>
+          </a:fontRef>
+        </p:style>
+        <p:txBody>
+          <a:bodyPr rtlCol="0" anchor="ctr"/>
           <a:lstStyle/>
           <a:p>
-            <a:endParaRPr lang="en-US" b="1" dirty="0">
+            <a:pPr algn="ctr"/>
+            <a:endParaRPr lang="en-US"/>
+          </a:p>
+        </p:txBody>
+      </p:sp>
+      <p:pic>
+        <p:nvPicPr>
+          <p:cNvPr id="5" name="Picture 4" descr="A graph showing the average imb score&#10;&#10;Description automatically generated">
+            <a:extLst>
+              <a:ext uri="{FF2B5EF4-FFF2-40B4-BE49-F238E27FC236}">
+                <a16:creationId xmlns:a16="http://schemas.microsoft.com/office/drawing/2014/main" id="{10A08F59-124E-CBB5-369C-3241EB3258A6}"/>
+              </a:ext>
+            </a:extLst>
+          </p:cNvPr>
+          <p:cNvPicPr>
+            <a:picLocks noChangeAspect="1"/>
+          </p:cNvPicPr>
+          <p:nvPr/>
+        </p:nvPicPr>
+        <p:blipFill>
+          <a:blip r:embed="rId3"/>
+          <a:stretch>
+            <a:fillRect/>
+          </a:stretch>
+        </p:blipFill>
+        <p:spPr>
+          <a:xfrm>
+            <a:off x="17135309" y="5110432"/>
+            <a:ext cx="12313953" cy="6816152"/>
+          </a:xfrm>
+          <a:prstGeom prst="rect">
+            <a:avLst/>
+          </a:prstGeom>
+        </p:spPr>
+      </p:pic>
+      <p:pic>
+        <p:nvPicPr>
+          <p:cNvPr id="10" name="Picture 9" descr="A screenshot of a graph&#10;&#10;Description automatically generated">
+            <a:extLst>
+              <a:ext uri="{FF2B5EF4-FFF2-40B4-BE49-F238E27FC236}">
+                <a16:creationId xmlns:a16="http://schemas.microsoft.com/office/drawing/2014/main" id="{8FA0E97F-3A74-474A-A06C-43CCEB49B456}"/>
+              </a:ext>
+            </a:extLst>
+          </p:cNvPr>
+          <p:cNvPicPr>
+            <a:picLocks noChangeAspect="1"/>
+          </p:cNvPicPr>
+          <p:nvPr/>
+        </p:nvPicPr>
+        <p:blipFill rotWithShape="1">
+          <a:blip r:embed="rId4"/>
+          <a:srcRect l="-1" r="230" b="-8"/>
+          <a:stretch/>
+        </p:blipFill>
+        <p:spPr bwMode="auto">
+          <a:xfrm>
+            <a:off x="632524" y="23892477"/>
+            <a:ext cx="19223066" cy="7153338"/>
+          </a:xfrm>
+          <a:prstGeom prst="rect">
+            <a:avLst/>
+          </a:prstGeom>
+          <a:ln>
+            <a:noFill/>
+          </a:ln>
+          <a:extLst>
+            <a:ext uri="{53640926-AAD7-44D8-BBD7-CCE9431645EC}">
+              <a14:shadowObscured xmlns:a14="http://schemas.microsoft.com/office/drawing/2010/main"/>
+            </a:ext>
+          </a:extLst>
+        </p:spPr>
+      </p:pic>
+      <p:pic>
+        <p:nvPicPr>
+          <p:cNvPr id="11" name="Picture 10" descr="A screenshot of a graph&#10;&#10;Description automatically generated">
+            <a:extLst>
+              <a:ext uri="{FF2B5EF4-FFF2-40B4-BE49-F238E27FC236}">
+                <a16:creationId xmlns:a16="http://schemas.microsoft.com/office/drawing/2014/main" id="{5C442339-6F6B-E5AF-FCA5-20A655149C68}"/>
+              </a:ext>
+            </a:extLst>
+          </p:cNvPr>
+          <p:cNvPicPr>
+            <a:picLocks noChangeAspect="1"/>
+          </p:cNvPicPr>
+          <p:nvPr/>
+        </p:nvPicPr>
+        <p:blipFill>
+          <a:blip r:embed="rId5"/>
+          <a:stretch>
+            <a:fillRect/>
+          </a:stretch>
+        </p:blipFill>
+        <p:spPr>
+          <a:xfrm>
+            <a:off x="632524" y="31529102"/>
+            <a:ext cx="19223066" cy="9555688"/>
+          </a:xfrm>
+          <a:prstGeom prst="rect">
+            <a:avLst/>
+          </a:prstGeom>
+        </p:spPr>
+      </p:pic>
+      <p:pic>
+        <p:nvPicPr>
+          <p:cNvPr id="15" name="Picture 14" descr="A graph of a number of different colored lines&#10;&#10;Description automatically generated with medium confidence">
+            <a:extLst>
+              <a:ext uri="{FF2B5EF4-FFF2-40B4-BE49-F238E27FC236}">
+                <a16:creationId xmlns:a16="http://schemas.microsoft.com/office/drawing/2014/main" id="{072EC0A4-7921-25E4-9100-35ED726CDD84}"/>
+              </a:ext>
+            </a:extLst>
+          </p:cNvPr>
+          <p:cNvPicPr>
+            <a:picLocks noChangeAspect="1"/>
+          </p:cNvPicPr>
+          <p:nvPr/>
+        </p:nvPicPr>
+        <p:blipFill>
+          <a:blip r:embed="rId6"/>
+          <a:stretch>
+            <a:fillRect/>
+          </a:stretch>
+        </p:blipFill>
+        <p:spPr>
+          <a:xfrm>
+            <a:off x="17161329" y="13970777"/>
+            <a:ext cx="12287933" cy="6687426"/>
+          </a:xfrm>
+          <a:prstGeom prst="rect">
+            <a:avLst/>
+          </a:prstGeom>
+        </p:spPr>
+      </p:pic>
+      <p:pic>
+        <p:nvPicPr>
+          <p:cNvPr id="1030" name="Picture 6">
+            <a:extLst>
+              <a:ext uri="{FF2B5EF4-FFF2-40B4-BE49-F238E27FC236}">
+                <a16:creationId xmlns:a16="http://schemas.microsoft.com/office/drawing/2014/main" id="{FB2F9B05-A1E9-BCFD-E1FE-C45E312F5D0F}"/>
+              </a:ext>
+            </a:extLst>
+          </p:cNvPr>
+          <p:cNvPicPr>
+            <a:picLocks noChangeAspect="1" noChangeArrowheads="1"/>
+          </p:cNvPicPr>
+          <p:nvPr/>
+        </p:nvPicPr>
+        <p:blipFill>
+          <a:blip r:embed="rId7">
+            <a:extLst>
+              <a:ext uri="{28A0092B-C50C-407E-A947-70E740481C1C}">
+                <a14:useLocalDpi xmlns:a14="http://schemas.microsoft.com/office/drawing/2010/main" val="0"/>
+              </a:ext>
+            </a:extLst>
+          </a:blip>
+          <a:srcRect/>
+          <a:stretch>
+            <a:fillRect/>
+          </a:stretch>
+        </p:blipFill>
+        <p:spPr bwMode="auto">
+          <a:xfrm>
+            <a:off x="1825106" y="839249"/>
+            <a:ext cx="26705896" cy="1266228"/>
+          </a:xfrm>
+          <a:prstGeom prst="rect">
+            <a:avLst/>
+          </a:prstGeom>
+          <a:noFill/>
+          <a:extLst>
+            <a:ext uri="{909E8E84-426E-40DD-AFC4-6F175D3DCCD1}">
+              <a14:hiddenFill xmlns:a14="http://schemas.microsoft.com/office/drawing/2010/main">
+                <a:solidFill>
+                  <a:srgbClr val="FFFFFF"/>
+                </a:solidFill>
+              </a14:hiddenFill>
+            </a:ext>
+          </a:extLst>
+        </p:spPr>
+      </p:pic>
+      <p:sp>
+        <p:nvSpPr>
+          <p:cNvPr id="16" name="Text Placeholder 2">
+            <a:extLst>
+              <a:ext uri="{FF2B5EF4-FFF2-40B4-BE49-F238E27FC236}">
+                <a16:creationId xmlns:a16="http://schemas.microsoft.com/office/drawing/2014/main" id="{43C8EE35-AB19-7710-EF15-4BAA568357B5}"/>
+              </a:ext>
+            </a:extLst>
+          </p:cNvPr>
+          <p:cNvSpPr txBox="1">
+            <a:spLocks/>
+          </p:cNvSpPr>
+          <p:nvPr/>
+        </p:nvSpPr>
+        <p:spPr>
+          <a:xfrm>
+            <a:off x="20160343" y="22316366"/>
+            <a:ext cx="9482348" cy="1011848"/>
+          </a:xfrm>
+          <a:prstGeom prst="rect">
+            <a:avLst/>
+          </a:prstGeom>
+          <a:solidFill>
+            <a:srgbClr val="E2212D"/>
+          </a:solidFill>
+        </p:spPr>
+        <p:style>
+          <a:lnRef idx="1">
+            <a:schemeClr val="accent6"/>
+          </a:lnRef>
+          <a:fillRef idx="2">
+            <a:schemeClr val="accent6"/>
+          </a:fillRef>
+          <a:effectRef idx="1">
+            <a:schemeClr val="accent6"/>
+          </a:effectRef>
+          <a:fontRef idx="minor">
+            <a:schemeClr val="dk1"/>
+          </a:fontRef>
+        </p:style>
+        <p:txBody>
+          <a:bodyPr wrap="square" lIns="89551" tIns="89551" rIns="89551" bIns="89551" anchor="t" anchorCtr="0">
+            <a:spAutoFit/>
+          </a:bodyPr>
+          <a:lstStyle>
+            <a:lvl1pPr marL="0" indent="0" algn="ctr" defTabSz="4298410" rtl="0" eaLnBrk="1" latinLnBrk="0" hangingPunct="1">
+              <a:spcBef>
+                <a:spcPct val="20000"/>
+              </a:spcBef>
+              <a:buFont typeface="Arial" pitchFamily="34" charset="0"/>
+              <a:buNone/>
+              <a:defRPr sz="3900" b="1" u="sng" kern="1200" baseline="0">
+                <a:solidFill>
+                  <a:schemeClr val="accent5">
+                    <a:lumMod val="50000"/>
+                  </a:schemeClr>
+                </a:solidFill>
+                <a:latin typeface="+mn-lt"/>
+                <a:ea typeface="+mn-ea"/>
+                <a:cs typeface="+mn-cs"/>
+              </a:defRPr>
+            </a:lvl1pPr>
+            <a:lvl2pPr marL="3492457" indent="-1343252" algn="l" defTabSz="4298410" rtl="0" eaLnBrk="1" latinLnBrk="0" hangingPunct="1">
+              <a:spcBef>
+                <a:spcPct val="20000"/>
+              </a:spcBef>
+              <a:buFont typeface="Arial" pitchFamily="34" charset="0"/>
+              <a:buChar char="–"/>
+              <a:defRPr sz="13300" kern="1200">
+                <a:solidFill>
+                  <a:schemeClr val="dk1"/>
+                </a:solidFill>
+                <a:latin typeface="+mn-lt"/>
+                <a:ea typeface="+mn-ea"/>
+                <a:cs typeface="+mn-cs"/>
+              </a:defRPr>
+            </a:lvl2pPr>
+            <a:lvl3pPr marL="5373012" indent="-1074603" algn="l" defTabSz="4298410" rtl="0" eaLnBrk="1" latinLnBrk="0" hangingPunct="1">
+              <a:spcBef>
+                <a:spcPct val="20000"/>
+              </a:spcBef>
+              <a:buFont typeface="Arial" pitchFamily="34" charset="0"/>
+              <a:buChar char="•"/>
+              <a:defRPr sz="11300" kern="1200">
+                <a:solidFill>
+                  <a:schemeClr val="dk1"/>
+                </a:solidFill>
+                <a:latin typeface="+mn-lt"/>
+                <a:ea typeface="+mn-ea"/>
+                <a:cs typeface="+mn-cs"/>
+              </a:defRPr>
+            </a:lvl3pPr>
+            <a:lvl4pPr marL="7522217" indent="-1074603" algn="l" defTabSz="4298410" rtl="0" eaLnBrk="1" latinLnBrk="0" hangingPunct="1">
+              <a:spcBef>
+                <a:spcPct val="20000"/>
+              </a:spcBef>
+              <a:buFont typeface="Arial" pitchFamily="34" charset="0"/>
+              <a:buChar char="–"/>
+              <a:defRPr sz="9500" kern="1200">
+                <a:solidFill>
+                  <a:schemeClr val="dk1"/>
+                </a:solidFill>
+                <a:latin typeface="+mn-lt"/>
+                <a:ea typeface="+mn-ea"/>
+                <a:cs typeface="+mn-cs"/>
+              </a:defRPr>
+            </a:lvl4pPr>
+            <a:lvl5pPr marL="9671420" indent="-1074603" algn="l" defTabSz="4298410" rtl="0" eaLnBrk="1" latinLnBrk="0" hangingPunct="1">
+              <a:spcBef>
+                <a:spcPct val="20000"/>
+              </a:spcBef>
+              <a:buFont typeface="Arial" pitchFamily="34" charset="0"/>
+              <a:buChar char="»"/>
+              <a:defRPr sz="9500" kern="1200">
+                <a:solidFill>
+                  <a:schemeClr val="dk1"/>
+                </a:solidFill>
+                <a:latin typeface="+mn-lt"/>
+                <a:ea typeface="+mn-ea"/>
+                <a:cs typeface="+mn-cs"/>
+              </a:defRPr>
+            </a:lvl5pPr>
+            <a:lvl6pPr marL="11820625" indent="-1074603" algn="l" defTabSz="4298410" rtl="0" eaLnBrk="1" latinLnBrk="0" hangingPunct="1">
+              <a:spcBef>
+                <a:spcPct val="20000"/>
+              </a:spcBef>
+              <a:buFont typeface="Arial" pitchFamily="34" charset="0"/>
+              <a:buChar char="•"/>
+              <a:defRPr sz="9500" kern="1200">
+                <a:solidFill>
+                  <a:schemeClr val="dk1"/>
+                </a:solidFill>
+                <a:latin typeface="+mn-lt"/>
+                <a:ea typeface="+mn-ea"/>
+                <a:cs typeface="+mn-cs"/>
+              </a:defRPr>
+            </a:lvl6pPr>
+            <a:lvl7pPr marL="13969828" indent="-1074603" algn="l" defTabSz="4298410" rtl="0" eaLnBrk="1" latinLnBrk="0" hangingPunct="1">
+              <a:spcBef>
+                <a:spcPct val="20000"/>
+              </a:spcBef>
+              <a:buFont typeface="Arial" pitchFamily="34" charset="0"/>
+              <a:buChar char="•"/>
+              <a:defRPr sz="9500" kern="1200">
+                <a:solidFill>
+                  <a:schemeClr val="dk1"/>
+                </a:solidFill>
+                <a:latin typeface="+mn-lt"/>
+                <a:ea typeface="+mn-ea"/>
+                <a:cs typeface="+mn-cs"/>
+              </a:defRPr>
+            </a:lvl7pPr>
+            <a:lvl8pPr marL="16119034" indent="-1074603" algn="l" defTabSz="4298410" rtl="0" eaLnBrk="1" latinLnBrk="0" hangingPunct="1">
+              <a:spcBef>
+                <a:spcPct val="20000"/>
+              </a:spcBef>
+              <a:buFont typeface="Arial" pitchFamily="34" charset="0"/>
+              <a:buChar char="•"/>
+              <a:defRPr sz="9500" kern="1200">
+                <a:solidFill>
+                  <a:schemeClr val="dk1"/>
+                </a:solidFill>
+                <a:latin typeface="+mn-lt"/>
+                <a:ea typeface="+mn-ea"/>
+                <a:cs typeface="+mn-cs"/>
+              </a:defRPr>
+            </a:lvl8pPr>
+            <a:lvl9pPr marL="18268238" indent="-1074603" algn="l" defTabSz="4298410" rtl="0" eaLnBrk="1" latinLnBrk="0" hangingPunct="1">
+              <a:spcBef>
+                <a:spcPct val="20000"/>
+              </a:spcBef>
+              <a:buFont typeface="Arial" pitchFamily="34" charset="0"/>
+              <a:buChar char="•"/>
+              <a:defRPr sz="9500" kern="1200">
+                <a:solidFill>
+                  <a:schemeClr val="dk1"/>
+                </a:solidFill>
+                <a:latin typeface="+mn-lt"/>
+                <a:ea typeface="+mn-ea"/>
+                <a:cs typeface="+mn-cs"/>
+              </a:defRPr>
+            </a:lvl9pPr>
+          </a:lstStyle>
+          <a:p>
+            <a:r>
+              <a:rPr lang="en-US" sz="5400" u="none" dirty="0">
+                <a:solidFill>
+                  <a:schemeClr val="bg1"/>
+                </a:solidFill>
+              </a:rPr>
+              <a:t>Conclusion</a:t>
+            </a:r>
+          </a:p>
+        </p:txBody>
+      </p:sp>
+      <p:sp>
+        <p:nvSpPr>
+          <p:cNvPr id="17" name="Text Placeholder 1">
+            <a:extLst>
+              <a:ext uri="{FF2B5EF4-FFF2-40B4-BE49-F238E27FC236}">
+                <a16:creationId xmlns:a16="http://schemas.microsoft.com/office/drawing/2014/main" id="{9BCC81EB-7297-78D4-DC47-3E4F0B33B00E}"/>
+              </a:ext>
+            </a:extLst>
+          </p:cNvPr>
+          <p:cNvSpPr txBox="1">
+            <a:spLocks/>
+          </p:cNvSpPr>
+          <p:nvPr/>
+        </p:nvSpPr>
+        <p:spPr>
+          <a:xfrm>
+            <a:off x="20160342" y="23833224"/>
+            <a:ext cx="9482349" cy="12775500"/>
+          </a:xfrm>
+          <a:prstGeom prst="rect">
+            <a:avLst/>
+          </a:prstGeom>
+          <a:noFill/>
+          <a:ln>
+            <a:solidFill>
+              <a:srgbClr val="E2212D"/>
+            </a:solidFill>
+          </a:ln>
+        </p:spPr>
+        <p:style>
+          <a:lnRef idx="2">
+            <a:schemeClr val="accent6"/>
+          </a:lnRef>
+          <a:fillRef idx="1">
+            <a:schemeClr val="lt1"/>
+          </a:fillRef>
+          <a:effectRef idx="0">
+            <a:schemeClr val="accent6"/>
+          </a:effectRef>
+          <a:fontRef idx="minor">
+            <a:schemeClr val="dk1"/>
+          </a:fontRef>
+        </p:style>
+        <p:txBody>
+          <a:bodyPr wrap="square" lIns="223877" tIns="223877" rIns="223877" bIns="223877" anchor="t" anchorCtr="0">
+            <a:spAutoFit/>
+          </a:bodyPr>
+          <a:lstStyle>
+            <a:lvl1pPr marL="0" indent="0" algn="l" defTabSz="4298410" rtl="0" eaLnBrk="1" latinLnBrk="0" hangingPunct="1">
+              <a:spcBef>
+                <a:spcPct val="20000"/>
+              </a:spcBef>
+              <a:buFont typeface="Arial" pitchFamily="34" charset="0"/>
+              <a:buNone/>
+              <a:defRPr sz="2800" kern="1200">
+                <a:solidFill>
+                  <a:schemeClr val="accent5">
+                    <a:lumMod val="50000"/>
+                  </a:schemeClr>
+                </a:solidFill>
+                <a:latin typeface="Times New Roman" panose="02020603050405020304" pitchFamily="18" charset="0"/>
+                <a:ea typeface="+mn-ea"/>
+                <a:cs typeface="Times New Roman" panose="02020603050405020304" pitchFamily="18" charset="0"/>
+              </a:defRPr>
+            </a:lvl1pPr>
+            <a:lvl2pPr marL="1455191" indent="-559688" algn="l" defTabSz="4298410" rtl="0" eaLnBrk="1" latinLnBrk="0" hangingPunct="1">
+              <a:spcBef>
+                <a:spcPct val="20000"/>
+              </a:spcBef>
+              <a:buFont typeface="Arial" pitchFamily="34" charset="0"/>
+              <a:buChar char="–"/>
+              <a:defRPr sz="2500" kern="1200">
+                <a:solidFill>
+                  <a:schemeClr val="dk1"/>
+                </a:solidFill>
+                <a:latin typeface="Trebuchet MS" pitchFamily="34" charset="0"/>
+                <a:ea typeface="+mn-ea"/>
+                <a:cs typeface="+mn-cs"/>
+              </a:defRPr>
+            </a:lvl2pPr>
+            <a:lvl3pPr marL="2014879" indent="-559688" algn="l" defTabSz="4298410" rtl="0" eaLnBrk="1" latinLnBrk="0" hangingPunct="1">
+              <a:spcBef>
+                <a:spcPct val="20000"/>
+              </a:spcBef>
+              <a:buFont typeface="Arial" pitchFamily="34" charset="0"/>
+              <a:buChar char="•"/>
+              <a:defRPr sz="2500" kern="1200">
+                <a:solidFill>
+                  <a:schemeClr val="dk1"/>
+                </a:solidFill>
+                <a:latin typeface="Trebuchet MS" pitchFamily="34" charset="0"/>
+                <a:ea typeface="+mn-ea"/>
+                <a:cs typeface="+mn-cs"/>
+              </a:defRPr>
+            </a:lvl3pPr>
+            <a:lvl4pPr marL="2630537" indent="-615658" algn="l" defTabSz="4298410" rtl="0" eaLnBrk="1" latinLnBrk="0" hangingPunct="1">
+              <a:spcBef>
+                <a:spcPct val="20000"/>
+              </a:spcBef>
+              <a:buFont typeface="Arial" pitchFamily="34" charset="0"/>
+              <a:buChar char="–"/>
+              <a:defRPr sz="2500" kern="1200">
+                <a:solidFill>
+                  <a:schemeClr val="dk1"/>
+                </a:solidFill>
+                <a:latin typeface="Trebuchet MS" pitchFamily="34" charset="0"/>
+                <a:ea typeface="+mn-ea"/>
+                <a:cs typeface="+mn-cs"/>
+              </a:defRPr>
+            </a:lvl4pPr>
+            <a:lvl5pPr marL="3078288" indent="-447751" algn="l" defTabSz="4298410" rtl="0" eaLnBrk="1" latinLnBrk="0" hangingPunct="1">
+              <a:spcBef>
+                <a:spcPct val="20000"/>
+              </a:spcBef>
+              <a:buFont typeface="Arial" pitchFamily="34" charset="0"/>
+              <a:buChar char="»"/>
+              <a:defRPr sz="2500" kern="1200">
+                <a:solidFill>
+                  <a:schemeClr val="dk1"/>
+                </a:solidFill>
+                <a:latin typeface="Trebuchet MS" pitchFamily="34" charset="0"/>
+                <a:ea typeface="+mn-ea"/>
+                <a:cs typeface="+mn-cs"/>
+              </a:defRPr>
+            </a:lvl5pPr>
+            <a:lvl6pPr marL="11820625" indent="-1074603" algn="l" defTabSz="4298410" rtl="0" eaLnBrk="1" latinLnBrk="0" hangingPunct="1">
+              <a:spcBef>
+                <a:spcPct val="20000"/>
+              </a:spcBef>
+              <a:buFont typeface="Arial" pitchFamily="34" charset="0"/>
+              <a:buChar char="•"/>
+              <a:defRPr sz="9500" kern="1200">
+                <a:solidFill>
+                  <a:schemeClr val="dk1"/>
+                </a:solidFill>
+                <a:latin typeface="+mn-lt"/>
+                <a:ea typeface="+mn-ea"/>
+                <a:cs typeface="+mn-cs"/>
+              </a:defRPr>
+            </a:lvl6pPr>
+            <a:lvl7pPr marL="13969828" indent="-1074603" algn="l" defTabSz="4298410" rtl="0" eaLnBrk="1" latinLnBrk="0" hangingPunct="1">
+              <a:spcBef>
+                <a:spcPct val="20000"/>
+              </a:spcBef>
+              <a:buFont typeface="Arial" pitchFamily="34" charset="0"/>
+              <a:buChar char="•"/>
+              <a:defRPr sz="9500" kern="1200">
+                <a:solidFill>
+                  <a:schemeClr val="dk1"/>
+                </a:solidFill>
+                <a:latin typeface="+mn-lt"/>
+                <a:ea typeface="+mn-ea"/>
+                <a:cs typeface="+mn-cs"/>
+              </a:defRPr>
+            </a:lvl7pPr>
+            <a:lvl8pPr marL="16119034" indent="-1074603" algn="l" defTabSz="4298410" rtl="0" eaLnBrk="1" latinLnBrk="0" hangingPunct="1">
+              <a:spcBef>
+                <a:spcPct val="20000"/>
+              </a:spcBef>
+              <a:buFont typeface="Arial" pitchFamily="34" charset="0"/>
+              <a:buChar char="•"/>
+              <a:defRPr sz="9500" kern="1200">
+                <a:solidFill>
+                  <a:schemeClr val="dk1"/>
+                </a:solidFill>
+                <a:latin typeface="+mn-lt"/>
+                <a:ea typeface="+mn-ea"/>
+                <a:cs typeface="+mn-cs"/>
+              </a:defRPr>
+            </a:lvl8pPr>
+            <a:lvl9pPr marL="18268238" indent="-1074603" algn="l" defTabSz="4298410" rtl="0" eaLnBrk="1" latinLnBrk="0" hangingPunct="1">
+              <a:spcBef>
+                <a:spcPct val="20000"/>
+              </a:spcBef>
+              <a:buFont typeface="Arial" pitchFamily="34" charset="0"/>
+              <a:buChar char="•"/>
+              <a:defRPr sz="9500" kern="1200">
+                <a:solidFill>
+                  <a:schemeClr val="dk1"/>
+                </a:solidFill>
+                <a:latin typeface="+mn-lt"/>
+                <a:ea typeface="+mn-ea"/>
+                <a:cs typeface="+mn-cs"/>
+              </a:defRPr>
+            </a:lvl9pPr>
+          </a:lstStyle>
+          <a:p>
+            <a:pPr marL="685800" indent="-685800" algn="just">
+              <a:buFont typeface="Arial" panose="020B0604020202020204" pitchFamily="34" charset="0"/>
+              <a:buChar char="•"/>
+            </a:pPr>
+            <a:r>
+              <a:rPr lang="en-US" sz="4400" dirty="0">
+                <a:solidFill>
+                  <a:schemeClr val="tx1"/>
+                </a:solidFill>
+              </a:rPr>
+              <a:t>The IMDb score for movies and shows on Netflix  is decreasing over the years – either movies or shows get worse or “hindsight bias”.</a:t>
+            </a:r>
+          </a:p>
+          <a:p>
+            <a:pPr marL="685800" indent="-685800" algn="just">
+              <a:buFont typeface="Arial" panose="020B0604020202020204" pitchFamily="34" charset="0"/>
+              <a:buChar char="•"/>
+            </a:pPr>
+            <a:endParaRPr lang="en-US" sz="4400" dirty="0">
               <a:solidFill>
-                <a:schemeClr val="accent5">
-                  <a:lumMod val="50000"/>
+                <a:schemeClr val="tx1"/>
+              </a:solidFill>
+            </a:endParaRPr>
+          </a:p>
+          <a:p>
+            <a:pPr marL="685800" indent="-685800" algn="just">
+              <a:buFont typeface="Arial" panose="020B0604020202020204" pitchFamily="34" charset="0"/>
+              <a:buChar char="•"/>
+            </a:pPr>
+            <a:r>
+              <a:rPr lang="en-US" sz="4400" dirty="0">
+                <a:solidFill>
+                  <a:schemeClr val="tx1"/>
+                </a:solidFill>
+              </a:rPr>
+              <a:t>The runtime for movies is decreasing while the runtime for shows is increasing on Netflix.</a:t>
+            </a:r>
+          </a:p>
+          <a:p>
+            <a:pPr marL="685800" indent="-685800" algn="just">
+              <a:buFont typeface="Arial" panose="020B0604020202020204" pitchFamily="34" charset="0"/>
+              <a:buChar char="•"/>
+            </a:pPr>
+            <a:endParaRPr lang="en-US" sz="4400" dirty="0">
+              <a:solidFill>
+                <a:schemeClr val="tx1"/>
+              </a:solidFill>
+            </a:endParaRPr>
+          </a:p>
+          <a:p>
+            <a:pPr marL="685800" indent="-685800" algn="just">
+              <a:buFont typeface="Arial" panose="020B0604020202020204" pitchFamily="34" charset="0"/>
+              <a:buChar char="•"/>
+            </a:pPr>
+            <a:r>
+              <a:rPr lang="en-US" sz="4400" dirty="0">
+                <a:solidFill>
+                  <a:schemeClr val="tx1"/>
+                </a:solidFill>
+              </a:rPr>
+              <a:t>More positive movies on Netflix achieve a slightly higher IMDb rating as neutral and negative movies (based on the sentiment of the movies description).</a:t>
+            </a:r>
+          </a:p>
+          <a:p>
+            <a:pPr marL="685800" indent="-685800" algn="just">
+              <a:buFont typeface="Arial" panose="020B0604020202020204" pitchFamily="34" charset="0"/>
+              <a:buChar char="•"/>
+            </a:pPr>
+            <a:endParaRPr lang="en-US" sz="4400" dirty="0">
+              <a:solidFill>
+                <a:schemeClr val="tx1"/>
+              </a:solidFill>
+            </a:endParaRPr>
+          </a:p>
+          <a:p>
+            <a:pPr marL="685800" indent="-685800" algn="just">
+              <a:buFont typeface="Arial" panose="020B0604020202020204" pitchFamily="34" charset="0"/>
+              <a:buChar char="•"/>
+            </a:pPr>
+            <a:r>
+              <a:rPr lang="en-US" sz="4400" dirty="0">
+                <a:solidFill>
+                  <a:schemeClr val="tx1"/>
+                </a:solidFill>
+              </a:rPr>
+              <a:t>Shows achieve a higher IMDb score compared to movies on Netflix.</a:t>
+            </a:r>
+          </a:p>
+        </p:txBody>
+      </p:sp>
+      <p:pic>
+        <p:nvPicPr>
+          <p:cNvPr id="19" name="Picture 18">
+            <a:extLst>
+              <a:ext uri="{FF2B5EF4-FFF2-40B4-BE49-F238E27FC236}">
+                <a16:creationId xmlns:a16="http://schemas.microsoft.com/office/drawing/2014/main" id="{15C38BD1-6788-639E-A86C-C1A91301B53A}"/>
+              </a:ext>
+            </a:extLst>
+          </p:cNvPr>
+          <p:cNvPicPr>
+            <a:picLocks noChangeAspect="1"/>
+          </p:cNvPicPr>
+          <p:nvPr/>
+        </p:nvPicPr>
+        <p:blipFill>
+          <a:blip r:embed="rId8"/>
+          <a:stretch>
+            <a:fillRect/>
+          </a:stretch>
+        </p:blipFill>
+        <p:spPr>
+          <a:xfrm>
+            <a:off x="22493978" y="37012614"/>
+            <a:ext cx="5369819" cy="5397404"/>
+          </a:xfrm>
+          <a:prstGeom prst="rect">
+            <a:avLst/>
+          </a:prstGeom>
+        </p:spPr>
+      </p:pic>
+      <p:sp>
+        <p:nvSpPr>
+          <p:cNvPr id="24" name="Text Placeholder 1">
+            <a:extLst>
+              <a:ext uri="{FF2B5EF4-FFF2-40B4-BE49-F238E27FC236}">
+                <a16:creationId xmlns:a16="http://schemas.microsoft.com/office/drawing/2014/main" id="{B78AB1AC-D006-C099-911B-565FEAE79C69}"/>
+              </a:ext>
+            </a:extLst>
+          </p:cNvPr>
+          <p:cNvSpPr txBox="1">
+            <a:spLocks/>
+          </p:cNvSpPr>
+          <p:nvPr/>
+        </p:nvSpPr>
+        <p:spPr>
+          <a:xfrm>
+            <a:off x="16982425" y="11788039"/>
+            <a:ext cx="12466837" cy="1196946"/>
+          </a:xfrm>
+          <a:prstGeom prst="rect">
+            <a:avLst/>
+          </a:prstGeom>
+          <a:noFill/>
+          <a:ln>
+            <a:noFill/>
+          </a:ln>
+        </p:spPr>
+        <p:style>
+          <a:lnRef idx="2">
+            <a:schemeClr val="accent6"/>
+          </a:lnRef>
+          <a:fillRef idx="1">
+            <a:schemeClr val="lt1"/>
+          </a:fillRef>
+          <a:effectRef idx="0">
+            <a:schemeClr val="accent6"/>
+          </a:effectRef>
+          <a:fontRef idx="minor">
+            <a:schemeClr val="dk1"/>
+          </a:fontRef>
+        </p:style>
+        <p:txBody>
+          <a:bodyPr wrap="square" lIns="223877" tIns="223877" rIns="223877" bIns="223877" anchor="t" anchorCtr="0">
+            <a:spAutoFit/>
+          </a:bodyPr>
+          <a:lstStyle>
+            <a:lvl1pPr marL="0" indent="0" algn="l" defTabSz="4298410" rtl="0" eaLnBrk="1" latinLnBrk="0" hangingPunct="1">
+              <a:spcBef>
+                <a:spcPct val="20000"/>
+              </a:spcBef>
+              <a:buFont typeface="Arial" pitchFamily="34" charset="0"/>
+              <a:buNone/>
+              <a:defRPr sz="2800" kern="1200">
+                <a:solidFill>
+                  <a:schemeClr val="accent5">
+                    <a:lumMod val="50000"/>
+                  </a:schemeClr>
+                </a:solidFill>
+                <a:latin typeface="Times New Roman" panose="02020603050405020304" pitchFamily="18" charset="0"/>
+                <a:ea typeface="+mn-ea"/>
+                <a:cs typeface="Times New Roman" panose="02020603050405020304" pitchFamily="18" charset="0"/>
+              </a:defRPr>
+            </a:lvl1pPr>
+            <a:lvl2pPr marL="1455191" indent="-559688" algn="l" defTabSz="4298410" rtl="0" eaLnBrk="1" latinLnBrk="0" hangingPunct="1">
+              <a:spcBef>
+                <a:spcPct val="20000"/>
+              </a:spcBef>
+              <a:buFont typeface="Arial" pitchFamily="34" charset="0"/>
+              <a:buChar char="–"/>
+              <a:defRPr sz="2500" kern="1200">
+                <a:solidFill>
+                  <a:schemeClr val="dk1"/>
+                </a:solidFill>
+                <a:latin typeface="Trebuchet MS" pitchFamily="34" charset="0"/>
+                <a:ea typeface="+mn-ea"/>
+                <a:cs typeface="+mn-cs"/>
+              </a:defRPr>
+            </a:lvl2pPr>
+            <a:lvl3pPr marL="2014879" indent="-559688" algn="l" defTabSz="4298410" rtl="0" eaLnBrk="1" latinLnBrk="0" hangingPunct="1">
+              <a:spcBef>
+                <a:spcPct val="20000"/>
+              </a:spcBef>
+              <a:buFont typeface="Arial" pitchFamily="34" charset="0"/>
+              <a:buChar char="•"/>
+              <a:defRPr sz="2500" kern="1200">
+                <a:solidFill>
+                  <a:schemeClr val="dk1"/>
+                </a:solidFill>
+                <a:latin typeface="Trebuchet MS" pitchFamily="34" charset="0"/>
+                <a:ea typeface="+mn-ea"/>
+                <a:cs typeface="+mn-cs"/>
+              </a:defRPr>
+            </a:lvl3pPr>
+            <a:lvl4pPr marL="2630537" indent="-615658" algn="l" defTabSz="4298410" rtl="0" eaLnBrk="1" latinLnBrk="0" hangingPunct="1">
+              <a:spcBef>
+                <a:spcPct val="20000"/>
+              </a:spcBef>
+              <a:buFont typeface="Arial" pitchFamily="34" charset="0"/>
+              <a:buChar char="–"/>
+              <a:defRPr sz="2500" kern="1200">
+                <a:solidFill>
+                  <a:schemeClr val="dk1"/>
+                </a:solidFill>
+                <a:latin typeface="Trebuchet MS" pitchFamily="34" charset="0"/>
+                <a:ea typeface="+mn-ea"/>
+                <a:cs typeface="+mn-cs"/>
+              </a:defRPr>
+            </a:lvl4pPr>
+            <a:lvl5pPr marL="3078288" indent="-447751" algn="l" defTabSz="4298410" rtl="0" eaLnBrk="1" latinLnBrk="0" hangingPunct="1">
+              <a:spcBef>
+                <a:spcPct val="20000"/>
+              </a:spcBef>
+              <a:buFont typeface="Arial" pitchFamily="34" charset="0"/>
+              <a:buChar char="»"/>
+              <a:defRPr sz="2500" kern="1200">
+                <a:solidFill>
+                  <a:schemeClr val="dk1"/>
+                </a:solidFill>
+                <a:latin typeface="Trebuchet MS" pitchFamily="34" charset="0"/>
+                <a:ea typeface="+mn-ea"/>
+                <a:cs typeface="+mn-cs"/>
+              </a:defRPr>
+            </a:lvl5pPr>
+            <a:lvl6pPr marL="11820625" indent="-1074603" algn="l" defTabSz="4298410" rtl="0" eaLnBrk="1" latinLnBrk="0" hangingPunct="1">
+              <a:spcBef>
+                <a:spcPct val="20000"/>
+              </a:spcBef>
+              <a:buFont typeface="Arial" pitchFamily="34" charset="0"/>
+              <a:buChar char="•"/>
+              <a:defRPr sz="9500" kern="1200">
+                <a:solidFill>
+                  <a:schemeClr val="dk1"/>
+                </a:solidFill>
+                <a:latin typeface="+mn-lt"/>
+                <a:ea typeface="+mn-ea"/>
+                <a:cs typeface="+mn-cs"/>
+              </a:defRPr>
+            </a:lvl6pPr>
+            <a:lvl7pPr marL="13969828" indent="-1074603" algn="l" defTabSz="4298410" rtl="0" eaLnBrk="1" latinLnBrk="0" hangingPunct="1">
+              <a:spcBef>
+                <a:spcPct val="20000"/>
+              </a:spcBef>
+              <a:buFont typeface="Arial" pitchFamily="34" charset="0"/>
+              <a:buChar char="•"/>
+              <a:defRPr sz="9500" kern="1200">
+                <a:solidFill>
+                  <a:schemeClr val="dk1"/>
+                </a:solidFill>
+                <a:latin typeface="+mn-lt"/>
+                <a:ea typeface="+mn-ea"/>
+                <a:cs typeface="+mn-cs"/>
+              </a:defRPr>
+            </a:lvl7pPr>
+            <a:lvl8pPr marL="16119034" indent="-1074603" algn="l" defTabSz="4298410" rtl="0" eaLnBrk="1" latinLnBrk="0" hangingPunct="1">
+              <a:spcBef>
+                <a:spcPct val="20000"/>
+              </a:spcBef>
+              <a:buFont typeface="Arial" pitchFamily="34" charset="0"/>
+              <a:buChar char="•"/>
+              <a:defRPr sz="9500" kern="1200">
+                <a:solidFill>
+                  <a:schemeClr val="dk1"/>
+                </a:solidFill>
+                <a:latin typeface="+mn-lt"/>
+                <a:ea typeface="+mn-ea"/>
+                <a:cs typeface="+mn-cs"/>
+              </a:defRPr>
+            </a:lvl8pPr>
+            <a:lvl9pPr marL="18268238" indent="-1074603" algn="l" defTabSz="4298410" rtl="0" eaLnBrk="1" latinLnBrk="0" hangingPunct="1">
+              <a:spcBef>
+                <a:spcPct val="20000"/>
+              </a:spcBef>
+              <a:buFont typeface="Arial" pitchFamily="34" charset="0"/>
+              <a:buChar char="•"/>
+              <a:defRPr sz="9500" kern="1200">
+                <a:solidFill>
+                  <a:schemeClr val="dk1"/>
+                </a:solidFill>
+                <a:latin typeface="+mn-lt"/>
+                <a:ea typeface="+mn-ea"/>
+                <a:cs typeface="+mn-cs"/>
+              </a:defRPr>
+            </a:lvl9pPr>
+          </a:lstStyle>
+          <a:p>
+            <a:pPr algn="just"/>
+            <a:r>
+              <a:rPr lang="de-AT" sz="2200" b="0" dirty="0">
+                <a:solidFill>
+                  <a:schemeClr val="tx1">
+                    <a:lumMod val="85000"/>
+                    <a:lumOff val="15000"/>
+                  </a:schemeClr>
+                </a:solidFill>
+                <a:effectLst/>
+                <a:latin typeface="Consolas" panose="020B0609020204030204" pitchFamily="49" charset="0"/>
+              </a:rPr>
+              <a:t>Movies: </a:t>
+            </a:r>
+            <a:r>
+              <a:rPr lang="de-AT" sz="2200" b="0" i="1" dirty="0">
+                <a:solidFill>
+                  <a:schemeClr val="tx1">
+                    <a:lumMod val="85000"/>
+                    <a:lumOff val="15000"/>
+                  </a:schemeClr>
+                </a:solidFill>
+                <a:effectLst/>
+                <a:latin typeface="Consolas" panose="020B0609020204030204" pitchFamily="49" charset="0"/>
+              </a:rPr>
+              <a:t>r</a:t>
+            </a:r>
+            <a:r>
+              <a:rPr lang="de-AT" sz="2200" b="0" i="0" dirty="0">
+                <a:solidFill>
+                  <a:schemeClr val="tx1">
+                    <a:lumMod val="85000"/>
+                    <a:lumOff val="15000"/>
+                  </a:schemeClr>
+                </a:solidFill>
+                <a:effectLst/>
+                <a:latin typeface="Consolas" panose="020B0609020204030204" pitchFamily="49" charset="0"/>
+              </a:rPr>
+              <a:t> = -0.43, </a:t>
+            </a:r>
+            <a:r>
+              <a:rPr lang="de-AT" sz="2200" b="0" i="1" dirty="0">
+                <a:solidFill>
+                  <a:schemeClr val="tx1">
+                    <a:lumMod val="85000"/>
+                    <a:lumOff val="15000"/>
+                  </a:schemeClr>
+                </a:solidFill>
+                <a:effectLst/>
+                <a:latin typeface="Consolas" panose="020B0609020204030204" pitchFamily="49" charset="0"/>
+              </a:rPr>
+              <a:t>p</a:t>
+            </a:r>
+            <a:r>
+              <a:rPr lang="de-AT" sz="2200" b="0" i="0" dirty="0">
+                <a:solidFill>
+                  <a:schemeClr val="tx1">
+                    <a:lumMod val="85000"/>
+                    <a:lumOff val="15000"/>
+                  </a:schemeClr>
+                </a:solidFill>
+                <a:effectLst/>
+                <a:latin typeface="Consolas" panose="020B0609020204030204" pitchFamily="49" charset="0"/>
+              </a:rPr>
+              <a:t> &lt; </a:t>
+            </a:r>
+            <a:r>
+              <a:rPr lang="de-AT" sz="2200" dirty="0">
+                <a:solidFill>
+                  <a:schemeClr val="tx1">
+                    <a:lumMod val="85000"/>
+                    <a:lumOff val="15000"/>
+                  </a:schemeClr>
+                </a:solidFill>
+                <a:latin typeface="Consolas" panose="020B0609020204030204" pitchFamily="49" charset="0"/>
+              </a:rPr>
+              <a:t>0.001. </a:t>
+            </a:r>
+            <a:r>
+              <a:rPr lang="de-AT" sz="2200" dirty="0" err="1">
+                <a:solidFill>
+                  <a:schemeClr val="tx1">
+                    <a:lumMod val="85000"/>
+                    <a:lumOff val="15000"/>
+                  </a:schemeClr>
+                </a:solidFill>
+                <a:latin typeface="Consolas" panose="020B0609020204030204" pitchFamily="49" charset="0"/>
+              </a:rPr>
+              <a:t>Starting</a:t>
+            </a:r>
+            <a:r>
+              <a:rPr lang="de-AT" sz="2200" dirty="0">
+                <a:solidFill>
+                  <a:schemeClr val="tx1">
+                    <a:lumMod val="85000"/>
+                    <a:lumOff val="15000"/>
+                  </a:schemeClr>
+                </a:solidFill>
+                <a:latin typeface="Consolas" panose="020B0609020204030204" pitchFamily="49" charset="0"/>
+              </a:rPr>
+              <a:t> </a:t>
+            </a:r>
+            <a:r>
+              <a:rPr lang="de-AT" sz="2200" dirty="0" err="1">
+                <a:solidFill>
+                  <a:schemeClr val="tx1">
+                    <a:lumMod val="85000"/>
+                    <a:lumOff val="15000"/>
+                  </a:schemeClr>
+                </a:solidFill>
+                <a:latin typeface="Consolas" panose="020B0609020204030204" pitchFamily="49" charset="0"/>
+              </a:rPr>
+              <a:t>from</a:t>
+            </a:r>
+            <a:r>
+              <a:rPr lang="de-AT" sz="2200" dirty="0">
+                <a:solidFill>
+                  <a:schemeClr val="tx1">
+                    <a:lumMod val="85000"/>
+                    <a:lumOff val="15000"/>
+                  </a:schemeClr>
+                </a:solidFill>
+                <a:latin typeface="Consolas" panose="020B0609020204030204" pitchFamily="49" charset="0"/>
+              </a:rPr>
+              <a:t> </a:t>
+            </a:r>
+            <a:r>
+              <a:rPr lang="de-AT" sz="2200" dirty="0" err="1">
+                <a:solidFill>
+                  <a:schemeClr val="tx1">
+                    <a:lumMod val="85000"/>
+                    <a:lumOff val="15000"/>
+                  </a:schemeClr>
+                </a:solidFill>
+                <a:latin typeface="Consolas" panose="020B0609020204030204" pitchFamily="49" charset="0"/>
+              </a:rPr>
+              <a:t>year</a:t>
+            </a:r>
+            <a:r>
+              <a:rPr lang="de-AT" sz="2200" dirty="0">
+                <a:solidFill>
+                  <a:schemeClr val="tx1">
+                    <a:lumMod val="85000"/>
+                    <a:lumOff val="15000"/>
+                  </a:schemeClr>
+                </a:solidFill>
+                <a:latin typeface="Consolas" panose="020B0609020204030204" pitchFamily="49" charset="0"/>
+              </a:rPr>
+              <a:t> 2000: </a:t>
+            </a:r>
+            <a:r>
+              <a:rPr lang="de-AT" sz="2200" i="1" dirty="0">
+                <a:solidFill>
+                  <a:schemeClr val="tx1">
+                    <a:lumMod val="85000"/>
+                    <a:lumOff val="15000"/>
+                  </a:schemeClr>
+                </a:solidFill>
+                <a:latin typeface="Consolas" panose="020B0609020204030204" pitchFamily="49" charset="0"/>
+              </a:rPr>
+              <a:t>r</a:t>
+            </a:r>
+            <a:r>
+              <a:rPr lang="de-AT" sz="2200" dirty="0">
+                <a:solidFill>
+                  <a:schemeClr val="tx1">
+                    <a:lumMod val="85000"/>
+                    <a:lumOff val="15000"/>
+                  </a:schemeClr>
+                </a:solidFill>
+                <a:latin typeface="Consolas" panose="020B0609020204030204" pitchFamily="49" charset="0"/>
+              </a:rPr>
+              <a:t> = -0.87, </a:t>
+            </a:r>
+            <a:r>
+              <a:rPr lang="de-AT" sz="2200" i="1" dirty="0">
+                <a:solidFill>
+                  <a:schemeClr val="tx1">
+                    <a:lumMod val="85000"/>
+                    <a:lumOff val="15000"/>
+                  </a:schemeClr>
+                </a:solidFill>
+                <a:latin typeface="Consolas" panose="020B0609020204030204" pitchFamily="49" charset="0"/>
+              </a:rPr>
+              <a:t>p</a:t>
+            </a:r>
+            <a:r>
+              <a:rPr lang="de-AT" sz="2200" dirty="0">
+                <a:solidFill>
+                  <a:schemeClr val="tx1">
+                    <a:lumMod val="85000"/>
+                    <a:lumOff val="15000"/>
+                  </a:schemeClr>
+                </a:solidFill>
+                <a:latin typeface="Consolas" panose="020B0609020204030204" pitchFamily="49" charset="0"/>
+              </a:rPr>
+              <a:t> &lt; 0.001</a:t>
+            </a:r>
+          </a:p>
+          <a:p>
+            <a:pPr algn="just"/>
+            <a:r>
+              <a:rPr lang="de-AT" sz="2200" dirty="0">
+                <a:solidFill>
+                  <a:schemeClr val="tx1">
+                    <a:lumMod val="85000"/>
+                    <a:lumOff val="15000"/>
+                  </a:schemeClr>
+                </a:solidFill>
+                <a:latin typeface="Consolas" panose="020B0609020204030204" pitchFamily="49" charset="0"/>
+              </a:rPr>
+              <a:t>Shows: </a:t>
+            </a:r>
+            <a:r>
+              <a:rPr lang="de-AT" sz="2200" i="1" dirty="0">
+                <a:solidFill>
+                  <a:schemeClr val="tx1">
+                    <a:lumMod val="85000"/>
+                    <a:lumOff val="15000"/>
+                  </a:schemeClr>
+                </a:solidFill>
+                <a:latin typeface="Consolas" panose="020B0609020204030204" pitchFamily="49" charset="0"/>
+              </a:rPr>
+              <a:t>r</a:t>
+            </a:r>
+            <a:r>
+              <a:rPr lang="de-AT" sz="2200" dirty="0">
+                <a:solidFill>
+                  <a:schemeClr val="tx1">
+                    <a:lumMod val="85000"/>
+                    <a:lumOff val="15000"/>
+                  </a:schemeClr>
+                </a:solidFill>
+                <a:latin typeface="Consolas" panose="020B0609020204030204" pitchFamily="49" charset="0"/>
+              </a:rPr>
+              <a:t> = 0.01, </a:t>
+            </a:r>
+            <a:r>
+              <a:rPr lang="de-AT" sz="2200" i="1" dirty="0">
+                <a:solidFill>
+                  <a:schemeClr val="tx1">
+                    <a:lumMod val="85000"/>
+                    <a:lumOff val="15000"/>
+                  </a:schemeClr>
+                </a:solidFill>
+                <a:latin typeface="Consolas" panose="020B0609020204030204" pitchFamily="49" charset="0"/>
+              </a:rPr>
+              <a:t>p</a:t>
+            </a:r>
+            <a:r>
+              <a:rPr lang="de-AT" sz="2200" dirty="0">
+                <a:solidFill>
+                  <a:schemeClr val="tx1">
+                    <a:lumMod val="85000"/>
+                    <a:lumOff val="15000"/>
+                  </a:schemeClr>
+                </a:solidFill>
+                <a:latin typeface="Consolas" panose="020B0609020204030204" pitchFamily="49" charset="0"/>
+              </a:rPr>
+              <a:t> = 0.956. </a:t>
+            </a:r>
+            <a:r>
+              <a:rPr lang="de-AT" sz="2200" dirty="0" err="1">
+                <a:solidFill>
+                  <a:schemeClr val="tx1">
+                    <a:lumMod val="85000"/>
+                    <a:lumOff val="15000"/>
+                  </a:schemeClr>
+                </a:solidFill>
+                <a:latin typeface="Consolas" panose="020B0609020204030204" pitchFamily="49" charset="0"/>
+              </a:rPr>
+              <a:t>Starting</a:t>
+            </a:r>
+            <a:r>
+              <a:rPr lang="de-AT" sz="2200" dirty="0">
+                <a:solidFill>
+                  <a:schemeClr val="tx1">
+                    <a:lumMod val="85000"/>
+                    <a:lumOff val="15000"/>
+                  </a:schemeClr>
+                </a:solidFill>
+                <a:latin typeface="Consolas" panose="020B0609020204030204" pitchFamily="49" charset="0"/>
+              </a:rPr>
+              <a:t> </a:t>
+            </a:r>
+            <a:r>
+              <a:rPr lang="de-AT" sz="2200" dirty="0" err="1">
+                <a:solidFill>
+                  <a:schemeClr val="tx1">
+                    <a:lumMod val="85000"/>
+                    <a:lumOff val="15000"/>
+                  </a:schemeClr>
+                </a:solidFill>
+                <a:latin typeface="Consolas" panose="020B0609020204030204" pitchFamily="49" charset="0"/>
+              </a:rPr>
+              <a:t>from</a:t>
+            </a:r>
+            <a:r>
+              <a:rPr lang="de-AT" sz="2200" dirty="0">
+                <a:solidFill>
+                  <a:schemeClr val="tx1">
+                    <a:lumMod val="85000"/>
+                    <a:lumOff val="15000"/>
+                  </a:schemeClr>
+                </a:solidFill>
+                <a:latin typeface="Consolas" panose="020B0609020204030204" pitchFamily="49" charset="0"/>
+              </a:rPr>
+              <a:t> </a:t>
+            </a:r>
+            <a:r>
+              <a:rPr lang="de-AT" sz="2200" dirty="0" err="1">
+                <a:solidFill>
+                  <a:schemeClr val="tx1">
+                    <a:lumMod val="85000"/>
+                    <a:lumOff val="15000"/>
+                  </a:schemeClr>
+                </a:solidFill>
+                <a:latin typeface="Consolas" panose="020B0609020204030204" pitchFamily="49" charset="0"/>
+              </a:rPr>
+              <a:t>year</a:t>
+            </a:r>
+            <a:r>
+              <a:rPr lang="de-AT" sz="2200" dirty="0">
+                <a:solidFill>
+                  <a:schemeClr val="tx1">
+                    <a:lumMod val="85000"/>
+                    <a:lumOff val="15000"/>
+                  </a:schemeClr>
+                </a:solidFill>
+                <a:latin typeface="Consolas" panose="020B0609020204030204" pitchFamily="49" charset="0"/>
+              </a:rPr>
+              <a:t> 2000: </a:t>
+            </a:r>
+            <a:r>
+              <a:rPr lang="de-AT" sz="2200" i="1" dirty="0">
+                <a:solidFill>
+                  <a:schemeClr val="tx1">
+                    <a:lumMod val="85000"/>
+                    <a:lumOff val="15000"/>
+                  </a:schemeClr>
+                </a:solidFill>
+                <a:latin typeface="Consolas" panose="020B0609020204030204" pitchFamily="49" charset="0"/>
+              </a:rPr>
+              <a:t>r</a:t>
+            </a:r>
+            <a:r>
+              <a:rPr lang="de-AT" sz="2200" dirty="0">
+                <a:solidFill>
+                  <a:schemeClr val="tx1">
+                    <a:lumMod val="85000"/>
+                    <a:lumOff val="15000"/>
+                  </a:schemeClr>
+                </a:solidFill>
+                <a:latin typeface="Consolas" panose="020B0609020204030204" pitchFamily="49" charset="0"/>
+              </a:rPr>
+              <a:t> = -0.68, </a:t>
+            </a:r>
+            <a:r>
+              <a:rPr lang="de-AT" sz="2200" i="1" dirty="0">
+                <a:solidFill>
+                  <a:schemeClr val="tx1">
+                    <a:lumMod val="85000"/>
+                    <a:lumOff val="15000"/>
+                  </a:schemeClr>
+                </a:solidFill>
+                <a:latin typeface="Consolas" panose="020B0609020204030204" pitchFamily="49" charset="0"/>
+              </a:rPr>
+              <a:t>p</a:t>
+            </a:r>
+            <a:r>
+              <a:rPr lang="de-AT" sz="2200" dirty="0">
+                <a:solidFill>
+                  <a:schemeClr val="tx1">
+                    <a:lumMod val="85000"/>
+                    <a:lumOff val="15000"/>
+                  </a:schemeClr>
+                </a:solidFill>
+                <a:latin typeface="Consolas" panose="020B0609020204030204" pitchFamily="49" charset="0"/>
+              </a:rPr>
+              <a:t> &lt; 0.001</a:t>
+            </a:r>
+            <a:endParaRPr lang="en-US" sz="2200" dirty="0">
+              <a:solidFill>
+                <a:schemeClr val="tx1">
+                  <a:lumMod val="85000"/>
+                  <a:lumOff val="15000"/>
                 </a:schemeClr>
               </a:solidFill>
+              <a:latin typeface="Consolas" panose="020B0609020204030204" pitchFamily="49" charset="0"/>
+            </a:endParaRPr>
+          </a:p>
+        </p:txBody>
+      </p:sp>
+      <p:sp>
+        <p:nvSpPr>
+          <p:cNvPr id="26" name="Text Placeholder 1">
+            <a:extLst>
+              <a:ext uri="{FF2B5EF4-FFF2-40B4-BE49-F238E27FC236}">
+                <a16:creationId xmlns:a16="http://schemas.microsoft.com/office/drawing/2014/main" id="{C85F5AF3-7284-EF69-32A8-6D2F59FC87C5}"/>
+              </a:ext>
+            </a:extLst>
+          </p:cNvPr>
+          <p:cNvSpPr txBox="1">
+            <a:spLocks/>
+          </p:cNvSpPr>
+          <p:nvPr/>
+        </p:nvSpPr>
+        <p:spPr>
+          <a:xfrm>
+            <a:off x="17135308" y="20561296"/>
+            <a:ext cx="12313953" cy="1196946"/>
+          </a:xfrm>
+          <a:prstGeom prst="rect">
+            <a:avLst/>
+          </a:prstGeom>
+          <a:noFill/>
+          <a:ln>
+            <a:noFill/>
+          </a:ln>
+        </p:spPr>
+        <p:style>
+          <a:lnRef idx="2">
+            <a:schemeClr val="accent6"/>
+          </a:lnRef>
+          <a:fillRef idx="1">
+            <a:schemeClr val="lt1"/>
+          </a:fillRef>
+          <a:effectRef idx="0">
+            <a:schemeClr val="accent6"/>
+          </a:effectRef>
+          <a:fontRef idx="minor">
+            <a:schemeClr val="dk1"/>
+          </a:fontRef>
+        </p:style>
+        <p:txBody>
+          <a:bodyPr wrap="square" lIns="223877" tIns="223877" rIns="223877" bIns="223877" anchor="t" anchorCtr="0">
+            <a:spAutoFit/>
+          </a:bodyPr>
+          <a:lstStyle>
+            <a:lvl1pPr marL="0" indent="0" algn="l" defTabSz="4298410" rtl="0" eaLnBrk="1" latinLnBrk="0" hangingPunct="1">
+              <a:spcBef>
+                <a:spcPct val="20000"/>
+              </a:spcBef>
+              <a:buFont typeface="Arial" pitchFamily="34" charset="0"/>
+              <a:buNone/>
+              <a:defRPr sz="2800" kern="1200">
+                <a:solidFill>
+                  <a:schemeClr val="accent5">
+                    <a:lumMod val="50000"/>
+                  </a:schemeClr>
+                </a:solidFill>
+                <a:latin typeface="Times New Roman" panose="02020603050405020304" pitchFamily="18" charset="0"/>
+                <a:ea typeface="+mn-ea"/>
+                <a:cs typeface="Times New Roman" panose="02020603050405020304" pitchFamily="18" charset="0"/>
+              </a:defRPr>
+            </a:lvl1pPr>
+            <a:lvl2pPr marL="1455191" indent="-559688" algn="l" defTabSz="4298410" rtl="0" eaLnBrk="1" latinLnBrk="0" hangingPunct="1">
+              <a:spcBef>
+                <a:spcPct val="20000"/>
+              </a:spcBef>
+              <a:buFont typeface="Arial" pitchFamily="34" charset="0"/>
+              <a:buChar char="–"/>
+              <a:defRPr sz="2500" kern="1200">
+                <a:solidFill>
+                  <a:schemeClr val="dk1"/>
+                </a:solidFill>
+                <a:latin typeface="Trebuchet MS" pitchFamily="34" charset="0"/>
+                <a:ea typeface="+mn-ea"/>
+                <a:cs typeface="+mn-cs"/>
+              </a:defRPr>
+            </a:lvl2pPr>
+            <a:lvl3pPr marL="2014879" indent="-559688" algn="l" defTabSz="4298410" rtl="0" eaLnBrk="1" latinLnBrk="0" hangingPunct="1">
+              <a:spcBef>
+                <a:spcPct val="20000"/>
+              </a:spcBef>
+              <a:buFont typeface="Arial" pitchFamily="34" charset="0"/>
+              <a:buChar char="•"/>
+              <a:defRPr sz="2500" kern="1200">
+                <a:solidFill>
+                  <a:schemeClr val="dk1"/>
+                </a:solidFill>
+                <a:latin typeface="Trebuchet MS" pitchFamily="34" charset="0"/>
+                <a:ea typeface="+mn-ea"/>
+                <a:cs typeface="+mn-cs"/>
+              </a:defRPr>
+            </a:lvl3pPr>
+            <a:lvl4pPr marL="2630537" indent="-615658" algn="l" defTabSz="4298410" rtl="0" eaLnBrk="1" latinLnBrk="0" hangingPunct="1">
+              <a:spcBef>
+                <a:spcPct val="20000"/>
+              </a:spcBef>
+              <a:buFont typeface="Arial" pitchFamily="34" charset="0"/>
+              <a:buChar char="–"/>
+              <a:defRPr sz="2500" kern="1200">
+                <a:solidFill>
+                  <a:schemeClr val="dk1"/>
+                </a:solidFill>
+                <a:latin typeface="Trebuchet MS" pitchFamily="34" charset="0"/>
+                <a:ea typeface="+mn-ea"/>
+                <a:cs typeface="+mn-cs"/>
+              </a:defRPr>
+            </a:lvl4pPr>
+            <a:lvl5pPr marL="3078288" indent="-447751" algn="l" defTabSz="4298410" rtl="0" eaLnBrk="1" latinLnBrk="0" hangingPunct="1">
+              <a:spcBef>
+                <a:spcPct val="20000"/>
+              </a:spcBef>
+              <a:buFont typeface="Arial" pitchFamily="34" charset="0"/>
+              <a:buChar char="»"/>
+              <a:defRPr sz="2500" kern="1200">
+                <a:solidFill>
+                  <a:schemeClr val="dk1"/>
+                </a:solidFill>
+                <a:latin typeface="Trebuchet MS" pitchFamily="34" charset="0"/>
+                <a:ea typeface="+mn-ea"/>
+                <a:cs typeface="+mn-cs"/>
+              </a:defRPr>
+            </a:lvl5pPr>
+            <a:lvl6pPr marL="11820625" indent="-1074603" algn="l" defTabSz="4298410" rtl="0" eaLnBrk="1" latinLnBrk="0" hangingPunct="1">
+              <a:spcBef>
+                <a:spcPct val="20000"/>
+              </a:spcBef>
+              <a:buFont typeface="Arial" pitchFamily="34" charset="0"/>
+              <a:buChar char="•"/>
+              <a:defRPr sz="9500" kern="1200">
+                <a:solidFill>
+                  <a:schemeClr val="dk1"/>
+                </a:solidFill>
+                <a:latin typeface="+mn-lt"/>
+                <a:ea typeface="+mn-ea"/>
+                <a:cs typeface="+mn-cs"/>
+              </a:defRPr>
+            </a:lvl6pPr>
+            <a:lvl7pPr marL="13969828" indent="-1074603" algn="l" defTabSz="4298410" rtl="0" eaLnBrk="1" latinLnBrk="0" hangingPunct="1">
+              <a:spcBef>
+                <a:spcPct val="20000"/>
+              </a:spcBef>
+              <a:buFont typeface="Arial" pitchFamily="34" charset="0"/>
+              <a:buChar char="•"/>
+              <a:defRPr sz="9500" kern="1200">
+                <a:solidFill>
+                  <a:schemeClr val="dk1"/>
+                </a:solidFill>
+                <a:latin typeface="+mn-lt"/>
+                <a:ea typeface="+mn-ea"/>
+                <a:cs typeface="+mn-cs"/>
+              </a:defRPr>
+            </a:lvl7pPr>
+            <a:lvl8pPr marL="16119034" indent="-1074603" algn="l" defTabSz="4298410" rtl="0" eaLnBrk="1" latinLnBrk="0" hangingPunct="1">
+              <a:spcBef>
+                <a:spcPct val="20000"/>
+              </a:spcBef>
+              <a:buFont typeface="Arial" pitchFamily="34" charset="0"/>
+              <a:buChar char="•"/>
+              <a:defRPr sz="9500" kern="1200">
+                <a:solidFill>
+                  <a:schemeClr val="dk1"/>
+                </a:solidFill>
+                <a:latin typeface="+mn-lt"/>
+                <a:ea typeface="+mn-ea"/>
+                <a:cs typeface="+mn-cs"/>
+              </a:defRPr>
+            </a:lvl8pPr>
+            <a:lvl9pPr marL="18268238" indent="-1074603" algn="l" defTabSz="4298410" rtl="0" eaLnBrk="1" latinLnBrk="0" hangingPunct="1">
+              <a:spcBef>
+                <a:spcPct val="20000"/>
+              </a:spcBef>
+              <a:buFont typeface="Arial" pitchFamily="34" charset="0"/>
+              <a:buChar char="•"/>
+              <a:defRPr sz="9500" kern="1200">
+                <a:solidFill>
+                  <a:schemeClr val="dk1"/>
+                </a:solidFill>
+                <a:latin typeface="+mn-lt"/>
+                <a:ea typeface="+mn-ea"/>
+                <a:cs typeface="+mn-cs"/>
+              </a:defRPr>
+            </a:lvl9pPr>
+          </a:lstStyle>
+          <a:p>
+            <a:pPr algn="just"/>
+            <a:r>
+              <a:rPr lang="de-AT" sz="2200" dirty="0">
+                <a:solidFill>
+                  <a:schemeClr val="tx1">
+                    <a:lumMod val="85000"/>
+                    <a:lumOff val="15000"/>
+                  </a:schemeClr>
+                </a:solidFill>
+                <a:latin typeface="Consolas" panose="020B0609020204030204" pitchFamily="49" charset="0"/>
+              </a:rPr>
+              <a:t>Movies: </a:t>
+            </a:r>
+            <a:r>
+              <a:rPr lang="de-AT" sz="2200" i="1" dirty="0">
+                <a:solidFill>
+                  <a:schemeClr val="tx1">
+                    <a:lumMod val="85000"/>
+                    <a:lumOff val="15000"/>
+                  </a:schemeClr>
+                </a:solidFill>
+                <a:latin typeface="Consolas" panose="020B0609020204030204" pitchFamily="49" charset="0"/>
+              </a:rPr>
+              <a:t>r </a:t>
+            </a:r>
+            <a:r>
+              <a:rPr lang="de-AT" sz="2200" dirty="0">
+                <a:solidFill>
+                  <a:schemeClr val="tx1">
+                    <a:lumMod val="85000"/>
+                    <a:lumOff val="15000"/>
+                  </a:schemeClr>
+                </a:solidFill>
+                <a:latin typeface="Consolas" panose="020B0609020204030204" pitchFamily="49" charset="0"/>
+              </a:rPr>
+              <a:t>= -0.41, </a:t>
+            </a:r>
+            <a:r>
+              <a:rPr lang="de-AT" sz="2200" i="1" dirty="0">
+                <a:solidFill>
+                  <a:schemeClr val="tx1">
+                    <a:lumMod val="85000"/>
+                    <a:lumOff val="15000"/>
+                  </a:schemeClr>
+                </a:solidFill>
+                <a:latin typeface="Consolas" panose="020B0609020204030204" pitchFamily="49" charset="0"/>
+              </a:rPr>
+              <a:t>p</a:t>
+            </a:r>
+            <a:r>
+              <a:rPr lang="de-AT" sz="2200" dirty="0">
+                <a:solidFill>
+                  <a:schemeClr val="tx1">
+                    <a:lumMod val="85000"/>
+                    <a:lumOff val="15000"/>
+                  </a:schemeClr>
+                </a:solidFill>
+                <a:latin typeface="Consolas" panose="020B0609020204030204" pitchFamily="49" charset="0"/>
+              </a:rPr>
+              <a:t> &lt; 0.001. </a:t>
+            </a:r>
+            <a:r>
+              <a:rPr lang="de-AT" sz="2200" dirty="0" err="1">
+                <a:solidFill>
+                  <a:schemeClr val="tx1">
+                    <a:lumMod val="85000"/>
+                    <a:lumOff val="15000"/>
+                  </a:schemeClr>
+                </a:solidFill>
+                <a:latin typeface="Consolas" panose="020B0609020204030204" pitchFamily="49" charset="0"/>
+              </a:rPr>
+              <a:t>Starting</a:t>
+            </a:r>
+            <a:r>
+              <a:rPr lang="de-AT" sz="2200" dirty="0">
+                <a:solidFill>
+                  <a:schemeClr val="tx1">
+                    <a:lumMod val="85000"/>
+                    <a:lumOff val="15000"/>
+                  </a:schemeClr>
+                </a:solidFill>
+                <a:latin typeface="Consolas" panose="020B0609020204030204" pitchFamily="49" charset="0"/>
+              </a:rPr>
+              <a:t> </a:t>
+            </a:r>
+            <a:r>
+              <a:rPr lang="de-AT" sz="2200" dirty="0" err="1">
+                <a:solidFill>
+                  <a:schemeClr val="tx1">
+                    <a:lumMod val="85000"/>
+                    <a:lumOff val="15000"/>
+                  </a:schemeClr>
+                </a:solidFill>
+                <a:latin typeface="Consolas" panose="020B0609020204030204" pitchFamily="49" charset="0"/>
+              </a:rPr>
+              <a:t>from</a:t>
+            </a:r>
+            <a:r>
+              <a:rPr lang="de-AT" sz="2200" dirty="0">
+                <a:solidFill>
+                  <a:schemeClr val="tx1">
+                    <a:lumMod val="85000"/>
+                    <a:lumOff val="15000"/>
+                  </a:schemeClr>
+                </a:solidFill>
+                <a:latin typeface="Consolas" panose="020B0609020204030204" pitchFamily="49" charset="0"/>
+              </a:rPr>
+              <a:t> </a:t>
+            </a:r>
+            <a:r>
+              <a:rPr lang="de-AT" sz="2200" dirty="0" err="1">
+                <a:solidFill>
+                  <a:schemeClr val="tx1">
+                    <a:lumMod val="85000"/>
+                    <a:lumOff val="15000"/>
+                  </a:schemeClr>
+                </a:solidFill>
+                <a:latin typeface="Consolas" panose="020B0609020204030204" pitchFamily="49" charset="0"/>
+              </a:rPr>
+              <a:t>year</a:t>
+            </a:r>
+            <a:r>
+              <a:rPr lang="de-AT" sz="2200" dirty="0">
+                <a:solidFill>
+                  <a:schemeClr val="tx1">
+                    <a:lumMod val="85000"/>
+                    <a:lumOff val="15000"/>
+                  </a:schemeClr>
+                </a:solidFill>
+                <a:latin typeface="Consolas" panose="020B0609020204030204" pitchFamily="49" charset="0"/>
+              </a:rPr>
+              <a:t> 2000: </a:t>
+            </a:r>
+            <a:r>
+              <a:rPr lang="de-AT" sz="2200" i="1" dirty="0">
+                <a:solidFill>
+                  <a:schemeClr val="tx1">
+                    <a:lumMod val="85000"/>
+                    <a:lumOff val="15000"/>
+                  </a:schemeClr>
+                </a:solidFill>
+                <a:latin typeface="Consolas" panose="020B0609020204030204" pitchFamily="49" charset="0"/>
+              </a:rPr>
+              <a:t>r</a:t>
+            </a:r>
+            <a:r>
+              <a:rPr lang="de-AT" sz="2200" dirty="0">
+                <a:solidFill>
+                  <a:schemeClr val="tx1">
+                    <a:lumMod val="85000"/>
+                    <a:lumOff val="15000"/>
+                  </a:schemeClr>
+                </a:solidFill>
+                <a:latin typeface="Consolas" panose="020B0609020204030204" pitchFamily="49" charset="0"/>
+              </a:rPr>
+              <a:t> = -0.93, p &lt; 0.001</a:t>
+            </a:r>
+          </a:p>
+          <a:p>
+            <a:pPr algn="just"/>
+            <a:r>
+              <a:rPr lang="de-AT" sz="2200" dirty="0">
+                <a:solidFill>
+                  <a:schemeClr val="tx1">
+                    <a:lumMod val="85000"/>
+                    <a:lumOff val="15000"/>
+                  </a:schemeClr>
+                </a:solidFill>
+                <a:latin typeface="Consolas" panose="020B0609020204030204" pitchFamily="49" charset="0"/>
+              </a:rPr>
+              <a:t>Shows: </a:t>
+            </a:r>
+            <a:r>
+              <a:rPr lang="de-AT" sz="2200" i="1" dirty="0">
+                <a:solidFill>
+                  <a:schemeClr val="tx1">
+                    <a:lumMod val="85000"/>
+                    <a:lumOff val="15000"/>
+                  </a:schemeClr>
+                </a:solidFill>
+                <a:latin typeface="Consolas" panose="020B0609020204030204" pitchFamily="49" charset="0"/>
+              </a:rPr>
+              <a:t>r</a:t>
+            </a:r>
+            <a:r>
+              <a:rPr lang="de-AT" sz="2200" dirty="0">
+                <a:solidFill>
+                  <a:schemeClr val="tx1">
+                    <a:lumMod val="85000"/>
+                    <a:lumOff val="15000"/>
+                  </a:schemeClr>
+                </a:solidFill>
+                <a:latin typeface="Consolas" panose="020B0609020204030204" pitchFamily="49" charset="0"/>
+              </a:rPr>
+              <a:t> = 0.37, </a:t>
+            </a:r>
+            <a:r>
+              <a:rPr lang="de-AT" sz="2200" i="1" dirty="0">
+                <a:solidFill>
+                  <a:schemeClr val="tx1">
+                    <a:lumMod val="85000"/>
+                    <a:lumOff val="15000"/>
+                  </a:schemeClr>
+                </a:solidFill>
+                <a:latin typeface="Consolas" panose="020B0609020204030204" pitchFamily="49" charset="0"/>
+              </a:rPr>
+              <a:t>p</a:t>
+            </a:r>
+            <a:r>
+              <a:rPr lang="de-AT" sz="2200" dirty="0">
+                <a:solidFill>
+                  <a:schemeClr val="tx1">
+                    <a:lumMod val="85000"/>
+                    <a:lumOff val="15000"/>
+                  </a:schemeClr>
+                </a:solidFill>
+                <a:latin typeface="Consolas" panose="020B0609020204030204" pitchFamily="49" charset="0"/>
+              </a:rPr>
+              <a:t> = 0.019. </a:t>
+            </a:r>
+            <a:r>
+              <a:rPr lang="de-AT" sz="2200" dirty="0" err="1">
+                <a:solidFill>
+                  <a:schemeClr val="tx1">
+                    <a:lumMod val="85000"/>
+                    <a:lumOff val="15000"/>
+                  </a:schemeClr>
+                </a:solidFill>
+                <a:latin typeface="Consolas" panose="020B0609020204030204" pitchFamily="49" charset="0"/>
+              </a:rPr>
+              <a:t>Starting</a:t>
+            </a:r>
+            <a:r>
+              <a:rPr lang="de-AT" sz="2200" dirty="0">
+                <a:solidFill>
+                  <a:schemeClr val="tx1">
+                    <a:lumMod val="85000"/>
+                    <a:lumOff val="15000"/>
+                  </a:schemeClr>
+                </a:solidFill>
+                <a:latin typeface="Consolas" panose="020B0609020204030204" pitchFamily="49" charset="0"/>
+              </a:rPr>
+              <a:t> </a:t>
+            </a:r>
+            <a:r>
+              <a:rPr lang="de-AT" sz="2200" dirty="0" err="1">
+                <a:solidFill>
+                  <a:schemeClr val="tx1">
+                    <a:lumMod val="85000"/>
+                    <a:lumOff val="15000"/>
+                  </a:schemeClr>
+                </a:solidFill>
+                <a:latin typeface="Consolas" panose="020B0609020204030204" pitchFamily="49" charset="0"/>
+              </a:rPr>
+              <a:t>from</a:t>
+            </a:r>
+            <a:r>
+              <a:rPr lang="de-AT" sz="2200" dirty="0">
+                <a:solidFill>
+                  <a:schemeClr val="tx1">
+                    <a:lumMod val="85000"/>
+                    <a:lumOff val="15000"/>
+                  </a:schemeClr>
+                </a:solidFill>
+                <a:latin typeface="Consolas" panose="020B0609020204030204" pitchFamily="49" charset="0"/>
+              </a:rPr>
+              <a:t> </a:t>
+            </a:r>
+            <a:r>
+              <a:rPr lang="de-AT" sz="2200" dirty="0" err="1">
+                <a:solidFill>
+                  <a:schemeClr val="tx1">
+                    <a:lumMod val="85000"/>
+                    <a:lumOff val="15000"/>
+                  </a:schemeClr>
+                </a:solidFill>
+                <a:latin typeface="Consolas" panose="020B0609020204030204" pitchFamily="49" charset="0"/>
+              </a:rPr>
+              <a:t>year</a:t>
+            </a:r>
+            <a:r>
+              <a:rPr lang="de-AT" sz="2200" dirty="0">
+                <a:solidFill>
+                  <a:schemeClr val="tx1">
+                    <a:lumMod val="85000"/>
+                    <a:lumOff val="15000"/>
+                  </a:schemeClr>
+                </a:solidFill>
+                <a:latin typeface="Consolas" panose="020B0609020204030204" pitchFamily="49" charset="0"/>
+              </a:rPr>
+              <a:t> 2000: </a:t>
+            </a:r>
+            <a:r>
+              <a:rPr lang="de-AT" sz="2200" i="1" dirty="0">
+                <a:solidFill>
+                  <a:schemeClr val="tx1">
+                    <a:lumMod val="85000"/>
+                    <a:lumOff val="15000"/>
+                  </a:schemeClr>
+                </a:solidFill>
+                <a:latin typeface="Consolas" panose="020B0609020204030204" pitchFamily="49" charset="0"/>
+              </a:rPr>
+              <a:t>r</a:t>
+            </a:r>
+            <a:r>
+              <a:rPr lang="de-AT" sz="2200" dirty="0">
+                <a:solidFill>
+                  <a:schemeClr val="tx1">
+                    <a:lumMod val="85000"/>
+                    <a:lumOff val="15000"/>
+                  </a:schemeClr>
+                </a:solidFill>
+                <a:latin typeface="Consolas" panose="020B0609020204030204" pitchFamily="49" charset="0"/>
+              </a:rPr>
+              <a:t> = 0.68, </a:t>
+            </a:r>
+            <a:r>
+              <a:rPr lang="de-AT" sz="2200" i="1" dirty="0">
+                <a:solidFill>
+                  <a:schemeClr val="tx1">
+                    <a:lumMod val="85000"/>
+                    <a:lumOff val="15000"/>
+                  </a:schemeClr>
+                </a:solidFill>
+                <a:latin typeface="Consolas" panose="020B0609020204030204" pitchFamily="49" charset="0"/>
+              </a:rPr>
+              <a:t>p</a:t>
+            </a:r>
+            <a:r>
+              <a:rPr lang="de-AT" sz="2200" dirty="0">
+                <a:solidFill>
+                  <a:schemeClr val="tx1">
+                    <a:lumMod val="85000"/>
+                    <a:lumOff val="15000"/>
+                  </a:schemeClr>
+                </a:solidFill>
+                <a:latin typeface="Consolas" panose="020B0609020204030204" pitchFamily="49" charset="0"/>
+              </a:rPr>
+              <a:t> &lt; 0.001</a:t>
+            </a:r>
+            <a:endParaRPr lang="en-US" sz="2200" dirty="0">
+              <a:solidFill>
+                <a:schemeClr val="tx1">
+                  <a:lumMod val="85000"/>
+                  <a:lumOff val="15000"/>
+                </a:schemeClr>
+              </a:solidFill>
+              <a:latin typeface="Consolas" panose="020B0609020204030204" pitchFamily="49" charset="0"/>
             </a:endParaRPr>
           </a:p>
         </p:txBody>
@@ -3348,7 +8555,7 @@
     </p:spTree>
     <p:extLst>
       <p:ext uri="{BB962C8B-B14F-4D97-AF65-F5344CB8AC3E}">
-        <p14:creationId xmlns:p14="http://schemas.microsoft.com/office/powerpoint/2010/main" val="3874869272"/>
+        <p14:creationId xmlns:p14="http://schemas.microsoft.com/office/powerpoint/2010/main" val="3440994048"/>
       </p:ext>
     </p:extLst>
   </p:cSld>
@@ -3359,9 +8566,9 @@
 </file>
 
 <file path=ppt/theme/theme1.xml><?xml version="1.0" encoding="utf-8"?>
-<a:theme xmlns:a="http://schemas.openxmlformats.org/drawingml/2006/main" name="100CMx140CM template">
+<a:theme xmlns:a="http://schemas.openxmlformats.org/drawingml/2006/main" name="PosterPresentations.com-100CMx140CM">
   <a:themeElements>
-    <a:clrScheme name="Office">
+    <a:clrScheme name="Paper">
       <a:dk1>
         <a:sysClr val="windowText" lastClr="000000"/>
       </a:dk1>
@@ -3369,34 +8576,34 @@
         <a:sysClr val="window" lastClr="FFFFFF"/>
       </a:lt1>
       <a:dk2>
-        <a:srgbClr val="44546A"/>
+        <a:srgbClr val="444D26"/>
       </a:dk2>
       <a:lt2>
-        <a:srgbClr val="E7E6E6"/>
+        <a:srgbClr val="FEFAC9"/>
       </a:lt2>
       <a:accent1>
-        <a:srgbClr val="5B9BD5"/>
+        <a:srgbClr val="A5B592"/>
       </a:accent1>
       <a:accent2>
-        <a:srgbClr val="ED7D31"/>
+        <a:srgbClr val="F3A447"/>
       </a:accent2>
       <a:accent3>
-        <a:srgbClr val="A5A5A5"/>
+        <a:srgbClr val="E7BC29"/>
       </a:accent3>
       <a:accent4>
-        <a:srgbClr val="FFC000"/>
+        <a:srgbClr val="D092A7"/>
       </a:accent4>
       <a:accent5>
-        <a:srgbClr val="4472C4"/>
+        <a:srgbClr val="9C85C0"/>
       </a:accent5>
       <a:accent6>
-        <a:srgbClr val="70AD47"/>
+        <a:srgbClr val="809EC2"/>
       </a:accent6>
       <a:hlink>
-        <a:srgbClr val="0563C1"/>
+        <a:srgbClr val="8E58B6"/>
       </a:hlink>
       <a:folHlink>
-        <a:srgbClr val="954F72"/>
+        <a:srgbClr val="7F6F6F"/>
       </a:folHlink>
     </a:clrScheme>
     <a:fontScheme name="Office">
@@ -3659,9 +8866,9 @@
 </file>
 
 <file path=ppt/theme/theme2.xml><?xml version="1.0" encoding="utf-8"?>
-<a:theme xmlns:a="http://schemas.openxmlformats.org/drawingml/2006/main" name="Without guides">
+<a:theme xmlns:a="http://schemas.openxmlformats.org/drawingml/2006/main" name="Without Quick Guides">
   <a:themeElements>
-    <a:clrScheme name="Office">
+    <a:clrScheme name="Paper">
       <a:dk1>
         <a:sysClr val="windowText" lastClr="000000"/>
       </a:dk1>
@@ -3669,34 +8876,34 @@
         <a:sysClr val="window" lastClr="FFFFFF"/>
       </a:lt1>
       <a:dk2>
-        <a:srgbClr val="44546A"/>
+        <a:srgbClr val="444D26"/>
       </a:dk2>
       <a:lt2>
-        <a:srgbClr val="E7E6E6"/>
+        <a:srgbClr val="FEFAC9"/>
       </a:lt2>
       <a:accent1>
-        <a:srgbClr val="5B9BD5"/>
+        <a:srgbClr val="A5B592"/>
       </a:accent1>
       <a:accent2>
-        <a:srgbClr val="ED7D31"/>
+        <a:srgbClr val="F3A447"/>
       </a:accent2>
       <a:accent3>
-        <a:srgbClr val="A5A5A5"/>
+        <a:srgbClr val="E7BC29"/>
       </a:accent3>
       <a:accent4>
-        <a:srgbClr val="FFC000"/>
+        <a:srgbClr val="D092A7"/>
       </a:accent4>
       <a:accent5>
-        <a:srgbClr val="4472C4"/>
+        <a:srgbClr val="9C85C0"/>
       </a:accent5>
       <a:accent6>
-        <a:srgbClr val="70AD47"/>
+        <a:srgbClr val="809EC2"/>
       </a:accent6>
       <a:hlink>
-        <a:srgbClr val="0563C1"/>
+        <a:srgbClr val="8E58B6"/>
       </a:hlink>
       <a:folHlink>
-        <a:srgbClr val="954F72"/>
+        <a:srgbClr val="7F6F6F"/>
       </a:folHlink>
     </a:clrScheme>
     <a:fontScheme name="Office">
@@ -3959,9 +9166,9 @@
 </file>
 
 <file path=ppt/theme/theme3.xml><?xml version="1.0" encoding="utf-8"?>
-<a:theme xmlns:a="http://schemas.openxmlformats.org/drawingml/2006/main" name="Office Theme">
+<a:theme xmlns:a="http://schemas.openxmlformats.org/drawingml/2006/main" name="Classic - Wide Center">
   <a:themeElements>
-    <a:clrScheme name="Office">
+    <a:clrScheme name="Paper">
       <a:dk1>
         <a:sysClr val="windowText" lastClr="000000"/>
       </a:dk1>
@@ -3969,34 +9176,34 @@
         <a:sysClr val="window" lastClr="FFFFFF"/>
       </a:lt1>
       <a:dk2>
-        <a:srgbClr val="1F497D"/>
+        <a:srgbClr val="444D26"/>
       </a:dk2>
       <a:lt2>
-        <a:srgbClr val="EEECE1"/>
+        <a:srgbClr val="FEFAC9"/>
       </a:lt2>
       <a:accent1>
-        <a:srgbClr val="4F81BD"/>
+        <a:srgbClr val="A5B592"/>
       </a:accent1>
       <a:accent2>
-        <a:srgbClr val="C0504D"/>
+        <a:srgbClr val="F3A447"/>
       </a:accent2>
       <a:accent3>
-        <a:srgbClr val="9BBB59"/>
+        <a:srgbClr val="E7BC29"/>
       </a:accent3>
       <a:accent4>
-        <a:srgbClr val="8064A2"/>
+        <a:srgbClr val="D092A7"/>
       </a:accent4>
       <a:accent5>
-        <a:srgbClr val="4BACC6"/>
+        <a:srgbClr val="9C85C0"/>
       </a:accent5>
       <a:accent6>
-        <a:srgbClr val="F79646"/>
+        <a:srgbClr val="809EC2"/>
       </a:accent6>
       <a:hlink>
-        <a:srgbClr val="0000FF"/>
+        <a:srgbClr val="8E58B6"/>
       </a:hlink>
       <a:folHlink>
-        <a:srgbClr val="800080"/>
+        <a:srgbClr val="7F6F6F"/>
       </a:folHlink>
     </a:clrScheme>
     <a:fontScheme name="Office">
@@ -4236,7 +9443,24 @@
       </a:bgFillStyleLst>
     </a:fmtScheme>
   </a:themeElements>
-  <a:objectDefaults/>
+  <a:objectDefaults>
+    <a:txDef>
+      <a:spPr>
+        <a:noFill/>
+      </a:spPr>
+      <a:bodyPr wrap="square" rtlCol="0">
+        <a:spAutoFit/>
+      </a:bodyPr>
+      <a:lstStyle>
+        <a:defPPr>
+          <a:defRPr sz="2800" dirty="0">
+            <a:latin typeface="Times New Roman" panose="02020603050405020304" pitchFamily="18" charset="0"/>
+            <a:cs typeface="Times New Roman" panose="02020603050405020304" pitchFamily="18" charset="0"/>
+          </a:defRPr>
+        </a:defPPr>
+      </a:lstStyle>
+    </a:txDef>
+  </a:objectDefaults>
   <a:extraClrSchemeLst/>
 </a:theme>
 </file>
@@ -4522,4 +9746,287 @@
   <a:objectDefaults/>
   <a:extraClrSchemeLst/>
 </a:theme>
+</file>
+
+<file path=ppt/theme/theme5.xml><?xml version="1.0" encoding="utf-8"?>
+<a:theme xmlns:a="http://schemas.openxmlformats.org/drawingml/2006/main" name="Office Theme">
+  <a:themeElements>
+    <a:clrScheme name="Office">
+      <a:dk1>
+        <a:sysClr val="windowText" lastClr="000000"/>
+      </a:dk1>
+      <a:lt1>
+        <a:sysClr val="window" lastClr="FFFFFF"/>
+      </a:lt1>
+      <a:dk2>
+        <a:srgbClr val="1F497D"/>
+      </a:dk2>
+      <a:lt2>
+        <a:srgbClr val="EEECE1"/>
+      </a:lt2>
+      <a:accent1>
+        <a:srgbClr val="4F81BD"/>
+      </a:accent1>
+      <a:accent2>
+        <a:srgbClr val="C0504D"/>
+      </a:accent2>
+      <a:accent3>
+        <a:srgbClr val="9BBB59"/>
+      </a:accent3>
+      <a:accent4>
+        <a:srgbClr val="8064A2"/>
+      </a:accent4>
+      <a:accent5>
+        <a:srgbClr val="4BACC6"/>
+      </a:accent5>
+      <a:accent6>
+        <a:srgbClr val="F79646"/>
+      </a:accent6>
+      <a:hlink>
+        <a:srgbClr val="0000FF"/>
+      </a:hlink>
+      <a:folHlink>
+        <a:srgbClr val="800080"/>
+      </a:folHlink>
+    </a:clrScheme>
+    <a:fontScheme name="Office">
+      <a:majorFont>
+        <a:latin typeface="Calibri"/>
+        <a:ea typeface=""/>
+        <a:cs typeface=""/>
+        <a:font script="Jpan" typeface="ＭＳ Ｐゴシック"/>
+        <a:font script="Hang" typeface="맑은 고딕"/>
+        <a:font script="Hans" typeface="宋体"/>
+        <a:font script="Hant" typeface="新細明體"/>
+        <a:font script="Arab" typeface="Times New Roman"/>
+        <a:font script="Hebr" typeface="Times New Roman"/>
+        <a:font script="Thai" typeface="Angsana New"/>
+        <a:font script="Ethi" typeface="Nyala"/>
+        <a:font script="Beng" typeface="Vrinda"/>
+        <a:font script="Gujr" typeface="Shruti"/>
+        <a:font script="Khmr" typeface="MoolBoran"/>
+        <a:font script="Knda" typeface="Tunga"/>
+        <a:font script="Guru" typeface="Raavi"/>
+        <a:font script="Cans" typeface="Euphemia"/>
+        <a:font script="Cher" typeface="Plantagenet Cherokee"/>
+        <a:font script="Yiii" typeface="Microsoft Yi Baiti"/>
+        <a:font script="Tibt" typeface="Microsoft Himalaya"/>
+        <a:font script="Thaa" typeface="MV Boli"/>
+        <a:font script="Deva" typeface="Mangal"/>
+        <a:font script="Telu" typeface="Gautami"/>
+        <a:font script="Taml" typeface="Latha"/>
+        <a:font script="Syrc" typeface="Estrangelo Edessa"/>
+        <a:font script="Orya" typeface="Kalinga"/>
+        <a:font script="Mlym" typeface="Kartika"/>
+        <a:font script="Laoo" typeface="DokChampa"/>
+        <a:font script="Sinh" typeface="Iskoola Pota"/>
+        <a:font script="Mong" typeface="Mongolian Baiti"/>
+        <a:font script="Viet" typeface="Times New Roman"/>
+        <a:font script="Uigh" typeface="Microsoft Uighur"/>
+      </a:majorFont>
+      <a:minorFont>
+        <a:latin typeface="Calibri"/>
+        <a:ea typeface=""/>
+        <a:cs typeface=""/>
+        <a:font script="Jpan" typeface="ＭＳ Ｐゴシック"/>
+        <a:font script="Hang" typeface="맑은 고딕"/>
+        <a:font script="Hans" typeface="宋体"/>
+        <a:font script="Hant" typeface="新細明體"/>
+        <a:font script="Arab" typeface="Arial"/>
+        <a:font script="Hebr" typeface="Arial"/>
+        <a:font script="Thai" typeface="Cordia New"/>
+        <a:font script="Ethi" typeface="Nyala"/>
+        <a:font script="Beng" typeface="Vrinda"/>
+        <a:font script="Gujr" typeface="Shruti"/>
+        <a:font script="Khmr" typeface="DaunPenh"/>
+        <a:font script="Knda" typeface="Tunga"/>
+        <a:font script="Guru" typeface="Raavi"/>
+        <a:font script="Cans" typeface="Euphemia"/>
+        <a:font script="Cher" typeface="Plantagenet Cherokee"/>
+        <a:font script="Yiii" typeface="Microsoft Yi Baiti"/>
+        <a:font script="Tibt" typeface="Microsoft Himalaya"/>
+        <a:font script="Thaa" typeface="MV Boli"/>
+        <a:font script="Deva" typeface="Mangal"/>
+        <a:font script="Telu" typeface="Gautami"/>
+        <a:font script="Taml" typeface="Latha"/>
+        <a:font script="Syrc" typeface="Estrangelo Edessa"/>
+        <a:font script="Orya" typeface="Kalinga"/>
+        <a:font script="Mlym" typeface="Kartika"/>
+        <a:font script="Laoo" typeface="DokChampa"/>
+        <a:font script="Sinh" typeface="Iskoola Pota"/>
+        <a:font script="Mong" typeface="Mongolian Baiti"/>
+        <a:font script="Viet" typeface="Arial"/>
+        <a:font script="Uigh" typeface="Microsoft Uighur"/>
+      </a:minorFont>
+    </a:fontScheme>
+    <a:fmtScheme name="Office">
+      <a:fillStyleLst>
+        <a:solidFill>
+          <a:schemeClr val="phClr"/>
+        </a:solidFill>
+        <a:gradFill rotWithShape="1">
+          <a:gsLst>
+            <a:gs pos="0">
+              <a:schemeClr val="phClr">
+                <a:tint val="50000"/>
+                <a:satMod val="300000"/>
+              </a:schemeClr>
+            </a:gs>
+            <a:gs pos="35000">
+              <a:schemeClr val="phClr">
+                <a:tint val="37000"/>
+                <a:satMod val="300000"/>
+              </a:schemeClr>
+            </a:gs>
+            <a:gs pos="100000">
+              <a:schemeClr val="phClr">
+                <a:tint val="15000"/>
+                <a:satMod val="350000"/>
+              </a:schemeClr>
+            </a:gs>
+          </a:gsLst>
+          <a:lin ang="16200000" scaled="1"/>
+        </a:gradFill>
+        <a:gradFill rotWithShape="1">
+          <a:gsLst>
+            <a:gs pos="0">
+              <a:schemeClr val="phClr">
+                <a:shade val="51000"/>
+                <a:satMod val="130000"/>
+              </a:schemeClr>
+            </a:gs>
+            <a:gs pos="80000">
+              <a:schemeClr val="phClr">
+                <a:shade val="93000"/>
+                <a:satMod val="130000"/>
+              </a:schemeClr>
+            </a:gs>
+            <a:gs pos="100000">
+              <a:schemeClr val="phClr">
+                <a:shade val="94000"/>
+                <a:satMod val="135000"/>
+              </a:schemeClr>
+            </a:gs>
+          </a:gsLst>
+          <a:lin ang="16200000" scaled="0"/>
+        </a:gradFill>
+      </a:fillStyleLst>
+      <a:lnStyleLst>
+        <a:ln w="9525" cap="flat" cmpd="sng" algn="ctr">
+          <a:solidFill>
+            <a:schemeClr val="phClr">
+              <a:shade val="95000"/>
+              <a:satMod val="105000"/>
+            </a:schemeClr>
+          </a:solidFill>
+          <a:prstDash val="solid"/>
+        </a:ln>
+        <a:ln w="25400" cap="flat" cmpd="sng" algn="ctr">
+          <a:solidFill>
+            <a:schemeClr val="phClr"/>
+          </a:solidFill>
+          <a:prstDash val="solid"/>
+        </a:ln>
+        <a:ln w="38100" cap="flat" cmpd="sng" algn="ctr">
+          <a:solidFill>
+            <a:schemeClr val="phClr"/>
+          </a:solidFill>
+          <a:prstDash val="solid"/>
+        </a:ln>
+      </a:lnStyleLst>
+      <a:effectStyleLst>
+        <a:effectStyle>
+          <a:effectLst>
+            <a:outerShdw blurRad="40000" dist="20000" dir="5400000" rotWithShape="0">
+              <a:srgbClr val="000000">
+                <a:alpha val="38000"/>
+              </a:srgbClr>
+            </a:outerShdw>
+          </a:effectLst>
+        </a:effectStyle>
+        <a:effectStyle>
+          <a:effectLst>
+            <a:outerShdw blurRad="40000" dist="23000" dir="5400000" rotWithShape="0">
+              <a:srgbClr val="000000">
+                <a:alpha val="35000"/>
+              </a:srgbClr>
+            </a:outerShdw>
+          </a:effectLst>
+        </a:effectStyle>
+        <a:effectStyle>
+          <a:effectLst>
+            <a:outerShdw blurRad="40000" dist="23000" dir="5400000" rotWithShape="0">
+              <a:srgbClr val="000000">
+                <a:alpha val="35000"/>
+              </a:srgbClr>
+            </a:outerShdw>
+          </a:effectLst>
+          <a:scene3d>
+            <a:camera prst="orthographicFront">
+              <a:rot lat="0" lon="0" rev="0"/>
+            </a:camera>
+            <a:lightRig rig="threePt" dir="t">
+              <a:rot lat="0" lon="0" rev="1200000"/>
+            </a:lightRig>
+          </a:scene3d>
+          <a:sp3d>
+            <a:bevelT w="63500" h="25400"/>
+          </a:sp3d>
+        </a:effectStyle>
+      </a:effectStyleLst>
+      <a:bgFillStyleLst>
+        <a:solidFill>
+          <a:schemeClr val="phClr"/>
+        </a:solidFill>
+        <a:gradFill rotWithShape="1">
+          <a:gsLst>
+            <a:gs pos="0">
+              <a:schemeClr val="phClr">
+                <a:tint val="40000"/>
+                <a:satMod val="350000"/>
+              </a:schemeClr>
+            </a:gs>
+            <a:gs pos="40000">
+              <a:schemeClr val="phClr">
+                <a:tint val="45000"/>
+                <a:shade val="99000"/>
+                <a:satMod val="350000"/>
+              </a:schemeClr>
+            </a:gs>
+            <a:gs pos="100000">
+              <a:schemeClr val="phClr">
+                <a:shade val="20000"/>
+                <a:satMod val="255000"/>
+              </a:schemeClr>
+            </a:gs>
+          </a:gsLst>
+          <a:path path="circle">
+            <a:fillToRect l="50000" t="-80000" r="50000" b="180000"/>
+          </a:path>
+        </a:gradFill>
+        <a:gradFill rotWithShape="1">
+          <a:gsLst>
+            <a:gs pos="0">
+              <a:schemeClr val="phClr">
+                <a:tint val="80000"/>
+                <a:satMod val="300000"/>
+              </a:schemeClr>
+            </a:gs>
+            <a:gs pos="100000">
+              <a:schemeClr val="phClr">
+                <a:shade val="30000"/>
+                <a:satMod val="200000"/>
+              </a:schemeClr>
+            </a:gs>
+          </a:gsLst>
+          <a:path path="circle">
+            <a:fillToRect l="50000" t="50000" r="50000" b="50000"/>
+          </a:path>
+        </a:gradFill>
+      </a:bgFillStyleLst>
+    </a:fmtScheme>
+  </a:themeElements>
+  <a:objectDefaults/>
+  <a:extraClrSchemeLst/>
+</a:theme>
 </file>
--- a/Poster.pptx
+++ b/Poster.pptx
@@ -257,7 +257,7 @@
             <a:fld id="{0158C5BC-9A70-462C-B28D-9600239EAC64}" type="datetimeFigureOut">
               <a:rPr lang="en-US" smtClean="0"/>
               <a:pPr/>
-              <a:t>1/17/2025</a:t>
+              <a:t>1/18/2025</a:t>
             </a:fld>
             <a:endParaRPr lang="en-US"/>
           </a:p>
@@ -424,7 +424,7 @@
             <a:fld id="{E6CC2317-6751-4CD4-9995-8782DD78E936}" type="datetimeFigureOut">
               <a:rPr lang="en-US" smtClean="0"/>
               <a:pPr/>
-              <a:t>1/17/2025</a:t>
+              <a:t>1/18/2025</a:t>
             </a:fld>
             <a:endParaRPr lang="en-US" dirty="0"/>
           </a:p>

--- a/Poster.pptx
+++ b/Poster.pptx
@@ -5857,7 +5857,7 @@
           </a:solidFill>
           <a:ln>
             <a:solidFill>
-              <a:srgbClr val="F6C0C4"/>
+              <a:srgbClr val="E2212D"/>
             </a:solidFill>
           </a:ln>
         </p:spPr>
@@ -6344,6 +6344,11 @@
           <a:solidFill>
             <a:srgbClr val="E2212D"/>
           </a:solidFill>
+          <a:ln>
+            <a:solidFill>
+              <a:srgbClr val="E2212D"/>
+            </a:solidFill>
+          </a:ln>
         </p:spPr>
         <p:style>
           <a:lnRef idx="1">
@@ -6539,6 +6544,11 @@
           <a:solidFill>
             <a:srgbClr val="E2212D"/>
           </a:solidFill>
+          <a:ln>
+            <a:solidFill>
+              <a:srgbClr val="E2212D"/>
+            </a:solidFill>
+          </a:ln>
         </p:spPr>
         <p:style>
           <a:lnRef idx="1">
@@ -6960,6 +6970,11 @@
           <a:solidFill>
             <a:srgbClr val="E2212D"/>
           </a:solidFill>
+          <a:ln>
+            <a:solidFill>
+              <a:srgbClr val="E2212D"/>
+            </a:solidFill>
+          </a:ln>
         </p:spPr>
         <p:style>
           <a:lnRef idx="1">
